--- a/presentation/赤土崎全齡社福樞紐-蔡秀吉-完整版.pptx
+++ b/presentation/赤土崎全齡社福樞紐-蔡秀吉-完整版.pptx
@@ -4,6 +4,9 @@
   <p:sldMasterIdLst>
     <p:sldMasterId id="2147483648" r:id="rId1"/>
   </p:sldMasterIdLst>
+  <p:notesMasterIdLst>
+    <p:notesMasterId r:id="rId12"/>
+  </p:notesMasterIdLst>
   <p:sldIdLst>
     <p:sldId id="256" r:id="rId2"/>
     <p:sldId id="257" r:id="rId3"/>
@@ -16,10 +19,7 @@
     <p:sldId id="264" r:id="rId10"/>
     <p:sldId id="265" r:id="rId11"/>
   </p:sldIdLst>
-  <p:notesMasterIdLst>
-    <p:notesMasterId r:id="rId12"/>
-  </p:notesMasterIdLst>
-  <p:sldSz cx="9144000" cy="5143500"/>
+  <p:sldSz cx="9144000" cy="5143500" type="screen16x9"/>
   <p:notesSz cx="5143500" cy="9144000"/>
   <p:defaultTextStyle>
     <a:lvl1pPr marL="0" algn="l" defTabSz="914400" rtl="0" eaLnBrk="1" latinLnBrk="0" hangingPunct="1">
@@ -113,6 +113,11 @@
       </a:defRPr>
     </a:lvl9pPr>
   </p:defaultTextStyle>
+  <p:extLst>
+    <p:ext uri="{EFAFB233-063F-42B5-8137-9DF3F51BA10A}">
+      <p15:sldGuideLst xmlns:p15="http://schemas.microsoft.com/office/powerpoint/2012/main"/>
+    </p:ext>
+  </p:extLst>
 </p:presentation>
 </file>
 
@@ -138,234 +143,10 @@
           <a:chExt cx="0" cy="0"/>
         </a:xfrm>
       </p:grpSpPr>
-      <p:sp>
-        <p:nvSpPr>
-          <p:cNvPr id="2" name="Header Placeholder 1"/>
-          <p:cNvSpPr>
-            <a:spLocks noGrp="1"/>
-          </p:cNvSpPr>
-          <p:nvPr>
-            <p:ph type="hdr" sz="quarter"/>
-          </p:nvPr>
-        </p:nvSpPr>
-        <p:spPr>
-          <a:xfrm>
-            <a:off x="0" y="0"/>
-            <a:ext cx="2971800" cy="458788"/>
-          </a:xfrm>
-          <a:prstGeom prst="rect">
-            <a:avLst/>
-          </a:prstGeom>
-        </p:spPr>
-        <p:txBody>
-          <a:bodyPr vert="horz" lIns="91440" tIns="45720" rIns="91440" bIns="45720" rtlCol="0"/>
-          <a:lstStyle>
-            <a:lvl1pPr algn="l">
-              <a:defRPr sz="1200"/>
-            </a:lvl1pPr>
-          </a:lstStyle>
-          <a:p>
-            <a:endParaRPr lang="en-US"/>
-          </a:p>
-        </p:txBody>
-      </p:sp>
-      <p:sp>
-        <p:nvSpPr>
-          <p:cNvPr id="3" name="Date Placeholder 2"/>
-          <p:cNvSpPr>
-            <a:spLocks noGrp="1"/>
-          </p:cNvSpPr>
-          <p:nvPr>
-            <p:ph type="dt" idx="1"/>
-          </p:nvPr>
-        </p:nvSpPr>
-        <p:spPr>
-          <a:xfrm>
-            <a:off x="3884613" y="0"/>
-            <a:ext cx="2971800" cy="458788"/>
-          </a:xfrm>
-          <a:prstGeom prst="rect">
-            <a:avLst/>
-          </a:prstGeom>
-        </p:spPr>
-        <p:txBody>
-          <a:bodyPr vert="horz" lIns="91440" tIns="45720" rIns="91440" bIns="45720" rtlCol="0"/>
-          <a:lstStyle>
-            <a:lvl1pPr algn="r">
-              <a:defRPr sz="1200"/>
-            </a:lvl1pPr>
-          </a:lstStyle>
-          <a:p>
-            <a:fld id="{5282F153-3F37-0F45-9E97-73ACFA13230C}" type="datetimeFigureOut">
-              <a:rPr lang="en-US"/>
-              <a:t>7/23/19</a:t>
-            </a:fld>
-            <a:endParaRPr lang="en-US"/>
-          </a:p>
-        </p:txBody>
-      </p:sp>
-      <p:sp>
-        <p:nvSpPr>
-          <p:cNvPr id="4" name="Slide Image Placeholder 3"/>
-          <p:cNvSpPr>
-            <a:spLocks noGrp="1" noRot="1" noChangeAspect="1"/>
-          </p:cNvSpPr>
-          <p:nvPr>
-            <p:ph type="sldImg" idx="2"/>
-          </p:nvPr>
-        </p:nvSpPr>
-        <p:spPr>
-          <a:xfrm>
-            <a:off x="685800" y="1143000"/>
-            <a:ext cx="5486400" cy="3086100"/>
-          </a:xfrm>
-          <a:prstGeom prst="rect">
-            <a:avLst/>
-          </a:prstGeom>
-          <a:noFill/>
-          <a:ln w="12700">
-            <a:solidFill>
-              <a:prstClr val="black"/>
-            </a:solidFill>
-          </a:ln>
-        </p:spPr>
-        <p:txBody>
-          <a:bodyPr vert="horz" lIns="91440" tIns="45720" rIns="91440" bIns="45720" rtlCol="0" anchor="ctr"/>
-          <a:lstStyle/>
-          <a:p>
-            <a:endParaRPr lang="en-US"/>
-          </a:p>
-        </p:txBody>
-      </p:sp>
-      <p:sp>
-        <p:nvSpPr>
-          <p:cNvPr id="5" name="Notes Placeholder 4"/>
-          <p:cNvSpPr>
-            <a:spLocks noGrp="1"/>
-          </p:cNvSpPr>
-          <p:nvPr>
-            <p:ph type="body" sz="quarter" idx="3"/>
-          </p:nvPr>
-        </p:nvSpPr>
-        <p:spPr>
-          <a:xfrm>
-            <a:off x="685800" y="4400550"/>
-            <a:ext cx="5486400" cy="3600450"/>
-          </a:xfrm>
-          <a:prstGeom prst="rect">
-            <a:avLst/>
-          </a:prstGeom>
-        </p:spPr>
-        <p:txBody>
-          <a:bodyPr vert="horz" lIns="91440" tIns="45720" rIns="91440" bIns="45720" rtlCol="0"/>
-          <a:lstStyle/>
-          <a:p>
-            <a:pPr lvl="0"/>
-            <a:r>
-              <a:rPr lang="en-US"/>
-              <a:t>Click to edit Master text styles</a:t>
-            </a:r>
-          </a:p>
-          <a:p>
-            <a:pPr lvl="1"/>
-            <a:r>
-              <a:rPr lang="en-US"/>
-              <a:t>Second level</a:t>
-            </a:r>
-          </a:p>
-          <a:p>
-            <a:pPr lvl="2"/>
-            <a:r>
-              <a:rPr lang="en-US"/>
-              <a:t>Third level</a:t>
-            </a:r>
-          </a:p>
-          <a:p>
-            <a:pPr lvl="3"/>
-            <a:r>
-              <a:rPr lang="en-US"/>
-              <a:t>Fourth level</a:t>
-            </a:r>
-          </a:p>
-          <a:p>
-            <a:pPr lvl="4"/>
-            <a:r>
-              <a:rPr lang="en-US"/>
-              <a:t>Fifth level</a:t>
-            </a:r>
-          </a:p>
-        </p:txBody>
-      </p:sp>
-      <p:sp>
-        <p:nvSpPr>
-          <p:cNvPr id="6" name="Footer Placeholder 5"/>
-          <p:cNvSpPr>
-            <a:spLocks noGrp="1"/>
-          </p:cNvSpPr>
-          <p:nvPr>
-            <p:ph type="ftr" sz="quarter" idx="4"/>
-          </p:nvPr>
-        </p:nvSpPr>
-        <p:spPr>
-          <a:xfrm>
-            <a:off x="0" y="8685213"/>
-            <a:ext cx="2971800" cy="458787"/>
-          </a:xfrm>
-          <a:prstGeom prst="rect">
-            <a:avLst/>
-          </a:prstGeom>
-        </p:spPr>
-        <p:txBody>
-          <a:bodyPr vert="horz" lIns="91440" tIns="45720" rIns="91440" bIns="45720" rtlCol="0" anchor="b"/>
-          <a:lstStyle>
-            <a:lvl1pPr algn="l">
-              <a:defRPr sz="1200"/>
-            </a:lvl1pPr>
-          </a:lstStyle>
-          <a:p>
-            <a:endParaRPr lang="en-US"/>
-          </a:p>
-        </p:txBody>
-      </p:sp>
-      <p:sp>
-        <p:nvSpPr>
-          <p:cNvPr id="7" name="Slide Number Placeholder 6"/>
-          <p:cNvSpPr>
-            <a:spLocks noGrp="1"/>
-          </p:cNvSpPr>
-          <p:nvPr>
-            <p:ph type="sldNum" sz="quarter" idx="5"/>
-          </p:nvPr>
-        </p:nvSpPr>
-        <p:spPr>
-          <a:xfrm>
-            <a:off x="3884613" y="8685213"/>
-            <a:ext cx="2971800" cy="458787"/>
-          </a:xfrm>
-          <a:prstGeom prst="rect">
-            <a:avLst/>
-          </a:prstGeom>
-        </p:spPr>
-        <p:txBody>
-          <a:bodyPr vert="horz" lIns="91440" tIns="45720" rIns="91440" bIns="45720" rtlCol="0" anchor="b"/>
-          <a:lstStyle>
-            <a:lvl1pPr algn="r">
-              <a:defRPr sz="1200"/>
-            </a:lvl1pPr>
-          </a:lstStyle>
-          <a:p>
-            <a:fld id="{CE5E9CC1-C706-0F49-92D6-E571CC5EEA8F}" type="slidenum">
-              <a:rPr lang="en-US"/>
-              <a:t>‹#›</a:t>
-            </a:fld>
-            <a:endParaRPr lang="en-US"/>
-          </a:p>
-        </p:txBody>
-      </p:sp>
     </p:spTree>
     <p:extLst>
       <p:ext uri="{BB962C8B-B14F-4D97-AF65-F5344CB8AC3E}">
-        <p14:creationId xmlns:p14="http://schemas.microsoft.com/office/powerpoint/2010/main" val="1024086991"/>
+        <p14:creationId xmlns:p14="http://schemas.microsoft.com/office/powerpoint/2010/main" val="1487872977"/>
       </p:ext>
     </p:extLst>
   </p:cSld>
@@ -509,10 +290,6 @@
           <a:bodyPr/>
           <a:lstStyle/>
           <a:p>
-            <a:r>
-              <a:rPr lang="en-US" dirty="0"/>
-              <a:t/>
-            </a:r>
             <a:endParaRPr lang="en-US" dirty="0"/>
           </a:p>
         </p:txBody>
@@ -597,10 +374,6 @@
           <a:bodyPr/>
           <a:lstStyle/>
           <a:p>
-            <a:r>
-              <a:rPr lang="en-US" dirty="0"/>
-              <a:t/>
-            </a:r>
             <a:endParaRPr lang="en-US" dirty="0"/>
           </a:p>
         </p:txBody>
@@ -685,10 +458,6 @@
           <a:bodyPr/>
           <a:lstStyle/>
           <a:p>
-            <a:r>
-              <a:rPr lang="en-US" dirty="0"/>
-              <a:t/>
-            </a:r>
             <a:endParaRPr lang="en-US" dirty="0"/>
           </a:p>
         </p:txBody>
@@ -773,10 +542,6 @@
           <a:bodyPr/>
           <a:lstStyle/>
           <a:p>
-            <a:r>
-              <a:rPr lang="en-US" dirty="0"/>
-              <a:t/>
-            </a:r>
             <a:endParaRPr lang="en-US" dirty="0"/>
           </a:p>
         </p:txBody>
@@ -861,10 +626,6 @@
           <a:bodyPr/>
           <a:lstStyle/>
           <a:p>
-            <a:r>
-              <a:rPr lang="en-US" dirty="0"/>
-              <a:t/>
-            </a:r>
             <a:endParaRPr lang="en-US" dirty="0"/>
           </a:p>
         </p:txBody>
@@ -949,10 +710,6 @@
           <a:bodyPr/>
           <a:lstStyle/>
           <a:p>
-            <a:r>
-              <a:rPr lang="en-US" dirty="0"/>
-              <a:t/>
-            </a:r>
             <a:endParaRPr lang="en-US" dirty="0"/>
           </a:p>
         </p:txBody>
@@ -1037,10 +794,6 @@
           <a:bodyPr/>
           <a:lstStyle/>
           <a:p>
-            <a:r>
-              <a:rPr lang="en-US" dirty="0"/>
-              <a:t/>
-            </a:r>
             <a:endParaRPr lang="en-US" dirty="0"/>
           </a:p>
         </p:txBody>
@@ -1125,10 +878,6 @@
           <a:bodyPr/>
           <a:lstStyle/>
           <a:p>
-            <a:r>
-              <a:rPr lang="en-US" dirty="0"/>
-              <a:t/>
-            </a:r>
             <a:endParaRPr lang="en-US" dirty="0"/>
           </a:p>
         </p:txBody>
@@ -1213,10 +962,6 @@
           <a:bodyPr/>
           <a:lstStyle/>
           <a:p>
-            <a:r>
-              <a:rPr lang="en-US" dirty="0"/>
-              <a:t/>
-            </a:r>
             <a:endParaRPr lang="en-US" dirty="0"/>
           </a:p>
         </p:txBody>
@@ -1301,10 +1046,6 @@
           <a:bodyPr/>
           <a:lstStyle/>
           <a:p>
-            <a:r>
-              <a:rPr lang="en-US" dirty="0"/>
-              <a:t/>
-            </a:r>
             <a:endParaRPr lang="en-US" dirty="0"/>
           </a:p>
         </p:txBody>
@@ -1378,6 +1119,11 @@
 <file path=ppt/slideMasters/slideMaster1.xml><?xml version="1.0" encoding="utf-8"?>
 <p:sldMaster xmlns:a="http://schemas.openxmlformats.org/drawingml/2006/main" xmlns:r="http://schemas.openxmlformats.org/officeDocument/2006/relationships" xmlns:p="http://schemas.openxmlformats.org/presentationml/2006/main">
   <p:cSld>
+    <p:bg>
+      <p:bgRef idx="1001">
+        <a:schemeClr val="bg1"/>
+      </p:bgRef>
+    </p:bg>
     <p:spTree>
       <p:nvGrpSpPr>
         <p:cNvPr id="1" name=""/>
@@ -1660,6 +1406,7 @@
         <a:solidFill>
           <a:srgbClr val="0066CC"/>
         </a:solidFill>
+        <a:effectLst/>
       </p:bgPr>
     </p:bg>
     <p:spTree>
@@ -1697,7 +1444,7 @@
           <a:bodyPr wrap="square" rtlCol="0" anchor="ctr"/>
           <a:lstStyle/>
           <a:p>
-            <a:pPr algn="ctr" indent="0" marL="0">
+            <a:pPr marL="0" indent="0" algn="ctr">
               <a:buNone/>
             </a:pPr>
             <a:r>
@@ -1736,7 +1483,7 @@
           <a:bodyPr wrap="square" rtlCol="0" anchor="ctr"/>
           <a:lstStyle/>
           <a:p>
-            <a:pPr algn="ctr" indent="0" marL="0">
+            <a:pPr marL="0" indent="0" algn="ctr">
               <a:buNone/>
             </a:pPr>
             <a:r>
@@ -1775,7 +1522,7 @@
           <a:bodyPr wrap="square" rtlCol="0" anchor="ctr"/>
           <a:lstStyle/>
           <a:p>
-            <a:pPr algn="ctr" indent="0" marL="0">
+            <a:pPr marL="0" indent="0" algn="ctr">
               <a:buNone/>
             </a:pPr>
             <a:r>
@@ -1814,6 +1561,13 @@
           </a:solidFill>
           <a:ln/>
         </p:spPr>
+        <p:txBody>
+          <a:bodyPr/>
+          <a:lstStyle/>
+          <a:p>
+            <a:endParaRPr lang="zh-TW" altLang="en-US"/>
+          </a:p>
+        </p:txBody>
       </p:sp>
       <p:sp>
         <p:nvSpPr>
@@ -1836,7 +1590,7 @@
           <a:bodyPr wrap="square" rtlCol="0" anchor="ctr"/>
           <a:lstStyle/>
           <a:p>
-            <a:pPr algn="ctr" indent="0" marL="0">
+            <a:pPr marL="0" indent="0" algn="ctr">
               <a:buNone/>
             </a:pPr>
             <a:r>
@@ -1875,7 +1629,7 @@
           <a:bodyPr wrap="square" rtlCol="0" anchor="ctr"/>
           <a:lstStyle/>
           <a:p>
-            <a:pPr algn="ctr" indent="0" marL="0">
+            <a:pPr marL="0" indent="0" algn="ctr">
               <a:buNone/>
             </a:pPr>
             <a:r>
@@ -1914,6 +1668,13 @@
           </a:solidFill>
           <a:ln/>
         </p:spPr>
+        <p:txBody>
+          <a:bodyPr/>
+          <a:lstStyle/>
+          <a:p>
+            <a:endParaRPr lang="zh-TW" altLang="en-US"/>
+          </a:p>
+        </p:txBody>
       </p:sp>
       <p:sp>
         <p:nvSpPr>
@@ -1936,7 +1697,7 @@
           <a:bodyPr wrap="square" rtlCol="0" anchor="ctr"/>
           <a:lstStyle/>
           <a:p>
-            <a:pPr algn="ctr" indent="0" marL="0">
+            <a:pPr marL="0" indent="0" algn="ctr">
               <a:buNone/>
             </a:pPr>
             <a:r>
@@ -1975,7 +1736,7 @@
           <a:bodyPr wrap="square" rtlCol="0" anchor="ctr"/>
           <a:lstStyle/>
           <a:p>
-            <a:pPr algn="ctr" indent="0" marL="0">
+            <a:pPr marL="0" indent="0" algn="ctr">
               <a:buNone/>
             </a:pPr>
             <a:r>
@@ -2014,6 +1775,13 @@
           </a:solidFill>
           <a:ln/>
         </p:spPr>
+        <p:txBody>
+          <a:bodyPr/>
+          <a:lstStyle/>
+          <a:p>
+            <a:endParaRPr lang="zh-TW" altLang="en-US"/>
+          </a:p>
+        </p:txBody>
       </p:sp>
       <p:sp>
         <p:nvSpPr>
@@ -2036,7 +1804,7 @@
           <a:bodyPr wrap="square" rtlCol="0" anchor="ctr"/>
           <a:lstStyle/>
           <a:p>
-            <a:pPr algn="ctr" indent="0" marL="0">
+            <a:pPr marL="0" indent="0" algn="ctr">
               <a:buNone/>
             </a:pPr>
             <a:r>
@@ -2075,7 +1843,7 @@
           <a:bodyPr wrap="square" rtlCol="0" anchor="ctr"/>
           <a:lstStyle/>
           <a:p>
-            <a:pPr algn="ctr" indent="0" marL="0">
+            <a:pPr marL="0" indent="0" algn="ctr">
               <a:buNone/>
             </a:pPr>
             <a:r>
@@ -2114,7 +1882,7 @@
           <a:bodyPr wrap="square" rtlCol="0" anchor="ctr"/>
           <a:lstStyle/>
           <a:p>
-            <a:pPr algn="ctr" indent="0" marL="0">
+            <a:pPr marL="0" indent="0" algn="ctr">
               <a:buNone/>
             </a:pPr>
             <a:r>
@@ -2153,7 +1921,7 @@
           <a:bodyPr wrap="square" rtlCol="0" anchor="ctr"/>
           <a:lstStyle/>
           <a:p>
-            <a:pPr algn="ctr" indent="0" marL="0">
+            <a:pPr marL="0" indent="0" algn="ctr">
               <a:buNone/>
             </a:pPr>
             <a:r>
@@ -2192,7 +1960,7 @@
           <a:bodyPr wrap="square" rtlCol="0" anchor="ctr"/>
           <a:lstStyle/>
           <a:p>
-            <a:pPr algn="r" indent="0" marL="0">
+            <a:pPr marL="0" indent="0" algn="r">
               <a:buNone/>
             </a:pPr>
             <a:r>
@@ -2226,6 +1994,7 @@
         <a:solidFill>
           <a:srgbClr val="FF6600"/>
         </a:solidFill>
+        <a:effectLst/>
       </p:bgPr>
     </p:bg>
     <p:spTree>
@@ -2263,7 +2032,7 @@
           <a:bodyPr wrap="square" rtlCol="0" anchor="ctr"/>
           <a:lstStyle/>
           <a:p>
-            <a:pPr algn="ctr" indent="0" marL="0">
+            <a:pPr marL="0" indent="0" algn="ctr">
               <a:buNone/>
             </a:pPr>
             <a:r>
@@ -2302,6 +2071,13 @@
           </a:solidFill>
           <a:ln/>
         </p:spPr>
+        <p:txBody>
+          <a:bodyPr/>
+          <a:lstStyle/>
+          <a:p>
+            <a:endParaRPr lang="zh-TW" altLang="en-US"/>
+          </a:p>
+        </p:txBody>
       </p:sp>
       <p:sp>
         <p:nvSpPr>
@@ -2322,6 +2098,13 @@
           </a:solidFill>
           <a:ln/>
         </p:spPr>
+        <p:txBody>
+          <a:bodyPr/>
+          <a:lstStyle/>
+          <a:p>
+            <a:endParaRPr lang="zh-TW" altLang="en-US"/>
+          </a:p>
+        </p:txBody>
       </p:sp>
       <p:sp>
         <p:nvSpPr>
@@ -2344,7 +2127,7 @@
           <a:bodyPr wrap="square" rtlCol="0" anchor="ctr"/>
           <a:lstStyle/>
           <a:p>
-            <a:pPr algn="ctr" indent="0" marL="0">
+            <a:pPr marL="0" indent="0" algn="ctr">
               <a:buNone/>
             </a:pPr>
             <a:r>
@@ -2383,7 +2166,7 @@
           <a:bodyPr wrap="square" rtlCol="0" anchor="ctr"/>
           <a:lstStyle/>
           <a:p>
-            <a:pPr algn="ctr" indent="0" marL="0">
+            <a:pPr marL="0" indent="0" algn="ctr">
               <a:buNone/>
             </a:pPr>
             <a:r>
@@ -2422,7 +2205,7 @@
           <a:bodyPr wrap="square" rtlCol="0" anchor="ctr"/>
           <a:lstStyle/>
           <a:p>
-            <a:pPr indent="0" marL="0">
+            <a:pPr marL="0" indent="0">
               <a:buNone/>
             </a:pPr>
             <a:r>
@@ -2439,7 +2222,7 @@
             <a:endParaRPr lang="en-US" sz="900" dirty="0"/>
           </a:p>
           <a:p>
-            <a:pPr indent="0" marL="0">
+            <a:pPr marL="0" indent="0">
               <a:buNone/>
             </a:pPr>
             <a:r>
@@ -2456,7 +2239,7 @@
             <a:endParaRPr lang="en-US" sz="900" dirty="0"/>
           </a:p>
           <a:p>
-            <a:pPr indent="0" marL="0">
+            <a:pPr marL="0" indent="0">
               <a:buNone/>
             </a:pPr>
             <a:r>
@@ -2473,7 +2256,7 @@
             <a:endParaRPr lang="en-US" sz="900" dirty="0"/>
           </a:p>
           <a:p>
-            <a:pPr indent="0" marL="0">
+            <a:pPr marL="0" indent="0">
               <a:buNone/>
             </a:pPr>
             <a:r>
@@ -2512,6 +2295,13 @@
           </a:solidFill>
           <a:ln/>
         </p:spPr>
+        <p:txBody>
+          <a:bodyPr/>
+          <a:lstStyle/>
+          <a:p>
+            <a:endParaRPr lang="zh-TW" altLang="en-US"/>
+          </a:p>
+        </p:txBody>
       </p:sp>
       <p:sp>
         <p:nvSpPr>
@@ -2532,6 +2322,13 @@
           </a:solidFill>
           <a:ln/>
         </p:spPr>
+        <p:txBody>
+          <a:bodyPr/>
+          <a:lstStyle/>
+          <a:p>
+            <a:endParaRPr lang="zh-TW" altLang="en-US"/>
+          </a:p>
+        </p:txBody>
       </p:sp>
       <p:sp>
         <p:nvSpPr>
@@ -2554,7 +2351,7 @@
           <a:bodyPr wrap="square" rtlCol="0" anchor="ctr"/>
           <a:lstStyle/>
           <a:p>
-            <a:pPr algn="ctr" indent="0" marL="0">
+            <a:pPr marL="0" indent="0" algn="ctr">
               <a:buNone/>
             </a:pPr>
             <a:r>
@@ -2593,7 +2390,7 @@
           <a:bodyPr wrap="square" rtlCol="0" anchor="ctr"/>
           <a:lstStyle/>
           <a:p>
-            <a:pPr algn="ctr" indent="0" marL="0">
+            <a:pPr marL="0" indent="0" algn="ctr">
               <a:buNone/>
             </a:pPr>
             <a:r>
@@ -2632,7 +2429,7 @@
           <a:bodyPr wrap="square" rtlCol="0" anchor="ctr"/>
           <a:lstStyle/>
           <a:p>
-            <a:pPr indent="0" marL="0">
+            <a:pPr marL="0" indent="0">
               <a:buNone/>
             </a:pPr>
             <a:r>
@@ -2649,7 +2446,7 @@
             <a:endParaRPr lang="en-US" sz="900" dirty="0"/>
           </a:p>
           <a:p>
-            <a:pPr indent="0" marL="0">
+            <a:pPr marL="0" indent="0">
               <a:buNone/>
             </a:pPr>
             <a:r>
@@ -2666,7 +2463,7 @@
             <a:endParaRPr lang="en-US" sz="900" dirty="0"/>
           </a:p>
           <a:p>
-            <a:pPr indent="0" marL="0">
+            <a:pPr marL="0" indent="0">
               <a:buNone/>
             </a:pPr>
             <a:r>
@@ -2683,7 +2480,7 @@
             <a:endParaRPr lang="en-US" sz="900" dirty="0"/>
           </a:p>
           <a:p>
-            <a:pPr indent="0" marL="0">
+            <a:pPr marL="0" indent="0">
               <a:buNone/>
             </a:pPr>
             <a:r>
@@ -2722,6 +2519,13 @@
           </a:solidFill>
           <a:ln/>
         </p:spPr>
+        <p:txBody>
+          <a:bodyPr/>
+          <a:lstStyle/>
+          <a:p>
+            <a:endParaRPr lang="zh-TW" altLang="en-US"/>
+          </a:p>
+        </p:txBody>
       </p:sp>
       <p:sp>
         <p:nvSpPr>
@@ -2742,6 +2546,13 @@
           </a:solidFill>
           <a:ln/>
         </p:spPr>
+        <p:txBody>
+          <a:bodyPr/>
+          <a:lstStyle/>
+          <a:p>
+            <a:endParaRPr lang="zh-TW" altLang="en-US"/>
+          </a:p>
+        </p:txBody>
       </p:sp>
       <p:sp>
         <p:nvSpPr>
@@ -2764,7 +2575,7 @@
           <a:bodyPr wrap="square" rtlCol="0" anchor="ctr"/>
           <a:lstStyle/>
           <a:p>
-            <a:pPr algn="ctr" indent="0" marL="0">
+            <a:pPr marL="0" indent="0" algn="ctr">
               <a:buNone/>
             </a:pPr>
             <a:r>
@@ -2803,7 +2614,7 @@
           <a:bodyPr wrap="square" rtlCol="0" anchor="ctr"/>
           <a:lstStyle/>
           <a:p>
-            <a:pPr algn="ctr" indent="0" marL="0">
+            <a:pPr marL="0" indent="0" algn="ctr">
               <a:buNone/>
             </a:pPr>
             <a:r>
@@ -2842,7 +2653,7 @@
           <a:bodyPr wrap="square" rtlCol="0" anchor="ctr"/>
           <a:lstStyle/>
           <a:p>
-            <a:pPr indent="0" marL="0">
+            <a:pPr marL="0" indent="0">
               <a:buNone/>
             </a:pPr>
             <a:r>
@@ -2859,7 +2670,7 @@
             <a:endParaRPr lang="en-US" sz="900" dirty="0"/>
           </a:p>
           <a:p>
-            <a:pPr indent="0" marL="0">
+            <a:pPr marL="0" indent="0">
               <a:buNone/>
             </a:pPr>
             <a:r>
@@ -2876,7 +2687,7 @@
             <a:endParaRPr lang="en-US" sz="900" dirty="0"/>
           </a:p>
           <a:p>
-            <a:pPr indent="0" marL="0">
+            <a:pPr marL="0" indent="0">
               <a:buNone/>
             </a:pPr>
             <a:r>
@@ -2893,7 +2704,7 @@
             <a:endParaRPr lang="en-US" sz="900" dirty="0"/>
           </a:p>
           <a:p>
-            <a:pPr indent="0" marL="0">
+            <a:pPr marL="0" indent="0">
               <a:buNone/>
             </a:pPr>
             <a:r>
@@ -2937,6 +2748,13 @@
             <a:prstDash val="solid"/>
           </a:ln>
         </p:spPr>
+        <p:txBody>
+          <a:bodyPr/>
+          <a:lstStyle/>
+          <a:p>
+            <a:endParaRPr lang="zh-TW" altLang="en-US"/>
+          </a:p>
+        </p:txBody>
       </p:sp>
       <p:sp>
         <p:nvSpPr>
@@ -2959,7 +2777,7 @@
           <a:bodyPr wrap="square" rtlCol="0" anchor="ctr"/>
           <a:lstStyle/>
           <a:p>
-            <a:pPr algn="ctr" indent="0" marL="0">
+            <a:pPr marL="0" indent="0" algn="ctr">
               <a:buNone/>
             </a:pPr>
             <a:r>
@@ -2998,7 +2816,7 @@
           <a:bodyPr wrap="square" rtlCol="0" anchor="ctr"/>
           <a:lstStyle/>
           <a:p>
-            <a:pPr algn="ctr" indent="0" marL="0">
+            <a:pPr marL="0" indent="0" algn="ctr">
               <a:buNone/>
             </a:pPr>
             <a:r>
@@ -3037,7 +2855,7 @@
           <a:bodyPr wrap="square" rtlCol="0" anchor="ctr"/>
           <a:lstStyle/>
           <a:p>
-            <a:pPr algn="ctr" indent="0" marL="0">
+            <a:pPr marL="0" indent="0" algn="ctr">
               <a:buNone/>
             </a:pPr>
             <a:r>
@@ -3076,7 +2894,7 @@
           <a:bodyPr wrap="square" rtlCol="0" anchor="ctr"/>
           <a:lstStyle/>
           <a:p>
-            <a:pPr algn="ctr" indent="0" marL="0">
+            <a:pPr marL="0" indent="0" algn="ctr">
               <a:buNone/>
             </a:pPr>
             <a:r>
@@ -3115,6 +2933,13 @@
           </a:solidFill>
           <a:ln/>
         </p:spPr>
+        <p:txBody>
+          <a:bodyPr/>
+          <a:lstStyle/>
+          <a:p>
+            <a:endParaRPr lang="zh-TW" altLang="en-US"/>
+          </a:p>
+        </p:txBody>
       </p:sp>
       <p:sp>
         <p:nvSpPr>
@@ -3137,7 +2962,7 @@
           <a:bodyPr wrap="square" rtlCol="0" anchor="ctr"/>
           <a:lstStyle/>
           <a:p>
-            <a:pPr algn="ctr" indent="0" marL="0">
+            <a:pPr marL="0" indent="0" algn="ctr">
               <a:buNone/>
             </a:pPr>
             <a:r>
@@ -3176,7 +3001,7 @@
           <a:bodyPr wrap="square" rtlCol="0" anchor="ctr"/>
           <a:lstStyle/>
           <a:p>
-            <a:pPr algn="ctr" indent="0" marL="0">
+            <a:pPr marL="0" indent="0" algn="ctr">
               <a:buNone/>
             </a:pPr>
             <a:r>
@@ -3215,7 +3040,7 @@
           <a:bodyPr wrap="square" rtlCol="0" anchor="ctr"/>
           <a:lstStyle/>
           <a:p>
-            <a:pPr algn="r" indent="0" marL="0">
+            <a:pPr marL="0" indent="0" algn="r">
               <a:buNone/>
             </a:pPr>
             <a:r>
@@ -3249,6 +3074,7 @@
         <a:solidFill>
           <a:srgbClr val="FFFFFF"/>
         </a:solidFill>
+        <a:effectLst/>
       </p:bgPr>
     </p:bg>
     <p:spTree>
@@ -3284,6 +3110,13 @@
           </a:solidFill>
           <a:ln/>
         </p:spPr>
+        <p:txBody>
+          <a:bodyPr/>
+          <a:lstStyle/>
+          <a:p>
+            <a:endParaRPr lang="zh-TW" altLang="en-US"/>
+          </a:p>
+        </p:txBody>
       </p:sp>
       <p:sp>
         <p:nvSpPr>
@@ -3306,7 +3139,7 @@
           <a:bodyPr wrap="square" rtlCol="0" anchor="ctr"/>
           <a:lstStyle/>
           <a:p>
-            <a:pPr algn="ctr" indent="0" marL="0">
+            <a:pPr marL="0" indent="0" algn="ctr">
               <a:buNone/>
             </a:pPr>
             <a:r>
@@ -3348,6 +3181,13 @@
             <a:prstDash val="solid"/>
           </a:ln>
         </p:spPr>
+        <p:txBody>
+          <a:bodyPr/>
+          <a:lstStyle/>
+          <a:p>
+            <a:endParaRPr lang="zh-TW" altLang="en-US"/>
+          </a:p>
+        </p:txBody>
       </p:sp>
       <p:sp>
         <p:nvSpPr>
@@ -3370,7 +3210,7 @@
           <a:bodyPr wrap="square" rtlCol="0" anchor="ctr"/>
           <a:lstStyle/>
           <a:p>
-            <a:pPr indent="0" marL="0">
+            <a:pPr marL="0" indent="0">
               <a:buNone/>
             </a:pPr>
             <a:r>
@@ -3409,7 +3249,7 @@
           <a:bodyPr wrap="square" rtlCol="0" anchor="ctr"/>
           <a:lstStyle/>
           <a:p>
-            <a:pPr indent="0" marL="0">
+            <a:pPr marL="0" indent="0">
               <a:buNone/>
             </a:pPr>
             <a:r>
@@ -3448,7 +3288,7 @@
           <a:bodyPr wrap="square" rtlCol="0" anchor="ctr"/>
           <a:lstStyle/>
           <a:p>
-            <a:pPr indent="0" marL="0">
+            <a:pPr marL="0" indent="0">
               <a:buNone/>
             </a:pPr>
             <a:r>
@@ -3485,6 +3325,13 @@
           </a:solidFill>
           <a:ln/>
         </p:spPr>
+        <p:txBody>
+          <a:bodyPr/>
+          <a:lstStyle/>
+          <a:p>
+            <a:endParaRPr lang="zh-TW" altLang="en-US"/>
+          </a:p>
+        </p:txBody>
       </p:sp>
       <p:sp>
         <p:nvSpPr>
@@ -3507,7 +3354,7 @@
           <a:bodyPr wrap="square" rtlCol="0" anchor="ctr"/>
           <a:lstStyle/>
           <a:p>
-            <a:pPr algn="ctr" indent="0" marL="0">
+            <a:pPr marL="0" indent="0" algn="ctr">
               <a:buNone/>
             </a:pPr>
             <a:r>
@@ -3546,7 +3393,7 @@
           <a:bodyPr wrap="square" rtlCol="0" anchor="ctr"/>
           <a:lstStyle/>
           <a:p>
-            <a:pPr indent="0" marL="0">
+            <a:pPr marL="0" indent="0">
               <a:buNone/>
             </a:pPr>
             <a:r>
@@ -3583,6 +3430,13 @@
           </a:solidFill>
           <a:ln/>
         </p:spPr>
+        <p:txBody>
+          <a:bodyPr/>
+          <a:lstStyle/>
+          <a:p>
+            <a:endParaRPr lang="zh-TW" altLang="en-US"/>
+          </a:p>
+        </p:txBody>
       </p:sp>
       <p:sp>
         <p:nvSpPr>
@@ -3605,7 +3459,7 @@
           <a:bodyPr wrap="square" rtlCol="0" anchor="ctr"/>
           <a:lstStyle/>
           <a:p>
-            <a:pPr algn="ctr" indent="0" marL="0">
+            <a:pPr marL="0" indent="0" algn="ctr">
               <a:buNone/>
             </a:pPr>
             <a:r>
@@ -3644,7 +3498,7 @@
           <a:bodyPr wrap="square" rtlCol="0" anchor="ctr"/>
           <a:lstStyle/>
           <a:p>
-            <a:pPr indent="0" marL="0">
+            <a:pPr marL="0" indent="0">
               <a:buNone/>
             </a:pPr>
             <a:r>
@@ -3681,6 +3535,13 @@
           </a:solidFill>
           <a:ln/>
         </p:spPr>
+        <p:txBody>
+          <a:bodyPr/>
+          <a:lstStyle/>
+          <a:p>
+            <a:endParaRPr lang="zh-TW" altLang="en-US"/>
+          </a:p>
+        </p:txBody>
       </p:sp>
       <p:sp>
         <p:nvSpPr>
@@ -3703,7 +3564,7 @@
           <a:bodyPr wrap="square" rtlCol="0" anchor="ctr"/>
           <a:lstStyle/>
           <a:p>
-            <a:pPr algn="ctr" indent="0" marL="0">
+            <a:pPr marL="0" indent="0" algn="ctr">
               <a:buNone/>
             </a:pPr>
             <a:r>
@@ -3742,7 +3603,7 @@
           <a:bodyPr wrap="square" rtlCol="0" anchor="ctr"/>
           <a:lstStyle/>
           <a:p>
-            <a:pPr indent="0" marL="0">
+            <a:pPr marL="0" indent="0">
               <a:buNone/>
             </a:pPr>
             <a:r>
@@ -3779,6 +3640,13 @@
           </a:solidFill>
           <a:ln/>
         </p:spPr>
+        <p:txBody>
+          <a:bodyPr/>
+          <a:lstStyle/>
+          <a:p>
+            <a:endParaRPr lang="zh-TW" altLang="en-US"/>
+          </a:p>
+        </p:txBody>
       </p:sp>
       <p:sp>
         <p:nvSpPr>
@@ -3801,7 +3669,7 @@
           <a:bodyPr wrap="square" rtlCol="0" anchor="ctr"/>
           <a:lstStyle/>
           <a:p>
-            <a:pPr algn="ctr" indent="0" marL="0">
+            <a:pPr marL="0" indent="0" algn="ctr">
               <a:buNone/>
             </a:pPr>
             <a:r>
@@ -3840,7 +3708,7 @@
           <a:bodyPr wrap="square" rtlCol="0" anchor="ctr"/>
           <a:lstStyle/>
           <a:p>
-            <a:pPr indent="0" marL="0">
+            <a:pPr marL="0" indent="0">
               <a:buNone/>
             </a:pPr>
             <a:r>
@@ -3879,7 +3747,7 @@
           <a:bodyPr wrap="square" rtlCol="0" anchor="ctr"/>
           <a:lstStyle/>
           <a:p>
-            <a:pPr indent="0" marL="0">
+            <a:pPr marL="0" indent="0">
               <a:buNone/>
             </a:pPr>
             <a:r>
@@ -3921,6 +3789,13 @@
             <a:prstDash val="solid"/>
           </a:ln>
         </p:spPr>
+        <p:txBody>
+          <a:bodyPr/>
+          <a:lstStyle/>
+          <a:p>
+            <a:endParaRPr lang="zh-TW" altLang="en-US"/>
+          </a:p>
+        </p:txBody>
       </p:sp>
       <p:sp>
         <p:nvSpPr>
@@ -3943,7 +3818,7 @@
           <a:bodyPr wrap="square" rtlCol="0" anchor="ctr"/>
           <a:lstStyle/>
           <a:p>
-            <a:pPr indent="0" marL="0">
+            <a:pPr marL="0" indent="0">
               <a:buNone/>
             </a:pPr>
             <a:r>
@@ -3982,7 +3857,7 @@
           <a:bodyPr wrap="square" rtlCol="0" anchor="ctr"/>
           <a:lstStyle/>
           <a:p>
-            <a:pPr indent="0" marL="0">
+            <a:pPr marL="0" indent="0">
               <a:buNone/>
             </a:pPr>
             <a:r>
@@ -4024,6 +3899,13 @@
             <a:prstDash val="solid"/>
           </a:ln>
         </p:spPr>
+        <p:txBody>
+          <a:bodyPr/>
+          <a:lstStyle/>
+          <a:p>
+            <a:endParaRPr lang="zh-TW" altLang="en-US"/>
+          </a:p>
+        </p:txBody>
       </p:sp>
       <p:sp>
         <p:nvSpPr>
@@ -4046,7 +3928,7 @@
           <a:bodyPr wrap="square" rtlCol="0" anchor="ctr"/>
           <a:lstStyle/>
           <a:p>
-            <a:pPr indent="0" marL="0">
+            <a:pPr marL="0" indent="0">
               <a:buNone/>
             </a:pPr>
             <a:r>
@@ -4085,7 +3967,7 @@
           <a:bodyPr wrap="square" rtlCol="0" anchor="ctr"/>
           <a:lstStyle/>
           <a:p>
-            <a:pPr indent="0" marL="0">
+            <a:pPr marL="0" indent="0">
               <a:buNone/>
             </a:pPr>
             <a:r>
@@ -4127,6 +4009,13 @@
             <a:prstDash val="solid"/>
           </a:ln>
         </p:spPr>
+        <p:txBody>
+          <a:bodyPr/>
+          <a:lstStyle/>
+          <a:p>
+            <a:endParaRPr lang="zh-TW" altLang="en-US"/>
+          </a:p>
+        </p:txBody>
       </p:sp>
       <p:sp>
         <p:nvSpPr>
@@ -4149,7 +4038,7 @@
           <a:bodyPr wrap="square" rtlCol="0" anchor="ctr"/>
           <a:lstStyle/>
           <a:p>
-            <a:pPr indent="0" marL="0">
+            <a:pPr marL="0" indent="0">
               <a:buNone/>
             </a:pPr>
             <a:r>
@@ -4188,7 +4077,7 @@
           <a:bodyPr wrap="square" rtlCol="0" anchor="ctr"/>
           <a:lstStyle/>
           <a:p>
-            <a:pPr indent="0" marL="0">
+            <a:pPr marL="0" indent="0">
               <a:buNone/>
             </a:pPr>
             <a:r>
@@ -4230,6 +4119,13 @@
             <a:prstDash val="solid"/>
           </a:ln>
         </p:spPr>
+        <p:txBody>
+          <a:bodyPr/>
+          <a:lstStyle/>
+          <a:p>
+            <a:endParaRPr lang="zh-TW" altLang="en-US"/>
+          </a:p>
+        </p:txBody>
       </p:sp>
       <p:sp>
         <p:nvSpPr>
@@ -4252,7 +4148,7 @@
           <a:bodyPr wrap="square" rtlCol="0" anchor="ctr"/>
           <a:lstStyle/>
           <a:p>
-            <a:pPr indent="0" marL="0">
+            <a:pPr marL="0" indent="0">
               <a:buNone/>
             </a:pPr>
             <a:r>
@@ -4291,7 +4187,7 @@
           <a:bodyPr wrap="square" rtlCol="0" anchor="ctr"/>
           <a:lstStyle/>
           <a:p>
-            <a:pPr indent="0" marL="0">
+            <a:pPr marL="0" indent="0">
               <a:buNone/>
             </a:pPr>
             <a:r>
@@ -4333,6 +4229,13 @@
             <a:prstDash val="solid"/>
           </a:ln>
         </p:spPr>
+        <p:txBody>
+          <a:bodyPr/>
+          <a:lstStyle/>
+          <a:p>
+            <a:endParaRPr lang="zh-TW" altLang="en-US"/>
+          </a:p>
+        </p:txBody>
       </p:sp>
       <p:sp>
         <p:nvSpPr>
@@ -4355,7 +4258,7 @@
           <a:bodyPr wrap="square" rtlCol="0" anchor="ctr"/>
           <a:lstStyle/>
           <a:p>
-            <a:pPr indent="0" marL="0">
+            <a:pPr marL="0" indent="0">
               <a:buNone/>
             </a:pPr>
             <a:r>
@@ -4394,7 +4297,7 @@
           <a:bodyPr wrap="square" rtlCol="0" anchor="ctr"/>
           <a:lstStyle/>
           <a:p>
-            <a:pPr indent="0" marL="0">
+            <a:pPr marL="0" indent="0">
               <a:buNone/>
             </a:pPr>
             <a:r>
@@ -4436,6 +4339,13 @@
             <a:prstDash val="solid"/>
           </a:ln>
         </p:spPr>
+        <p:txBody>
+          <a:bodyPr/>
+          <a:lstStyle/>
+          <a:p>
+            <a:endParaRPr lang="zh-TW" altLang="en-US"/>
+          </a:p>
+        </p:txBody>
       </p:sp>
       <p:sp>
         <p:nvSpPr>
@@ -4458,7 +4368,7 @@
           <a:bodyPr wrap="square" rtlCol="0" anchor="ctr"/>
           <a:lstStyle/>
           <a:p>
-            <a:pPr indent="0" marL="0">
+            <a:pPr marL="0" indent="0">
               <a:buNone/>
             </a:pPr>
             <a:r>
@@ -4497,7 +4407,7 @@
           <a:bodyPr wrap="square" rtlCol="0" anchor="ctr"/>
           <a:lstStyle/>
           <a:p>
-            <a:pPr indent="0" marL="0">
+            <a:pPr marL="0" indent="0">
               <a:buNone/>
             </a:pPr>
             <a:r>
@@ -4534,6 +4444,13 @@
           </a:solidFill>
           <a:ln/>
         </p:spPr>
+        <p:txBody>
+          <a:bodyPr/>
+          <a:lstStyle/>
+          <a:p>
+            <a:endParaRPr lang="zh-TW" altLang="en-US"/>
+          </a:p>
+        </p:txBody>
       </p:sp>
       <p:sp>
         <p:nvSpPr>
@@ -4556,7 +4473,7 @@
           <a:bodyPr wrap="square" rtlCol="0" anchor="ctr"/>
           <a:lstStyle/>
           <a:p>
-            <a:pPr algn="ctr" indent="0" marL="0">
+            <a:pPr marL="0" indent="0" algn="ctr">
               <a:buNone/>
             </a:pPr>
             <a:r>
@@ -4595,7 +4512,7 @@
           <a:bodyPr wrap="square" rtlCol="0" anchor="ctr"/>
           <a:lstStyle/>
           <a:p>
-            <a:pPr indent="0" marL="0">
+            <a:pPr marL="0" indent="0">
               <a:buNone/>
             </a:pPr>
             <a:r>
@@ -4634,7 +4551,7 @@
           <a:bodyPr wrap="square" rtlCol="0" anchor="ctr"/>
           <a:lstStyle/>
           <a:p>
-            <a:pPr algn="r" indent="0" marL="0">
+            <a:pPr marL="0" indent="0" algn="r">
               <a:buNone/>
             </a:pPr>
             <a:r>
@@ -4668,6 +4585,7 @@
         <a:solidFill>
           <a:srgbClr val="FFFFFF"/>
         </a:solidFill>
+        <a:effectLst/>
       </p:bgPr>
     </p:bg>
     <p:spTree>
@@ -4703,6 +4621,13 @@
           </a:solidFill>
           <a:ln/>
         </p:spPr>
+        <p:txBody>
+          <a:bodyPr/>
+          <a:lstStyle/>
+          <a:p>
+            <a:endParaRPr lang="zh-TW" altLang="en-US"/>
+          </a:p>
+        </p:txBody>
       </p:sp>
       <p:sp>
         <p:nvSpPr>
@@ -4725,7 +4650,7 @@
           <a:bodyPr wrap="square" rtlCol="0" anchor="ctr"/>
           <a:lstStyle/>
           <a:p>
-            <a:pPr algn="ctr" indent="0" marL="0">
+            <a:pPr marL="0" indent="0" algn="ctr">
               <a:buNone/>
             </a:pPr>
             <a:r>
@@ -4767,6 +4692,13 @@
             <a:prstDash val="solid"/>
           </a:ln>
         </p:spPr>
+        <p:txBody>
+          <a:bodyPr/>
+          <a:lstStyle/>
+          <a:p>
+            <a:endParaRPr lang="zh-TW" altLang="en-US"/>
+          </a:p>
+        </p:txBody>
       </p:sp>
       <p:sp>
         <p:nvSpPr>
@@ -4789,7 +4721,7 @@
           <a:bodyPr wrap="square" rtlCol="0" anchor="ctr"/>
           <a:lstStyle/>
           <a:p>
-            <a:pPr indent="0" marL="0">
+            <a:pPr marL="0" indent="0">
               <a:buNone/>
             </a:pPr>
             <a:r>
@@ -4828,7 +4760,7 @@
           <a:bodyPr wrap="square" rtlCol="0" anchor="ctr"/>
           <a:lstStyle/>
           <a:p>
-            <a:pPr indent="0" marL="0">
+            <a:pPr marL="0" indent="0">
               <a:buNone/>
             </a:pPr>
             <a:r>
@@ -4870,6 +4802,13 @@
             <a:prstDash val="solid"/>
           </a:ln>
         </p:spPr>
+        <p:txBody>
+          <a:bodyPr/>
+          <a:lstStyle/>
+          <a:p>
+            <a:endParaRPr lang="zh-TW" altLang="en-US"/>
+          </a:p>
+        </p:txBody>
       </p:sp>
       <p:sp>
         <p:nvSpPr>
@@ -4892,7 +4831,7 @@
           <a:bodyPr wrap="square" rtlCol="0" anchor="ctr"/>
           <a:lstStyle/>
           <a:p>
-            <a:pPr indent="0" marL="0">
+            <a:pPr marL="0" indent="0">
               <a:buNone/>
             </a:pPr>
             <a:r>
@@ -4931,7 +4870,7 @@
           <a:bodyPr wrap="square" rtlCol="0" anchor="ctr"/>
           <a:lstStyle/>
           <a:p>
-            <a:pPr indent="0" marL="0">
+            <a:pPr marL="0" indent="0">
               <a:buNone/>
             </a:pPr>
             <a:r>
@@ -4973,6 +4912,13 @@
             <a:prstDash val="solid"/>
           </a:ln>
         </p:spPr>
+        <p:txBody>
+          <a:bodyPr/>
+          <a:lstStyle/>
+          <a:p>
+            <a:endParaRPr lang="zh-TW" altLang="en-US"/>
+          </a:p>
+        </p:txBody>
       </p:sp>
       <p:sp>
         <p:nvSpPr>
@@ -4995,7 +4941,7 @@
           <a:bodyPr wrap="square" rtlCol="0" anchor="ctr"/>
           <a:lstStyle/>
           <a:p>
-            <a:pPr indent="0" marL="0">
+            <a:pPr marL="0" indent="0">
               <a:buNone/>
             </a:pPr>
             <a:r>
@@ -5034,7 +4980,7 @@
           <a:bodyPr wrap="square" rtlCol="0" anchor="ctr"/>
           <a:lstStyle/>
           <a:p>
-            <a:pPr indent="0" marL="0">
+            <a:pPr marL="0" indent="0">
               <a:buNone/>
             </a:pPr>
             <a:r>
@@ -5076,6 +5022,13 @@
             <a:prstDash val="solid"/>
           </a:ln>
         </p:spPr>
+        <p:txBody>
+          <a:bodyPr/>
+          <a:lstStyle/>
+          <a:p>
+            <a:endParaRPr lang="zh-TW" altLang="en-US"/>
+          </a:p>
+        </p:txBody>
       </p:sp>
       <p:sp>
         <p:nvSpPr>
@@ -5098,7 +5051,7 @@
           <a:bodyPr wrap="square" rtlCol="0" anchor="ctr"/>
           <a:lstStyle/>
           <a:p>
-            <a:pPr indent="0" marL="0">
+            <a:pPr marL="0" indent="0">
               <a:buNone/>
             </a:pPr>
             <a:r>
@@ -5137,7 +5090,7 @@
           <a:bodyPr wrap="square" rtlCol="0" anchor="ctr"/>
           <a:lstStyle/>
           <a:p>
-            <a:pPr indent="0" marL="0">
+            <a:pPr marL="0" indent="0">
               <a:buNone/>
             </a:pPr>
             <a:r>
@@ -5179,6 +5132,13 @@
             <a:prstDash val="solid"/>
           </a:ln>
         </p:spPr>
+        <p:txBody>
+          <a:bodyPr/>
+          <a:lstStyle/>
+          <a:p>
+            <a:endParaRPr lang="zh-TW" altLang="en-US"/>
+          </a:p>
+        </p:txBody>
       </p:sp>
       <p:sp>
         <p:nvSpPr>
@@ -5201,7 +5161,7 @@
           <a:bodyPr wrap="square" rtlCol="0" anchor="ctr"/>
           <a:lstStyle/>
           <a:p>
-            <a:pPr indent="0" marL="0">
+            <a:pPr marL="0" indent="0">
               <a:buNone/>
             </a:pPr>
             <a:r>
@@ -5240,7 +5200,7 @@
           <a:bodyPr wrap="square" rtlCol="0" anchor="ctr"/>
           <a:lstStyle/>
           <a:p>
-            <a:pPr indent="0" marL="0">
+            <a:pPr marL="0" indent="0">
               <a:buNone/>
             </a:pPr>
             <a:r>
@@ -5282,6 +5242,13 @@
             <a:prstDash val="solid"/>
           </a:ln>
         </p:spPr>
+        <p:txBody>
+          <a:bodyPr/>
+          <a:lstStyle/>
+          <a:p>
+            <a:endParaRPr lang="zh-TW" altLang="en-US"/>
+          </a:p>
+        </p:txBody>
       </p:sp>
       <p:sp>
         <p:nvSpPr>
@@ -5304,7 +5271,7 @@
           <a:bodyPr wrap="square" rtlCol="0" anchor="ctr"/>
           <a:lstStyle/>
           <a:p>
-            <a:pPr algn="ctr" indent="0" marL="0">
+            <a:pPr marL="0" indent="0" algn="ctr">
               <a:buNone/>
             </a:pPr>
             <a:r>
@@ -5343,7 +5310,7 @@
           <a:bodyPr wrap="square" rtlCol="0" anchor="ctr"/>
           <a:lstStyle/>
           <a:p>
-            <a:pPr algn="ctr" indent="0" marL="0">
+            <a:pPr marL="0" indent="0" algn="ctr">
               <a:buNone/>
             </a:pPr>
             <a:r>
@@ -5360,7 +5327,7 @@
             <a:endParaRPr lang="en-US" sz="1200" dirty="0"/>
           </a:p>
           <a:p>
-            <a:pPr algn="ctr" indent="0" marL="0">
+            <a:pPr marL="0" indent="0" algn="ctr">
               <a:buNone/>
             </a:pPr>
             <a:r>
@@ -5402,6 +5369,13 @@
             <a:prstDash val="solid"/>
           </a:ln>
         </p:spPr>
+        <p:txBody>
+          <a:bodyPr/>
+          <a:lstStyle/>
+          <a:p>
+            <a:endParaRPr lang="zh-TW" altLang="en-US"/>
+          </a:p>
+        </p:txBody>
       </p:sp>
       <p:sp>
         <p:nvSpPr>
@@ -5424,7 +5398,7 @@
           <a:bodyPr wrap="square" rtlCol="0" anchor="ctr"/>
           <a:lstStyle/>
           <a:p>
-            <a:pPr algn="ctr" indent="0" marL="0">
+            <a:pPr marL="0" indent="0" algn="ctr">
               <a:buNone/>
             </a:pPr>
             <a:r>
@@ -5463,7 +5437,7 @@
           <a:bodyPr wrap="square" rtlCol="0" anchor="ctr"/>
           <a:lstStyle/>
           <a:p>
-            <a:pPr algn="ctr" indent="0" marL="0">
+            <a:pPr marL="0" indent="0" algn="ctr">
               <a:buNone/>
             </a:pPr>
             <a:r>
@@ -5480,7 +5454,7 @@
             <a:endParaRPr lang="en-US" sz="1200" dirty="0"/>
           </a:p>
           <a:p>
-            <a:pPr algn="ctr" indent="0" marL="0">
+            <a:pPr marL="0" indent="0" algn="ctr">
               <a:buNone/>
             </a:pPr>
             <a:r>
@@ -5522,6 +5496,13 @@
             <a:prstDash val="solid"/>
           </a:ln>
         </p:spPr>
+        <p:txBody>
+          <a:bodyPr/>
+          <a:lstStyle/>
+          <a:p>
+            <a:endParaRPr lang="zh-TW" altLang="en-US"/>
+          </a:p>
+        </p:txBody>
       </p:sp>
       <p:sp>
         <p:nvSpPr>
@@ -5544,7 +5525,7 @@
           <a:bodyPr wrap="square" rtlCol="0" anchor="ctr"/>
           <a:lstStyle/>
           <a:p>
-            <a:pPr algn="ctr" indent="0" marL="0">
+            <a:pPr marL="0" indent="0" algn="ctr">
               <a:buNone/>
             </a:pPr>
             <a:r>
@@ -5583,7 +5564,7 @@
           <a:bodyPr wrap="square" rtlCol="0" anchor="ctr"/>
           <a:lstStyle/>
           <a:p>
-            <a:pPr algn="ctr" indent="0" marL="0">
+            <a:pPr marL="0" indent="0" algn="ctr">
               <a:buNone/>
             </a:pPr>
             <a:r>
@@ -5600,7 +5581,7 @@
             <a:endParaRPr lang="en-US" sz="1200" dirty="0"/>
           </a:p>
           <a:p>
-            <a:pPr algn="ctr" indent="0" marL="0">
+            <a:pPr marL="0" indent="0" algn="ctr">
               <a:buNone/>
             </a:pPr>
             <a:r>
@@ -5642,6 +5623,13 @@
             <a:prstDash val="solid"/>
           </a:ln>
         </p:spPr>
+        <p:txBody>
+          <a:bodyPr/>
+          <a:lstStyle/>
+          <a:p>
+            <a:endParaRPr lang="zh-TW" altLang="en-US"/>
+          </a:p>
+        </p:txBody>
       </p:sp>
       <p:sp>
         <p:nvSpPr>
@@ -5664,7 +5652,7 @@
           <a:bodyPr wrap="square" rtlCol="0" anchor="ctr"/>
           <a:lstStyle/>
           <a:p>
-            <a:pPr algn="ctr" indent="0" marL="0">
+            <a:pPr marL="0" indent="0" algn="ctr">
               <a:buNone/>
             </a:pPr>
             <a:r>
@@ -5703,7 +5691,7 @@
           <a:bodyPr wrap="square" rtlCol="0" anchor="ctr"/>
           <a:lstStyle/>
           <a:p>
-            <a:pPr algn="ctr" indent="0" marL="0">
+            <a:pPr marL="0" indent="0" algn="ctr">
               <a:buNone/>
             </a:pPr>
             <a:r>
@@ -5720,7 +5708,7 @@
             <a:endParaRPr lang="en-US" sz="1200" dirty="0"/>
           </a:p>
           <a:p>
-            <a:pPr algn="ctr" indent="0" marL="0">
+            <a:pPr marL="0" indent="0" algn="ctr">
               <a:buNone/>
             </a:pPr>
             <a:r>
@@ -5759,7 +5747,7 @@
           <a:bodyPr wrap="square" rtlCol="0" anchor="ctr"/>
           <a:lstStyle/>
           <a:p>
-            <a:pPr indent="0" marL="0">
+            <a:pPr marL="0" indent="0">
               <a:buNone/>
             </a:pPr>
             <a:r>
@@ -5798,7 +5786,7 @@
           <a:bodyPr wrap="square" rtlCol="0" anchor="ctr"/>
           <a:lstStyle/>
           <a:p>
-            <a:pPr algn="r" indent="0" marL="0">
+            <a:pPr marL="0" indent="0" algn="r">
               <a:buNone/>
             </a:pPr>
             <a:r>
@@ -5832,6 +5820,7 @@
         <a:solidFill>
           <a:srgbClr val="FFFFFF"/>
         </a:solidFill>
+        <a:effectLst/>
       </p:bgPr>
     </p:bg>
     <p:spTree>
@@ -5867,6 +5856,13 @@
           </a:solidFill>
           <a:ln/>
         </p:spPr>
+        <p:txBody>
+          <a:bodyPr/>
+          <a:lstStyle/>
+          <a:p>
+            <a:endParaRPr lang="zh-TW" altLang="en-US"/>
+          </a:p>
+        </p:txBody>
       </p:sp>
       <p:sp>
         <p:nvSpPr>
@@ -5889,7 +5885,7 @@
           <a:bodyPr wrap="square" rtlCol="0" anchor="ctr"/>
           <a:lstStyle/>
           <a:p>
-            <a:pPr algn="ctr" indent="0" marL="0">
+            <a:pPr marL="0" indent="0" algn="ctr">
               <a:buNone/>
             </a:pPr>
             <a:r>
@@ -5907,16 +5903,604 @@
           </a:p>
         </p:txBody>
       </p:sp>
-      <p:sp>
-        <p:nvSpPr>
-          <p:cNvPr id="4" name="Shape 2"/>
-          <p:cNvSpPr/>
-          <p:nvPr/>
-        </p:nvSpPr>
-        <p:spPr>
+      <p:grpSp>
+        <p:nvGrpSpPr>
+          <p:cNvPr id="31" name="群組 30">
+            <a:extLst>
+              <a:ext uri="{FF2B5EF4-FFF2-40B4-BE49-F238E27FC236}">
+                <a16:creationId xmlns:a16="http://schemas.microsoft.com/office/drawing/2014/main" id="{7EE6BD88-CF22-14D9-3D7B-4449003F0DEA}"/>
+              </a:ext>
+            </a:extLst>
+          </p:cNvPr>
+          <p:cNvGrpSpPr/>
+          <p:nvPr/>
+        </p:nvGrpSpPr>
+        <p:grpSpPr>
           <a:xfrm>
             <a:off x="457200" y="914400"/>
+            <a:ext cx="4114800" cy="841248"/>
+            <a:chOff x="457200" y="914400"/>
+            <a:chExt cx="4114800" cy="841248"/>
+          </a:xfrm>
+        </p:grpSpPr>
+        <p:sp>
+          <p:nvSpPr>
+            <p:cNvPr id="4" name="Shape 2"/>
+            <p:cNvSpPr/>
+            <p:nvPr/>
+          </p:nvSpPr>
+          <p:spPr>
+            <a:xfrm>
+              <a:off x="457200" y="914400"/>
+              <a:ext cx="4114800" cy="841248"/>
+            </a:xfrm>
+            <a:prstGeom prst="rect">
+              <a:avLst/>
+            </a:prstGeom>
+            <a:solidFill>
+              <a:srgbClr val="E3F2FD"/>
+            </a:solidFill>
+            <a:ln w="25400">
+              <a:solidFill>
+                <a:srgbClr val="0066CC"/>
+              </a:solidFill>
+              <a:prstDash val="solid"/>
+            </a:ln>
+          </p:spPr>
+          <p:txBody>
+            <a:bodyPr/>
+            <a:lstStyle/>
+            <a:p>
+              <a:endParaRPr lang="zh-TW" altLang="en-US"/>
+            </a:p>
+          </p:txBody>
+        </p:sp>
+        <p:sp>
+          <p:nvSpPr>
+            <p:cNvPr id="5" name="Text 3"/>
+            <p:cNvSpPr/>
+            <p:nvPr/>
+          </p:nvSpPr>
+          <p:spPr>
+            <a:xfrm>
+              <a:off x="548640" y="987552"/>
+              <a:ext cx="3931920" cy="228600"/>
+            </a:xfrm>
+            <a:prstGeom prst="rect">
+              <a:avLst/>
+            </a:prstGeom>
+            <a:noFill/>
+            <a:ln/>
+          </p:spPr>
+          <p:txBody>
+            <a:bodyPr wrap="square" rtlCol="0" anchor="ctr"/>
+            <a:lstStyle/>
+            <a:p>
+              <a:pPr marL="0" indent="0">
+                <a:buNone/>
+              </a:pPr>
+              <a:r>
+                <a:rPr lang="en-US" sz="1300" b="1" dirty="0">
+                  <a:solidFill>
+                    <a:srgbClr val="0066CC"/>
+                  </a:solidFill>
+                  <a:latin typeface="Arial" pitchFamily="34" charset="0"/>
+                  <a:ea typeface="Arial" pitchFamily="34" charset="-122"/>
+                  <a:cs typeface="Arial" pitchFamily="34" charset="-120"/>
+                </a:rPr>
+                <a:t>🔊 隔音設計（CDC 2025標準）</a:t>
+              </a:r>
+              <a:endParaRPr lang="en-US" sz="1300" dirty="0"/>
+            </a:p>
+          </p:txBody>
+        </p:sp>
+        <p:sp>
+          <p:nvSpPr>
+            <p:cNvPr id="6" name="Text 4"/>
+            <p:cNvSpPr/>
+            <p:nvPr/>
+          </p:nvSpPr>
+          <p:spPr>
+            <a:xfrm>
+              <a:off x="640080" y="1234440"/>
+              <a:ext cx="3840480" cy="137160"/>
+            </a:xfrm>
+            <a:prstGeom prst="rect">
+              <a:avLst/>
+            </a:prstGeom>
+            <a:noFill/>
+            <a:ln/>
+          </p:spPr>
+          <p:txBody>
+            <a:bodyPr wrap="square" rtlCol="0" anchor="ctr"/>
+            <a:lstStyle/>
+            <a:p>
+              <a:pPr marL="0" indent="0">
+                <a:buNone/>
+              </a:pPr>
+              <a:r>
+                <a:rPr lang="en-US" sz="1000" dirty="0">
+                  <a:solidFill>
+                    <a:srgbClr val="333333"/>
+                  </a:solidFill>
+                  <a:latin typeface="Arial" pitchFamily="34" charset="0"/>
+                  <a:ea typeface="Arial" pitchFamily="34" charset="-122"/>
+                  <a:cs typeface="Arial" pitchFamily="34" charset="-120"/>
+                </a:rPr>
+                <a:t>• STC 65隔音牆：1F失智 vs 2F幼兒</a:t>
+              </a:r>
+              <a:endParaRPr lang="en-US" sz="1000" dirty="0"/>
+            </a:p>
+          </p:txBody>
+        </p:sp>
+        <p:sp>
+          <p:nvSpPr>
+            <p:cNvPr id="7" name="Text 5"/>
+            <p:cNvSpPr/>
+            <p:nvPr/>
+          </p:nvSpPr>
+          <p:spPr>
+            <a:xfrm>
+              <a:off x="640080" y="1380744"/>
+              <a:ext cx="3840480" cy="137160"/>
+            </a:xfrm>
+            <a:prstGeom prst="rect">
+              <a:avLst/>
+            </a:prstGeom>
+            <a:noFill/>
+            <a:ln/>
+          </p:spPr>
+          <p:txBody>
+            <a:bodyPr wrap="square" rtlCol="0" anchor="ctr"/>
+            <a:lstStyle/>
+            <a:p>
+              <a:pPr marL="0" indent="0">
+                <a:buNone/>
+              </a:pPr>
+              <a:r>
+                <a:rPr lang="en-US" sz="1000" dirty="0">
+                  <a:solidFill>
+                    <a:srgbClr val="333333"/>
+                  </a:solidFill>
+                  <a:latin typeface="Arial" pitchFamily="34" charset="0"/>
+                  <a:ea typeface="Arial" pitchFamily="34" charset="-122"/>
+                  <a:cs typeface="Arial" pitchFamily="34" charset="-120"/>
+                </a:rPr>
+                <a:t>• IIC 70地板：4F籃球 vs 3F諮商室</a:t>
+              </a:r>
+              <a:endParaRPr lang="en-US" sz="1000" dirty="0"/>
+            </a:p>
+          </p:txBody>
+        </p:sp>
+        <p:sp>
+          <p:nvSpPr>
+            <p:cNvPr id="8" name="Text 6"/>
+            <p:cNvSpPr/>
+            <p:nvPr/>
+          </p:nvSpPr>
+          <p:spPr>
+            <a:xfrm>
+              <a:off x="640080" y="1527048"/>
+              <a:ext cx="3840480" cy="137160"/>
+            </a:xfrm>
+            <a:prstGeom prst="rect">
+              <a:avLst/>
+            </a:prstGeom>
+            <a:noFill/>
+            <a:ln/>
+          </p:spPr>
+          <p:txBody>
+            <a:bodyPr wrap="square" rtlCol="0" anchor="ctr"/>
+            <a:lstStyle/>
+            <a:p>
+              <a:pPr marL="0" indent="0">
+                <a:buNone/>
+              </a:pPr>
+              <a:r>
+                <a:rPr lang="en-US" sz="1000" dirty="0">
+                  <a:solidFill>
+                    <a:srgbClr val="333333"/>
+                  </a:solidFill>
+                  <a:latin typeface="Arial" pitchFamily="34" charset="0"/>
+                  <a:ea typeface="Arial" pitchFamily="34" charset="-122"/>
+                  <a:cs typeface="Arial" pitchFamily="34" charset="-120"/>
+                </a:rPr>
+                <a:t>• 降噪效果：40-45 dB</a:t>
+              </a:r>
+              <a:endParaRPr lang="en-US" sz="1000" dirty="0"/>
+            </a:p>
+          </p:txBody>
+        </p:sp>
+      </p:grpSp>
+      <p:grpSp>
+        <p:nvGrpSpPr>
+          <p:cNvPr id="32" name="群組 31">
+            <a:extLst>
+              <a:ext uri="{FF2B5EF4-FFF2-40B4-BE49-F238E27FC236}">
+                <a16:creationId xmlns:a16="http://schemas.microsoft.com/office/drawing/2014/main" id="{B004697C-E6DA-4834-88DD-627CB3CF4ADE}"/>
+              </a:ext>
+            </a:extLst>
+          </p:cNvPr>
+          <p:cNvGrpSpPr/>
+          <p:nvPr/>
+        </p:nvGrpSpPr>
+        <p:grpSpPr>
+          <a:xfrm>
+            <a:off x="457200" y="2337308"/>
             <a:ext cx="4114800" cy="777240"/>
+            <a:chOff x="457200" y="1920240"/>
+            <a:chExt cx="4114800" cy="777240"/>
+          </a:xfrm>
+        </p:grpSpPr>
+        <p:sp>
+          <p:nvSpPr>
+            <p:cNvPr id="9" name="Shape 7"/>
+            <p:cNvSpPr/>
+            <p:nvPr/>
+          </p:nvSpPr>
+          <p:spPr>
+            <a:xfrm>
+              <a:off x="457200" y="1920240"/>
+              <a:ext cx="4114800" cy="777240"/>
+            </a:xfrm>
+            <a:prstGeom prst="rect">
+              <a:avLst/>
+            </a:prstGeom>
+            <a:solidFill>
+              <a:srgbClr val="FFF3E0"/>
+            </a:solidFill>
+            <a:ln w="25400">
+              <a:solidFill>
+                <a:srgbClr val="0066CC"/>
+              </a:solidFill>
+              <a:prstDash val="solid"/>
+            </a:ln>
+          </p:spPr>
+          <p:txBody>
+            <a:bodyPr/>
+            <a:lstStyle/>
+            <a:p>
+              <a:endParaRPr lang="zh-TW" altLang="en-US"/>
+            </a:p>
+          </p:txBody>
+        </p:sp>
+        <p:sp>
+          <p:nvSpPr>
+            <p:cNvPr id="10" name="Text 8"/>
+            <p:cNvSpPr/>
+            <p:nvPr/>
+          </p:nvSpPr>
+          <p:spPr>
+            <a:xfrm>
+              <a:off x="548640" y="1993392"/>
+              <a:ext cx="3931920" cy="228600"/>
+            </a:xfrm>
+            <a:prstGeom prst="rect">
+              <a:avLst/>
+            </a:prstGeom>
+            <a:noFill/>
+            <a:ln/>
+          </p:spPr>
+          <p:txBody>
+            <a:bodyPr wrap="square" rtlCol="0" anchor="ctr"/>
+            <a:lstStyle/>
+            <a:p>
+              <a:pPr marL="0" indent="0">
+                <a:buNone/>
+              </a:pPr>
+              <a:r>
+                <a:rPr lang="en-US" sz="1300" b="1" dirty="0">
+                  <a:solidFill>
+                    <a:srgbClr val="0066CC"/>
+                  </a:solidFill>
+                  <a:latin typeface="Arial" pitchFamily="34" charset="0"/>
+                  <a:ea typeface="Arial" pitchFamily="34" charset="-122"/>
+                  <a:cs typeface="Arial" pitchFamily="34" charset="-120"/>
+                </a:rPr>
+                <a:t>🍽️ 分時共享策略</a:t>
+              </a:r>
+              <a:endParaRPr lang="en-US" sz="1300" dirty="0"/>
+            </a:p>
+          </p:txBody>
+        </p:sp>
+        <p:sp>
+          <p:nvSpPr>
+            <p:cNvPr id="11" name="Text 9"/>
+            <p:cNvSpPr/>
+            <p:nvPr/>
+          </p:nvSpPr>
+          <p:spPr>
+            <a:xfrm>
+              <a:off x="640080" y="2240280"/>
+              <a:ext cx="3840480" cy="137160"/>
+            </a:xfrm>
+            <a:prstGeom prst="rect">
+              <a:avLst/>
+            </a:prstGeom>
+            <a:noFill/>
+            <a:ln/>
+          </p:spPr>
+          <p:txBody>
+            <a:bodyPr wrap="square" rtlCol="0" anchor="ctr"/>
+            <a:lstStyle/>
+            <a:p>
+              <a:pPr marL="0" indent="0">
+                <a:buNone/>
+              </a:pPr>
+              <a:r>
+                <a:rPr lang="en-US" sz="1000" dirty="0">
+                  <a:solidFill>
+                    <a:srgbClr val="333333"/>
+                  </a:solidFill>
+                  <a:latin typeface="Arial" pitchFamily="34" charset="0"/>
+                  <a:ea typeface="Arial" pitchFamily="34" charset="-122"/>
+                  <a:cs typeface="Arial" pitchFamily="34" charset="-120"/>
+                </a:rPr>
+                <a:t>• 共用餐廳錯峰：11:30長者/12:00幼兒</a:t>
+              </a:r>
+              <a:endParaRPr lang="en-US" sz="1000" dirty="0"/>
+            </a:p>
+          </p:txBody>
+        </p:sp>
+        <p:sp>
+          <p:nvSpPr>
+            <p:cNvPr id="12" name="Text 10"/>
+            <p:cNvSpPr/>
+            <p:nvPr/>
+          </p:nvSpPr>
+          <p:spPr>
+            <a:xfrm>
+              <a:off x="640080" y="2386584"/>
+              <a:ext cx="3840480" cy="137160"/>
+            </a:xfrm>
+            <a:prstGeom prst="rect">
+              <a:avLst/>
+            </a:prstGeom>
+            <a:noFill/>
+            <a:ln/>
+          </p:spPr>
+          <p:txBody>
+            <a:bodyPr wrap="square" rtlCol="0" anchor="ctr"/>
+            <a:lstStyle/>
+            <a:p>
+              <a:pPr marL="0" indent="0">
+                <a:buNone/>
+              </a:pPr>
+              <a:r>
+                <a:rPr lang="en-US" sz="1000" dirty="0">
+                  <a:solidFill>
+                    <a:srgbClr val="333333"/>
+                  </a:solidFill>
+                  <a:latin typeface="Arial" pitchFamily="34" charset="0"/>
+                  <a:ea typeface="Arial" pitchFamily="34" charset="-122"/>
+                  <a:cs typeface="Arial" pitchFamily="34" charset="-120"/>
+                </a:rPr>
+                <a:t>• 社區廚房：日間130人/夜間課程</a:t>
+              </a:r>
+              <a:endParaRPr lang="en-US" sz="1000" dirty="0"/>
+            </a:p>
+          </p:txBody>
+        </p:sp>
+      </p:grpSp>
+      <p:grpSp>
+        <p:nvGrpSpPr>
+          <p:cNvPr id="33" name="群組 32">
+            <a:extLst>
+              <a:ext uri="{FF2B5EF4-FFF2-40B4-BE49-F238E27FC236}">
+                <a16:creationId xmlns:a16="http://schemas.microsoft.com/office/drawing/2014/main" id="{9595A7B3-6EB3-D391-4C04-53247233CBF3}"/>
+              </a:ext>
+            </a:extLst>
+          </p:cNvPr>
+          <p:cNvGrpSpPr/>
+          <p:nvPr/>
+        </p:nvGrpSpPr>
+        <p:grpSpPr>
+          <a:xfrm>
+            <a:off x="457200" y="3637280"/>
+            <a:ext cx="4114800" cy="832104"/>
+            <a:chOff x="457200" y="2743200"/>
+            <a:chExt cx="4114800" cy="832104"/>
+          </a:xfrm>
+        </p:grpSpPr>
+        <p:sp>
+          <p:nvSpPr>
+            <p:cNvPr id="13" name="Shape 11"/>
+            <p:cNvSpPr/>
+            <p:nvPr/>
+          </p:nvSpPr>
+          <p:spPr>
+            <a:xfrm>
+              <a:off x="457200" y="2743200"/>
+              <a:ext cx="4114800" cy="832104"/>
+            </a:xfrm>
+            <a:prstGeom prst="rect">
+              <a:avLst/>
+            </a:prstGeom>
+            <a:solidFill>
+              <a:srgbClr val="E8F5E9"/>
+            </a:solidFill>
+            <a:ln w="25400">
+              <a:solidFill>
+                <a:srgbClr val="0066CC"/>
+              </a:solidFill>
+              <a:prstDash val="solid"/>
+            </a:ln>
+          </p:spPr>
+          <p:txBody>
+            <a:bodyPr/>
+            <a:lstStyle/>
+            <a:p>
+              <a:endParaRPr lang="zh-TW" altLang="en-US"/>
+            </a:p>
+          </p:txBody>
+        </p:sp>
+        <p:sp>
+          <p:nvSpPr>
+            <p:cNvPr id="14" name="Text 12"/>
+            <p:cNvSpPr/>
+            <p:nvPr/>
+          </p:nvSpPr>
+          <p:spPr>
+            <a:xfrm>
+              <a:off x="548640" y="2816352"/>
+              <a:ext cx="3931920" cy="228600"/>
+            </a:xfrm>
+            <a:prstGeom prst="rect">
+              <a:avLst/>
+            </a:prstGeom>
+            <a:noFill/>
+            <a:ln/>
+          </p:spPr>
+          <p:txBody>
+            <a:bodyPr wrap="square" rtlCol="0" anchor="ctr"/>
+            <a:lstStyle/>
+            <a:p>
+              <a:pPr marL="0" indent="0">
+                <a:buNone/>
+              </a:pPr>
+              <a:r>
+                <a:rPr lang="en-US" sz="1300" b="1" dirty="0">
+                  <a:solidFill>
+                    <a:srgbClr val="0066CC"/>
+                  </a:solidFill>
+                  <a:latin typeface="Arial" pitchFamily="34" charset="0"/>
+                  <a:ea typeface="Arial" pitchFamily="34" charset="-122"/>
+                  <a:cs typeface="Arial" pitchFamily="34" charset="-120"/>
+                </a:rPr>
+                <a:t>🤝 跨齡互動時段</a:t>
+              </a:r>
+              <a:endParaRPr lang="en-US" sz="1300" dirty="0"/>
+            </a:p>
+          </p:txBody>
+        </p:sp>
+        <p:sp>
+          <p:nvSpPr>
+            <p:cNvPr id="15" name="Text 13"/>
+            <p:cNvSpPr/>
+            <p:nvPr/>
+          </p:nvSpPr>
+          <p:spPr>
+            <a:xfrm>
+              <a:off x="640080" y="3063240"/>
+              <a:ext cx="3840480" cy="137160"/>
+            </a:xfrm>
+            <a:prstGeom prst="rect">
+              <a:avLst/>
+            </a:prstGeom>
+            <a:noFill/>
+            <a:ln/>
+          </p:spPr>
+          <p:txBody>
+            <a:bodyPr wrap="square" rtlCol="0" anchor="ctr"/>
+            <a:lstStyle/>
+            <a:p>
+              <a:pPr marL="0" indent="0">
+                <a:buNone/>
+              </a:pPr>
+              <a:r>
+                <a:rPr lang="en-US" sz="1000" dirty="0">
+                  <a:solidFill>
+                    <a:srgbClr val="333333"/>
+                  </a:solidFill>
+                  <a:latin typeface="Arial" pitchFamily="34" charset="0"/>
+                  <a:ea typeface="Arial" pitchFamily="34" charset="-122"/>
+                  <a:cs typeface="Arial" pitchFamily="34" charset="-120"/>
+                </a:rPr>
+                <a:t>• 每週五10:00-11:00：園藝活動</a:t>
+              </a:r>
+              <a:endParaRPr lang="en-US" sz="1000" dirty="0"/>
+            </a:p>
+          </p:txBody>
+        </p:sp>
+        <p:sp>
+          <p:nvSpPr>
+            <p:cNvPr id="16" name="Text 14"/>
+            <p:cNvSpPr/>
+            <p:nvPr/>
+          </p:nvSpPr>
+          <p:spPr>
+            <a:xfrm>
+              <a:off x="640080" y="3209544"/>
+              <a:ext cx="3840480" cy="137160"/>
+            </a:xfrm>
+            <a:prstGeom prst="rect">
+              <a:avLst/>
+            </a:prstGeom>
+            <a:noFill/>
+            <a:ln/>
+          </p:spPr>
+          <p:txBody>
+            <a:bodyPr wrap="square" rtlCol="0" anchor="ctr"/>
+            <a:lstStyle/>
+            <a:p>
+              <a:pPr marL="0" indent="0">
+                <a:buNone/>
+              </a:pPr>
+              <a:r>
+                <a:rPr lang="en-US" sz="1000" dirty="0">
+                  <a:solidFill>
+                    <a:srgbClr val="333333"/>
+                  </a:solidFill>
+                  <a:latin typeface="Arial" pitchFamily="34" charset="0"/>
+                  <a:ea typeface="Arial" pitchFamily="34" charset="-122"/>
+                  <a:cs typeface="Arial" pitchFamily="34" charset="-120"/>
+                </a:rPr>
+                <a:t>• 每月第3週日：三代同堂節慶</a:t>
+              </a:r>
+              <a:endParaRPr lang="en-US" sz="1000" dirty="0"/>
+            </a:p>
+          </p:txBody>
+        </p:sp>
+        <p:sp>
+          <p:nvSpPr>
+            <p:cNvPr id="17" name="Text 15"/>
+            <p:cNvSpPr/>
+            <p:nvPr/>
+          </p:nvSpPr>
+          <p:spPr>
+            <a:xfrm>
+              <a:off x="640080" y="3355848"/>
+              <a:ext cx="3840480" cy="137160"/>
+            </a:xfrm>
+            <a:prstGeom prst="rect">
+              <a:avLst/>
+            </a:prstGeom>
+            <a:noFill/>
+            <a:ln/>
+          </p:spPr>
+          <p:txBody>
+            <a:bodyPr wrap="square" rtlCol="0" anchor="ctr"/>
+            <a:lstStyle/>
+            <a:p>
+              <a:pPr marL="0" indent="0">
+                <a:buNone/>
+              </a:pPr>
+              <a:r>
+                <a:rPr lang="en-US" sz="1000" dirty="0">
+                  <a:solidFill>
+                    <a:srgbClr val="333333"/>
+                  </a:solidFill>
+                  <a:latin typeface="Arial" pitchFamily="34" charset="0"/>
+                  <a:ea typeface="Arial" pitchFamily="34" charset="-122"/>
+                  <a:cs typeface="Arial" pitchFamily="34" charset="-120"/>
+                </a:rPr>
+                <a:t>• 每季1次：生命故事錄製</a:t>
+              </a:r>
+              <a:endParaRPr lang="en-US" sz="1000" dirty="0"/>
+            </a:p>
+          </p:txBody>
+        </p:sp>
+      </p:grpSp>
+      <p:sp>
+        <p:nvSpPr>
+          <p:cNvPr id="18" name="Shape 16"/>
+          <p:cNvSpPr/>
+          <p:nvPr/>
+        </p:nvSpPr>
+        <p:spPr>
+          <a:xfrm>
+            <a:off x="4754880" y="914400"/>
+            <a:ext cx="3931920" cy="2130552"/>
           </a:xfrm>
           <a:prstGeom prst="rect">
             <a:avLst/>
@@ -5931,510 +6515,13 @@
             <a:prstDash val="solid"/>
           </a:ln>
         </p:spPr>
-      </p:sp>
-      <p:sp>
-        <p:nvSpPr>
-          <p:cNvPr id="5" name="Text 3"/>
-          <p:cNvSpPr/>
-          <p:nvPr/>
-        </p:nvSpPr>
-        <p:spPr>
-          <a:xfrm>
-            <a:off x="548640" y="987552"/>
-            <a:ext cx="3931920" cy="228600"/>
-          </a:xfrm>
-          <a:prstGeom prst="rect">
-            <a:avLst/>
-          </a:prstGeom>
-          <a:noFill/>
-          <a:ln/>
-        </p:spPr>
-        <p:txBody>
-          <a:bodyPr wrap="square" rtlCol="0" anchor="ctr"/>
-          <a:lstStyle/>
-          <a:p>
-            <a:pPr indent="0" marL="0">
-              <a:buNone/>
-            </a:pPr>
-            <a:r>
-              <a:rPr lang="en-US" sz="1300" b="1" dirty="0">
-                <a:solidFill>
-                  <a:srgbClr val="0066CC"/>
-                </a:solidFill>
-                <a:latin typeface="Arial" pitchFamily="34" charset="0"/>
-                <a:ea typeface="Arial" pitchFamily="34" charset="-122"/>
-                <a:cs typeface="Arial" pitchFamily="34" charset="-120"/>
-              </a:rPr>
-              <a:t>🔊 隔音設計（CDC 2025標準）</a:t>
-            </a:r>
-            <a:endParaRPr lang="en-US" sz="1300" dirty="0"/>
-          </a:p>
-        </p:txBody>
-      </p:sp>
-      <p:sp>
-        <p:nvSpPr>
-          <p:cNvPr id="6" name="Text 4"/>
-          <p:cNvSpPr/>
-          <p:nvPr/>
-        </p:nvSpPr>
-        <p:spPr>
-          <a:xfrm>
-            <a:off x="640080" y="1234440"/>
-            <a:ext cx="3840480" cy="137160"/>
-          </a:xfrm>
-          <a:prstGeom prst="rect">
-            <a:avLst/>
-          </a:prstGeom>
-          <a:noFill/>
-          <a:ln/>
-        </p:spPr>
-        <p:txBody>
-          <a:bodyPr wrap="square" rtlCol="0" anchor="ctr"/>
-          <a:lstStyle/>
-          <a:p>
-            <a:pPr indent="0" marL="0">
-              <a:buNone/>
-            </a:pPr>
-            <a:r>
-              <a:rPr lang="en-US" sz="1000" dirty="0">
-                <a:solidFill>
-                  <a:srgbClr val="333333"/>
-                </a:solidFill>
-                <a:latin typeface="Arial" pitchFamily="34" charset="0"/>
-                <a:ea typeface="Arial" pitchFamily="34" charset="-122"/>
-                <a:cs typeface="Arial" pitchFamily="34" charset="-120"/>
-              </a:rPr>
-              <a:t>• STC 65隔音牆：1F失智 vs 2F幼兒</a:t>
-            </a:r>
-            <a:endParaRPr lang="en-US" sz="1000" dirty="0"/>
-          </a:p>
-        </p:txBody>
-      </p:sp>
-      <p:sp>
-        <p:nvSpPr>
-          <p:cNvPr id="7" name="Text 5"/>
-          <p:cNvSpPr/>
-          <p:nvPr/>
-        </p:nvSpPr>
-        <p:spPr>
-          <a:xfrm>
-            <a:off x="640080" y="1380744"/>
-            <a:ext cx="3840480" cy="137160"/>
-          </a:xfrm>
-          <a:prstGeom prst="rect">
-            <a:avLst/>
-          </a:prstGeom>
-          <a:noFill/>
-          <a:ln/>
-        </p:spPr>
-        <p:txBody>
-          <a:bodyPr wrap="square" rtlCol="0" anchor="ctr"/>
-          <a:lstStyle/>
-          <a:p>
-            <a:pPr indent="0" marL="0">
-              <a:buNone/>
-            </a:pPr>
-            <a:r>
-              <a:rPr lang="en-US" sz="1000" dirty="0">
-                <a:solidFill>
-                  <a:srgbClr val="333333"/>
-                </a:solidFill>
-                <a:latin typeface="Arial" pitchFamily="34" charset="0"/>
-                <a:ea typeface="Arial" pitchFamily="34" charset="-122"/>
-                <a:cs typeface="Arial" pitchFamily="34" charset="-120"/>
-              </a:rPr>
-              <a:t>• IIC 70地板：4F籃球 vs 3F諮商室</a:t>
-            </a:r>
-            <a:endParaRPr lang="en-US" sz="1000" dirty="0"/>
-          </a:p>
-        </p:txBody>
-      </p:sp>
-      <p:sp>
-        <p:nvSpPr>
-          <p:cNvPr id="8" name="Text 6"/>
-          <p:cNvSpPr/>
-          <p:nvPr/>
-        </p:nvSpPr>
-        <p:spPr>
-          <a:xfrm>
-            <a:off x="640080" y="1527048"/>
-            <a:ext cx="3840480" cy="137160"/>
-          </a:xfrm>
-          <a:prstGeom prst="rect">
-            <a:avLst/>
-          </a:prstGeom>
-          <a:noFill/>
-          <a:ln/>
-        </p:spPr>
-        <p:txBody>
-          <a:bodyPr wrap="square" rtlCol="0" anchor="ctr"/>
-          <a:lstStyle/>
-          <a:p>
-            <a:pPr indent="0" marL="0">
-              <a:buNone/>
-            </a:pPr>
-            <a:r>
-              <a:rPr lang="en-US" sz="1000" dirty="0">
-                <a:solidFill>
-                  <a:srgbClr val="333333"/>
-                </a:solidFill>
-                <a:latin typeface="Arial" pitchFamily="34" charset="0"/>
-                <a:ea typeface="Arial" pitchFamily="34" charset="-122"/>
-                <a:cs typeface="Arial" pitchFamily="34" charset="-120"/>
-              </a:rPr>
-              <a:t>• 降噪效果：40-45 dB</a:t>
-            </a:r>
-            <a:endParaRPr lang="en-US" sz="1000" dirty="0"/>
-          </a:p>
-        </p:txBody>
-      </p:sp>
-      <p:sp>
-        <p:nvSpPr>
-          <p:cNvPr id="9" name="Shape 7"/>
-          <p:cNvSpPr/>
-          <p:nvPr/>
-        </p:nvSpPr>
-        <p:spPr>
-          <a:xfrm>
-            <a:off x="457200" y="1920240"/>
-            <a:ext cx="4114800" cy="777240"/>
-          </a:xfrm>
-          <a:prstGeom prst="rect">
-            <a:avLst/>
-          </a:prstGeom>
-          <a:solidFill>
-            <a:srgbClr val="FFF3E0"/>
-          </a:solidFill>
-          <a:ln w="25400">
-            <a:solidFill>
-              <a:srgbClr val="0066CC"/>
-            </a:solidFill>
-            <a:prstDash val="solid"/>
-          </a:ln>
-        </p:spPr>
-      </p:sp>
-      <p:sp>
-        <p:nvSpPr>
-          <p:cNvPr id="10" name="Text 8"/>
-          <p:cNvSpPr/>
-          <p:nvPr/>
-        </p:nvSpPr>
-        <p:spPr>
-          <a:xfrm>
-            <a:off x="548640" y="1993392"/>
-            <a:ext cx="3931920" cy="228600"/>
-          </a:xfrm>
-          <a:prstGeom prst="rect">
-            <a:avLst/>
-          </a:prstGeom>
-          <a:noFill/>
-          <a:ln/>
-        </p:spPr>
-        <p:txBody>
-          <a:bodyPr wrap="square" rtlCol="0" anchor="ctr"/>
-          <a:lstStyle/>
-          <a:p>
-            <a:pPr indent="0" marL="0">
-              <a:buNone/>
-            </a:pPr>
-            <a:r>
-              <a:rPr lang="en-US" sz="1300" b="1" dirty="0">
-                <a:solidFill>
-                  <a:srgbClr val="0066CC"/>
-                </a:solidFill>
-                <a:latin typeface="Arial" pitchFamily="34" charset="0"/>
-                <a:ea typeface="Arial" pitchFamily="34" charset="-122"/>
-                <a:cs typeface="Arial" pitchFamily="34" charset="-120"/>
-              </a:rPr>
-              <a:t>🍽️ 分時共享策略</a:t>
-            </a:r>
-            <a:endParaRPr lang="en-US" sz="1300" dirty="0"/>
-          </a:p>
-        </p:txBody>
-      </p:sp>
-      <p:sp>
-        <p:nvSpPr>
-          <p:cNvPr id="11" name="Text 9"/>
-          <p:cNvSpPr/>
-          <p:nvPr/>
-        </p:nvSpPr>
-        <p:spPr>
-          <a:xfrm>
-            <a:off x="640080" y="2240280"/>
-            <a:ext cx="3840480" cy="137160"/>
-          </a:xfrm>
-          <a:prstGeom prst="rect">
-            <a:avLst/>
-          </a:prstGeom>
-          <a:noFill/>
-          <a:ln/>
-        </p:spPr>
-        <p:txBody>
-          <a:bodyPr wrap="square" rtlCol="0" anchor="ctr"/>
-          <a:lstStyle/>
-          <a:p>
-            <a:pPr indent="0" marL="0">
-              <a:buNone/>
-            </a:pPr>
-            <a:r>
-              <a:rPr lang="en-US" sz="1000" dirty="0">
-                <a:solidFill>
-                  <a:srgbClr val="333333"/>
-                </a:solidFill>
-                <a:latin typeface="Arial" pitchFamily="34" charset="0"/>
-                <a:ea typeface="Arial" pitchFamily="34" charset="-122"/>
-                <a:cs typeface="Arial" pitchFamily="34" charset="-120"/>
-              </a:rPr>
-              <a:t>• 共用餐廳錯峰：11:30長者/12:00幼兒</a:t>
-            </a:r>
-            <a:endParaRPr lang="en-US" sz="1000" dirty="0"/>
-          </a:p>
-        </p:txBody>
-      </p:sp>
-      <p:sp>
-        <p:nvSpPr>
-          <p:cNvPr id="12" name="Text 10"/>
-          <p:cNvSpPr/>
-          <p:nvPr/>
-        </p:nvSpPr>
-        <p:spPr>
-          <a:xfrm>
-            <a:off x="640080" y="2386584"/>
-            <a:ext cx="3840480" cy="137160"/>
-          </a:xfrm>
-          <a:prstGeom prst="rect">
-            <a:avLst/>
-          </a:prstGeom>
-          <a:noFill/>
-          <a:ln/>
-        </p:spPr>
-        <p:txBody>
-          <a:bodyPr wrap="square" rtlCol="0" anchor="ctr"/>
-          <a:lstStyle/>
-          <a:p>
-            <a:pPr indent="0" marL="0">
-              <a:buNone/>
-            </a:pPr>
-            <a:r>
-              <a:rPr lang="en-US" sz="1000" dirty="0">
-                <a:solidFill>
-                  <a:srgbClr val="333333"/>
-                </a:solidFill>
-                <a:latin typeface="Arial" pitchFamily="34" charset="0"/>
-                <a:ea typeface="Arial" pitchFamily="34" charset="-122"/>
-                <a:cs typeface="Arial" pitchFamily="34" charset="-120"/>
-              </a:rPr>
-              <a:t>• 社區廚房：日間130人/夜間課程</a:t>
-            </a:r>
-            <a:endParaRPr lang="en-US" sz="1000" dirty="0"/>
-          </a:p>
-        </p:txBody>
-      </p:sp>
-      <p:sp>
-        <p:nvSpPr>
-          <p:cNvPr id="13" name="Shape 11"/>
-          <p:cNvSpPr/>
-          <p:nvPr/>
-        </p:nvSpPr>
-        <p:spPr>
-          <a:xfrm>
-            <a:off x="457200" y="2743200"/>
-            <a:ext cx="4114800" cy="777240"/>
-          </a:xfrm>
-          <a:prstGeom prst="rect">
-            <a:avLst/>
-          </a:prstGeom>
-          <a:solidFill>
-            <a:srgbClr val="E8F5E9"/>
-          </a:solidFill>
-          <a:ln w="25400">
-            <a:solidFill>
-              <a:srgbClr val="0066CC"/>
-            </a:solidFill>
-            <a:prstDash val="solid"/>
-          </a:ln>
-        </p:spPr>
-      </p:sp>
-      <p:sp>
-        <p:nvSpPr>
-          <p:cNvPr id="14" name="Text 12"/>
-          <p:cNvSpPr/>
-          <p:nvPr/>
-        </p:nvSpPr>
-        <p:spPr>
-          <a:xfrm>
-            <a:off x="548640" y="2816352"/>
-            <a:ext cx="3931920" cy="228600"/>
-          </a:xfrm>
-          <a:prstGeom prst="rect">
-            <a:avLst/>
-          </a:prstGeom>
-          <a:noFill/>
-          <a:ln/>
-        </p:spPr>
-        <p:txBody>
-          <a:bodyPr wrap="square" rtlCol="0" anchor="ctr"/>
-          <a:lstStyle/>
-          <a:p>
-            <a:pPr indent="0" marL="0">
-              <a:buNone/>
-            </a:pPr>
-            <a:r>
-              <a:rPr lang="en-US" sz="1300" b="1" dirty="0">
-                <a:solidFill>
-                  <a:srgbClr val="0066CC"/>
-                </a:solidFill>
-                <a:latin typeface="Arial" pitchFamily="34" charset="0"/>
-                <a:ea typeface="Arial" pitchFamily="34" charset="-122"/>
-                <a:cs typeface="Arial" pitchFamily="34" charset="-120"/>
-              </a:rPr>
-              <a:t>🤝 跨齡互動時段</a:t>
-            </a:r>
-            <a:endParaRPr lang="en-US" sz="1300" dirty="0"/>
-          </a:p>
-        </p:txBody>
-      </p:sp>
-      <p:sp>
-        <p:nvSpPr>
-          <p:cNvPr id="15" name="Text 13"/>
-          <p:cNvSpPr/>
-          <p:nvPr/>
-        </p:nvSpPr>
-        <p:spPr>
-          <a:xfrm>
-            <a:off x="640080" y="3063240"/>
-            <a:ext cx="3840480" cy="137160"/>
-          </a:xfrm>
-          <a:prstGeom prst="rect">
-            <a:avLst/>
-          </a:prstGeom>
-          <a:noFill/>
-          <a:ln/>
-        </p:spPr>
-        <p:txBody>
-          <a:bodyPr wrap="square" rtlCol="0" anchor="ctr"/>
-          <a:lstStyle/>
-          <a:p>
-            <a:pPr indent="0" marL="0">
-              <a:buNone/>
-            </a:pPr>
-            <a:r>
-              <a:rPr lang="en-US" sz="1000" dirty="0">
-                <a:solidFill>
-                  <a:srgbClr val="333333"/>
-                </a:solidFill>
-                <a:latin typeface="Arial" pitchFamily="34" charset="0"/>
-                <a:ea typeface="Arial" pitchFamily="34" charset="-122"/>
-                <a:cs typeface="Arial" pitchFamily="34" charset="-120"/>
-              </a:rPr>
-              <a:t>• 每週五10:00-11:00：園藝活動</a:t>
-            </a:r>
-            <a:endParaRPr lang="en-US" sz="1000" dirty="0"/>
-          </a:p>
-        </p:txBody>
-      </p:sp>
-      <p:sp>
-        <p:nvSpPr>
-          <p:cNvPr id="16" name="Text 14"/>
-          <p:cNvSpPr/>
-          <p:nvPr/>
-        </p:nvSpPr>
-        <p:spPr>
-          <a:xfrm>
-            <a:off x="640080" y="3209544"/>
-            <a:ext cx="3840480" cy="137160"/>
-          </a:xfrm>
-          <a:prstGeom prst="rect">
-            <a:avLst/>
-          </a:prstGeom>
-          <a:noFill/>
-          <a:ln/>
-        </p:spPr>
-        <p:txBody>
-          <a:bodyPr wrap="square" rtlCol="0" anchor="ctr"/>
-          <a:lstStyle/>
-          <a:p>
-            <a:pPr indent="0" marL="0">
-              <a:buNone/>
-            </a:pPr>
-            <a:r>
-              <a:rPr lang="en-US" sz="1000" dirty="0">
-                <a:solidFill>
-                  <a:srgbClr val="333333"/>
-                </a:solidFill>
-                <a:latin typeface="Arial" pitchFamily="34" charset="0"/>
-                <a:ea typeface="Arial" pitchFamily="34" charset="-122"/>
-                <a:cs typeface="Arial" pitchFamily="34" charset="-120"/>
-              </a:rPr>
-              <a:t>• 每月第3週日：三代同堂節慶</a:t>
-            </a:r>
-            <a:endParaRPr lang="en-US" sz="1000" dirty="0"/>
-          </a:p>
-        </p:txBody>
-      </p:sp>
-      <p:sp>
-        <p:nvSpPr>
-          <p:cNvPr id="17" name="Text 15"/>
-          <p:cNvSpPr/>
-          <p:nvPr/>
-        </p:nvSpPr>
-        <p:spPr>
-          <a:xfrm>
-            <a:off x="640080" y="3355848"/>
-            <a:ext cx="3840480" cy="137160"/>
-          </a:xfrm>
-          <a:prstGeom prst="rect">
-            <a:avLst/>
-          </a:prstGeom>
-          <a:noFill/>
-          <a:ln/>
-        </p:spPr>
-        <p:txBody>
-          <a:bodyPr wrap="square" rtlCol="0" anchor="ctr"/>
-          <a:lstStyle/>
-          <a:p>
-            <a:pPr indent="0" marL="0">
-              <a:buNone/>
-            </a:pPr>
-            <a:r>
-              <a:rPr lang="en-US" sz="1000" dirty="0">
-                <a:solidFill>
-                  <a:srgbClr val="333333"/>
-                </a:solidFill>
-                <a:latin typeface="Arial" pitchFamily="34" charset="0"/>
-                <a:ea typeface="Arial" pitchFamily="34" charset="-122"/>
-                <a:cs typeface="Arial" pitchFamily="34" charset="-120"/>
-              </a:rPr>
-              <a:t>• 每季1次：生命故事錄製</a:t>
-            </a:r>
-            <a:endParaRPr lang="en-US" sz="1000" dirty="0"/>
-          </a:p>
-        </p:txBody>
-      </p:sp>
-      <p:sp>
-        <p:nvSpPr>
-          <p:cNvPr id="18" name="Shape 16"/>
-          <p:cNvSpPr/>
-          <p:nvPr/>
-        </p:nvSpPr>
-        <p:spPr>
-          <a:xfrm>
-            <a:off x="4754880" y="914400"/>
-            <a:ext cx="3931920" cy="1828800"/>
-          </a:xfrm>
-          <a:prstGeom prst="rect">
-            <a:avLst/>
-          </a:prstGeom>
-          <a:solidFill>
-            <a:srgbClr val="E3F2FD"/>
-          </a:solidFill>
-          <a:ln w="25400">
-            <a:solidFill>
-              <a:srgbClr val="0066CC"/>
-            </a:solidFill>
-            <a:prstDash val="solid"/>
-          </a:ln>
-        </p:spPr>
+        <p:txBody>
+          <a:bodyPr/>
+          <a:lstStyle/>
+          <a:p>
+            <a:endParaRPr lang="zh-TW" altLang="en-US"/>
+          </a:p>
+        </p:txBody>
       </p:sp>
       <p:sp>
         <p:nvSpPr>
@@ -6457,7 +6544,7 @@
           <a:bodyPr wrap="square" rtlCol="0" anchor="ctr"/>
           <a:lstStyle/>
           <a:p>
-            <a:pPr indent="0" marL="0">
+            <a:pPr marL="0" indent="0">
               <a:buNone/>
             </a:pPr>
             <a:r>
@@ -6496,7 +6583,7 @@
           <a:bodyPr wrap="square" rtlCol="0" anchor="ctr"/>
           <a:lstStyle/>
           <a:p>
-            <a:pPr indent="0" marL="0">
+            <a:pPr marL="0" indent="0">
               <a:buNone/>
             </a:pPr>
             <a:r>
@@ -6535,7 +6622,7 @@
           <a:bodyPr wrap="square" rtlCol="0" anchor="ctr"/>
           <a:lstStyle/>
           <a:p>
-            <a:pPr indent="0" marL="0">
+            <a:pPr marL="0" indent="0">
               <a:buNone/>
             </a:pPr>
             <a:r>
@@ -6574,7 +6661,7 @@
           <a:bodyPr wrap="square" rtlCol="0" anchor="ctr"/>
           <a:lstStyle/>
           <a:p>
-            <a:pPr indent="0" marL="0">
+            <a:pPr marL="0" indent="0">
               <a:buNone/>
             </a:pPr>
             <a:r>
@@ -6613,7 +6700,7 @@
           <a:bodyPr wrap="square" rtlCol="0" anchor="ctr"/>
           <a:lstStyle/>
           <a:p>
-            <a:pPr indent="0" marL="0">
+            <a:pPr marL="0" indent="0">
               <a:buNone/>
             </a:pPr>
             <a:r>
@@ -6652,7 +6739,7 @@
           <a:bodyPr wrap="square" rtlCol="0" anchor="ctr"/>
           <a:lstStyle/>
           <a:p>
-            <a:pPr indent="0" marL="0">
+            <a:pPr marL="0" indent="0">
               <a:buNone/>
             </a:pPr>
             <a:r>
@@ -6691,7 +6778,7 @@
           <a:bodyPr wrap="square" rtlCol="0" anchor="ctr"/>
           <a:lstStyle/>
           <a:p>
-            <a:pPr indent="0" marL="0">
+            <a:pPr marL="0" indent="0">
               <a:buNone/>
             </a:pPr>
             <a:r>
@@ -6709,143 +6796,171 @@
           </a:p>
         </p:txBody>
       </p:sp>
-      <p:sp>
-        <p:nvSpPr>
-          <p:cNvPr id="26" name="Shape 24"/>
-          <p:cNvSpPr/>
-          <p:nvPr/>
-        </p:nvSpPr>
-        <p:spPr>
-          <a:xfrm>
-            <a:off x="4754880" y="2926080"/>
+      <p:grpSp>
+        <p:nvGrpSpPr>
+          <p:cNvPr id="34" name="群組 33">
+            <a:extLst>
+              <a:ext uri="{FF2B5EF4-FFF2-40B4-BE49-F238E27FC236}">
+                <a16:creationId xmlns:a16="http://schemas.microsoft.com/office/drawing/2014/main" id="{371174BB-0994-1223-2E8D-7767BC981D34}"/>
+              </a:ext>
+            </a:extLst>
+          </p:cNvPr>
+          <p:cNvGrpSpPr/>
+          <p:nvPr/>
+        </p:nvGrpSpPr>
+        <p:grpSpPr>
+          <a:xfrm>
+            <a:off x="4754880" y="3383280"/>
             <a:ext cx="3931920" cy="1097280"/>
-          </a:xfrm>
-          <a:prstGeom prst="rect">
-            <a:avLst/>
-          </a:prstGeom>
-          <a:solidFill>
-            <a:srgbClr val="F5F5F5"/>
-          </a:solidFill>
-          <a:ln w="25400">
+            <a:chOff x="4754880" y="2926080"/>
+            <a:chExt cx="3931920" cy="1097280"/>
+          </a:xfrm>
+        </p:grpSpPr>
+        <p:sp>
+          <p:nvSpPr>
+            <p:cNvPr id="26" name="Shape 24"/>
+            <p:cNvSpPr/>
+            <p:nvPr/>
+          </p:nvSpPr>
+          <p:spPr>
+            <a:xfrm>
+              <a:off x="4754880" y="2926080"/>
+              <a:ext cx="3931920" cy="1097280"/>
+            </a:xfrm>
+            <a:prstGeom prst="rect">
+              <a:avLst/>
+            </a:prstGeom>
             <a:solidFill>
-              <a:srgbClr val="0066CC"/>
+              <a:srgbClr val="F5F5F5"/>
             </a:solidFill>
-            <a:prstDash val="solid"/>
-          </a:ln>
-        </p:spPr>
-      </p:sp>
-      <p:sp>
-        <p:nvSpPr>
-          <p:cNvPr id="27" name="Text 25"/>
-          <p:cNvSpPr/>
-          <p:nvPr/>
-        </p:nvSpPr>
-        <p:spPr>
-          <a:xfrm>
-            <a:off x="4846320" y="3017520"/>
-            <a:ext cx="3749040" cy="228600"/>
-          </a:xfrm>
-          <a:prstGeom prst="rect">
-            <a:avLst/>
-          </a:prstGeom>
-          <a:noFill/>
-          <a:ln/>
-        </p:spPr>
-        <p:txBody>
-          <a:bodyPr wrap="square" rtlCol="0" anchor="ctr"/>
-          <a:lstStyle/>
-          <a:p>
-            <a:pPr indent="0" marL="0">
-              <a:buNone/>
-            </a:pPr>
-            <a:r>
-              <a:rPr lang="en-US" sz="1400" b="1" dirty="0">
-                <a:solidFill>
-                  <a:srgbClr val="0066CC"/>
-                </a:solidFill>
-                <a:latin typeface="Arial" pitchFamily="34" charset="0"/>
-                <a:ea typeface="Arial" pitchFamily="34" charset="-122"/>
-                <a:cs typeface="Arial" pitchFamily="34" charset="-120"/>
-              </a:rPr>
-              <a:t>技術規格亮點</a:t>
-            </a:r>
-            <a:endParaRPr lang="en-US" sz="1400" dirty="0"/>
-          </a:p>
-        </p:txBody>
-      </p:sp>
-      <p:sp>
-        <p:nvSpPr>
-          <p:cNvPr id="28" name="Text 26"/>
-          <p:cNvSpPr/>
-          <p:nvPr/>
-        </p:nvSpPr>
-        <p:spPr>
-          <a:xfrm>
-            <a:off x="4937760" y="3291840"/>
-            <a:ext cx="3657600" cy="640080"/>
-          </a:xfrm>
-          <a:prstGeom prst="rect">
-            <a:avLst/>
-          </a:prstGeom>
-          <a:noFill/>
-          <a:ln/>
-        </p:spPr>
-        <p:txBody>
-          <a:bodyPr wrap="square" rtlCol="0" anchor="ctr"/>
-          <a:lstStyle/>
-          <a:p>
-            <a:pPr indent="0" marL="0">
-              <a:buNone/>
-            </a:pPr>
-            <a:r>
-              <a:rPr lang="en-US" sz="1000" dirty="0">
-                <a:solidFill>
-                  <a:srgbClr val="333333"/>
-                </a:solidFill>
-                <a:latin typeface="Arial" pitchFamily="34" charset="0"/>
-                <a:ea typeface="Arial" pitchFamily="34" charset="-122"/>
-                <a:cs typeface="Arial" pitchFamily="34" charset="-120"/>
-              </a:rPr>
-              <a:t>✓ HEPA H13過濾 - 99.97%病毒與PM2.5</a:t>
-            </a:r>
-            <a:endParaRPr lang="en-US" sz="1000" dirty="0"/>
-          </a:p>
-          <a:p>
-            <a:pPr indent="0" marL="0">
-              <a:buNone/>
-            </a:pPr>
-            <a:r>
-              <a:rPr lang="en-US" sz="1000" dirty="0">
-                <a:solidFill>
-                  <a:srgbClr val="333333"/>
-                </a:solidFill>
-                <a:latin typeface="Arial" pitchFamily="34" charset="0"/>
-                <a:ea typeface="Arial" pitchFamily="34" charset="-122"/>
-                <a:cs typeface="Arial" pitchFamily="34" charset="-120"/>
-              </a:rPr>
-              <a:t>✓ 獨立空調系統 - 1F、2F各獨立</a:t>
-            </a:r>
-            <a:endParaRPr lang="en-US" sz="1000" dirty="0"/>
-          </a:p>
-          <a:p>
-            <a:pPr indent="0" marL="0">
-              <a:buNone/>
-            </a:pPr>
-            <a:r>
-              <a:rPr lang="en-US" sz="1000" dirty="0">
-                <a:solidFill>
-                  <a:srgbClr val="333333"/>
-                </a:solidFill>
-                <a:latin typeface="Arial" pitchFamily="34" charset="0"/>
-                <a:ea typeface="Arial" pitchFamily="34" charset="-122"/>
-                <a:cs typeface="Arial" pitchFamily="34" charset="-120"/>
-              </a:rPr>
-              <a:t>✓ 智慧監控 - 跌倒偵測、生理監測</a:t>
-            </a:r>
-            <a:endParaRPr lang="en-US" sz="1000" dirty="0"/>
-          </a:p>
-        </p:txBody>
-      </p:sp>
+            <a:ln w="25400">
+              <a:solidFill>
+                <a:srgbClr val="0066CC"/>
+              </a:solidFill>
+              <a:prstDash val="solid"/>
+            </a:ln>
+          </p:spPr>
+          <p:txBody>
+            <a:bodyPr/>
+            <a:lstStyle/>
+            <a:p>
+              <a:endParaRPr lang="zh-TW" altLang="en-US"/>
+            </a:p>
+          </p:txBody>
+        </p:sp>
+        <p:sp>
+          <p:nvSpPr>
+            <p:cNvPr id="27" name="Text 25"/>
+            <p:cNvSpPr/>
+            <p:nvPr/>
+          </p:nvSpPr>
+          <p:spPr>
+            <a:xfrm>
+              <a:off x="4846320" y="3017520"/>
+              <a:ext cx="3749040" cy="228600"/>
+            </a:xfrm>
+            <a:prstGeom prst="rect">
+              <a:avLst/>
+            </a:prstGeom>
+            <a:noFill/>
+            <a:ln/>
+          </p:spPr>
+          <p:txBody>
+            <a:bodyPr wrap="square" rtlCol="0" anchor="ctr"/>
+            <a:lstStyle/>
+            <a:p>
+              <a:pPr marL="0" indent="0">
+                <a:buNone/>
+              </a:pPr>
+              <a:r>
+                <a:rPr lang="en-US" sz="1400" b="1" dirty="0">
+                  <a:solidFill>
+                    <a:srgbClr val="0066CC"/>
+                  </a:solidFill>
+                  <a:latin typeface="Arial" pitchFamily="34" charset="0"/>
+                  <a:ea typeface="Arial" pitchFamily="34" charset="-122"/>
+                  <a:cs typeface="Arial" pitchFamily="34" charset="-120"/>
+                </a:rPr>
+                <a:t>技術規格亮點</a:t>
+              </a:r>
+              <a:endParaRPr lang="en-US" sz="1400" dirty="0"/>
+            </a:p>
+          </p:txBody>
+        </p:sp>
+        <p:sp>
+          <p:nvSpPr>
+            <p:cNvPr id="28" name="Text 26"/>
+            <p:cNvSpPr/>
+            <p:nvPr/>
+          </p:nvSpPr>
+          <p:spPr>
+            <a:xfrm>
+              <a:off x="4937760" y="3291840"/>
+              <a:ext cx="3657600" cy="640080"/>
+            </a:xfrm>
+            <a:prstGeom prst="rect">
+              <a:avLst/>
+            </a:prstGeom>
+            <a:noFill/>
+            <a:ln/>
+          </p:spPr>
+          <p:txBody>
+            <a:bodyPr wrap="square" rtlCol="0" anchor="ctr"/>
+            <a:lstStyle/>
+            <a:p>
+              <a:pPr marL="0" indent="0">
+                <a:buNone/>
+              </a:pPr>
+              <a:r>
+                <a:rPr lang="en-US" sz="1000" dirty="0">
+                  <a:solidFill>
+                    <a:srgbClr val="333333"/>
+                  </a:solidFill>
+                  <a:latin typeface="Arial" pitchFamily="34" charset="0"/>
+                  <a:ea typeface="Arial" pitchFamily="34" charset="-122"/>
+                  <a:cs typeface="Arial" pitchFamily="34" charset="-120"/>
+                </a:rPr>
+                <a:t>✓ HEPA H13過濾 - 99.97%病毒與PM2.5</a:t>
+              </a:r>
+              <a:endParaRPr lang="en-US" sz="1000" dirty="0"/>
+            </a:p>
+            <a:p>
+              <a:pPr marL="0" indent="0">
+                <a:buNone/>
+              </a:pPr>
+              <a:r>
+                <a:rPr lang="en-US" sz="1000" dirty="0">
+                  <a:solidFill>
+                    <a:srgbClr val="333333"/>
+                  </a:solidFill>
+                  <a:latin typeface="Arial" pitchFamily="34" charset="0"/>
+                  <a:ea typeface="Arial" pitchFamily="34" charset="-122"/>
+                  <a:cs typeface="Arial" pitchFamily="34" charset="-120"/>
+                </a:rPr>
+                <a:t>✓ 獨立空調系統 - 1F、2F各獨立</a:t>
+              </a:r>
+              <a:endParaRPr lang="en-US" sz="1000" dirty="0"/>
+            </a:p>
+            <a:p>
+              <a:pPr marL="0" indent="0">
+                <a:buNone/>
+              </a:pPr>
+              <a:r>
+                <a:rPr lang="en-US" sz="1000" dirty="0">
+                  <a:solidFill>
+                    <a:srgbClr val="333333"/>
+                  </a:solidFill>
+                  <a:latin typeface="Arial" pitchFamily="34" charset="0"/>
+                  <a:ea typeface="Arial" pitchFamily="34" charset="-122"/>
+                  <a:cs typeface="Arial" pitchFamily="34" charset="-120"/>
+                </a:rPr>
+                <a:t>✓ 智慧監控 - 跌倒偵測、生理監測</a:t>
+              </a:r>
+              <a:endParaRPr lang="en-US" sz="1000" dirty="0"/>
+            </a:p>
+          </p:txBody>
+        </p:sp>
+      </p:grpSp>
       <p:sp>
         <p:nvSpPr>
           <p:cNvPr id="29" name="Text 27"/>
@@ -6867,7 +6982,7 @@
           <a:bodyPr wrap="square" rtlCol="0" anchor="ctr"/>
           <a:lstStyle/>
           <a:p>
-            <a:pPr indent="0" marL="0">
+            <a:pPr marL="0" indent="0">
               <a:buNone/>
             </a:pPr>
             <a:r>
@@ -6906,7 +7021,7 @@
           <a:bodyPr wrap="square" rtlCol="0" anchor="ctr"/>
           <a:lstStyle/>
           <a:p>
-            <a:pPr algn="r" indent="0" marL="0">
+            <a:pPr marL="0" indent="0" algn="r">
               <a:buNone/>
             </a:pPr>
             <a:r>
@@ -6940,6 +7055,7 @@
         <a:solidFill>
           <a:srgbClr val="FFFFFF"/>
         </a:solidFill>
+        <a:effectLst/>
       </p:bgPr>
     </p:bg>
     <p:spTree>
@@ -6975,6 +7091,13 @@
           </a:solidFill>
           <a:ln/>
         </p:spPr>
+        <p:txBody>
+          <a:bodyPr/>
+          <a:lstStyle/>
+          <a:p>
+            <a:endParaRPr lang="zh-TW" altLang="en-US"/>
+          </a:p>
+        </p:txBody>
       </p:sp>
       <p:sp>
         <p:nvSpPr>
@@ -6997,7 +7120,7 @@
           <a:bodyPr wrap="square" rtlCol="0" anchor="ctr"/>
           <a:lstStyle/>
           <a:p>
-            <a:pPr algn="ctr" indent="0" marL="0">
+            <a:pPr marL="0" indent="0" algn="ctr">
               <a:buNone/>
             </a:pPr>
             <a:r>
@@ -7036,7 +7159,7 @@
           <a:bodyPr wrap="square" rtlCol="0" anchor="ctr"/>
           <a:lstStyle/>
           <a:p>
-            <a:pPr algn="ctr" indent="0" marL="0">
+            <a:pPr marL="0" indent="0" algn="ctr">
               <a:buNone/>
             </a:pPr>
             <a:r>
@@ -7078,6 +7201,13 @@
             <a:prstDash val="solid"/>
           </a:ln>
         </p:spPr>
+        <p:txBody>
+          <a:bodyPr/>
+          <a:lstStyle/>
+          <a:p>
+            <a:endParaRPr lang="zh-TW" altLang="en-US"/>
+          </a:p>
+        </p:txBody>
       </p:sp>
       <p:sp>
         <p:nvSpPr>
@@ -7100,7 +7230,7 @@
           <a:bodyPr wrap="square" rtlCol="0" anchor="ctr"/>
           <a:lstStyle/>
           <a:p>
-            <a:pPr indent="0" marL="0">
+            <a:pPr marL="0" indent="0">
               <a:buNone/>
             </a:pPr>
             <a:r>
@@ -7139,7 +7269,7 @@
           <a:bodyPr wrap="square" rtlCol="0" anchor="ctr"/>
           <a:lstStyle/>
           <a:p>
-            <a:pPr indent="0" marL="0">
+            <a:pPr marL="0" indent="0">
               <a:buNone/>
             </a:pPr>
             <a:r>
@@ -7181,6 +7311,13 @@
             <a:prstDash val="solid"/>
           </a:ln>
         </p:spPr>
+        <p:txBody>
+          <a:bodyPr/>
+          <a:lstStyle/>
+          <a:p>
+            <a:endParaRPr lang="zh-TW" altLang="en-US"/>
+          </a:p>
+        </p:txBody>
       </p:sp>
       <p:sp>
         <p:nvSpPr>
@@ -7203,7 +7340,7 @@
           <a:bodyPr wrap="square" rtlCol="0" anchor="ctr"/>
           <a:lstStyle/>
           <a:p>
-            <a:pPr indent="0" marL="0">
+            <a:pPr marL="0" indent="0">
               <a:buNone/>
             </a:pPr>
             <a:r>
@@ -7242,7 +7379,7 @@
           <a:bodyPr wrap="square" rtlCol="0" anchor="ctr"/>
           <a:lstStyle/>
           <a:p>
-            <a:pPr indent="0" marL="0">
+            <a:pPr marL="0" indent="0">
               <a:buNone/>
             </a:pPr>
             <a:r>
@@ -7284,6 +7421,13 @@
             <a:prstDash val="solid"/>
           </a:ln>
         </p:spPr>
+        <p:txBody>
+          <a:bodyPr/>
+          <a:lstStyle/>
+          <a:p>
+            <a:endParaRPr lang="zh-TW" altLang="en-US"/>
+          </a:p>
+        </p:txBody>
       </p:sp>
       <p:sp>
         <p:nvSpPr>
@@ -7306,7 +7450,7 @@
           <a:bodyPr wrap="square" rtlCol="0" anchor="ctr"/>
           <a:lstStyle/>
           <a:p>
-            <a:pPr indent="0" marL="0">
+            <a:pPr marL="0" indent="0">
               <a:buNone/>
             </a:pPr>
             <a:r>
@@ -7345,7 +7489,7 @@
           <a:bodyPr wrap="square" rtlCol="0" anchor="ctr"/>
           <a:lstStyle/>
           <a:p>
-            <a:pPr indent="0" marL="0">
+            <a:pPr marL="0" indent="0">
               <a:buNone/>
             </a:pPr>
             <a:r>
@@ -7387,6 +7531,13 @@
             <a:prstDash val="solid"/>
           </a:ln>
         </p:spPr>
+        <p:txBody>
+          <a:bodyPr/>
+          <a:lstStyle/>
+          <a:p>
+            <a:endParaRPr lang="zh-TW" altLang="en-US"/>
+          </a:p>
+        </p:txBody>
       </p:sp>
       <p:sp>
         <p:nvSpPr>
@@ -7409,7 +7560,7 @@
           <a:bodyPr wrap="square" rtlCol="0" anchor="ctr"/>
           <a:lstStyle/>
           <a:p>
-            <a:pPr indent="0" marL="0">
+            <a:pPr marL="0" indent="0">
               <a:buNone/>
             </a:pPr>
             <a:r>
@@ -7448,7 +7599,7 @@
           <a:bodyPr wrap="square" rtlCol="0" anchor="ctr"/>
           <a:lstStyle/>
           <a:p>
-            <a:pPr indent="0" marL="0">
+            <a:pPr marL="0" indent="0">
               <a:buNone/>
             </a:pPr>
             <a:r>
@@ -7490,6 +7641,13 @@
             <a:prstDash val="solid"/>
           </a:ln>
         </p:spPr>
+        <p:txBody>
+          <a:bodyPr/>
+          <a:lstStyle/>
+          <a:p>
+            <a:endParaRPr lang="zh-TW" altLang="en-US"/>
+          </a:p>
+        </p:txBody>
       </p:sp>
       <p:sp>
         <p:nvSpPr>
@@ -7512,7 +7670,7 @@
           <a:bodyPr wrap="square" rtlCol="0" anchor="ctr"/>
           <a:lstStyle/>
           <a:p>
-            <a:pPr indent="0" marL="0">
+            <a:pPr marL="0" indent="0">
               <a:buNone/>
             </a:pPr>
             <a:r>
@@ -7551,7 +7709,7 @@
           <a:bodyPr wrap="square" rtlCol="0" anchor="ctr"/>
           <a:lstStyle/>
           <a:p>
-            <a:pPr indent="0" marL="0">
+            <a:pPr marL="0" indent="0">
               <a:buNone/>
             </a:pPr>
             <a:r>
@@ -7578,7 +7736,7 @@
         <p:spPr>
           <a:xfrm>
             <a:off x="5669280" y="1005840"/>
-            <a:ext cx="3017520" cy="1645920"/>
+            <a:ext cx="3017520" cy="1737360"/>
           </a:xfrm>
           <a:prstGeom prst="rect">
             <a:avLst/>
@@ -7593,6 +7751,13 @@
             <a:prstDash val="solid"/>
           </a:ln>
         </p:spPr>
+        <p:txBody>
+          <a:bodyPr/>
+          <a:lstStyle/>
+          <a:p>
+            <a:endParaRPr lang="zh-TW" altLang="en-US"/>
+          </a:p>
+        </p:txBody>
       </p:sp>
       <p:sp>
         <p:nvSpPr>
@@ -7615,7 +7780,7 @@
           <a:bodyPr wrap="square" rtlCol="0" anchor="ctr"/>
           <a:lstStyle/>
           <a:p>
-            <a:pPr algn="ctr" indent="0" marL="0">
+            <a:pPr marL="0" indent="0" algn="ctr">
               <a:buNone/>
             </a:pPr>
             <a:r>
@@ -7654,7 +7819,7 @@
           <a:bodyPr wrap="square" rtlCol="0" anchor="ctr"/>
           <a:lstStyle/>
           <a:p>
-            <a:pPr algn="ctr" indent="0" marL="0">
+            <a:pPr marL="0" indent="0" algn="ctr">
               <a:buNone/>
             </a:pPr>
             <a:r>
@@ -7693,7 +7858,7 @@
           <a:bodyPr wrap="square" rtlCol="0" anchor="ctr"/>
           <a:lstStyle/>
           <a:p>
-            <a:pPr algn="ctr" indent="0" marL="0">
+            <a:pPr marL="0" indent="0" algn="ctr">
               <a:buNone/>
             </a:pPr>
             <a:r>
@@ -7732,7 +7897,7 @@
           <a:bodyPr wrap="square" rtlCol="0" anchor="ctr"/>
           <a:lstStyle/>
           <a:p>
-            <a:pPr algn="ctr" indent="0" marL="0">
+            <a:pPr marL="0" indent="0" algn="ctr">
               <a:buNone/>
             </a:pPr>
             <a:r>
@@ -7771,7 +7936,7 @@
           <a:bodyPr wrap="square" rtlCol="0" anchor="ctr"/>
           <a:lstStyle/>
           <a:p>
-            <a:pPr algn="ctr" indent="0" marL="0">
+            <a:pPr marL="0" indent="0" algn="ctr">
               <a:buNone/>
             </a:pPr>
             <a:r>
@@ -7810,7 +7975,7 @@
           <a:bodyPr wrap="square" rtlCol="0" anchor="ctr"/>
           <a:lstStyle/>
           <a:p>
-            <a:pPr algn="ctr" indent="0" marL="0">
+            <a:pPr marL="0" indent="0" algn="ctr">
               <a:buNone/>
             </a:pPr>
             <a:r>
@@ -7852,6 +8017,13 @@
             <a:prstDash val="solid"/>
           </a:ln>
         </p:spPr>
+        <p:txBody>
+          <a:bodyPr/>
+          <a:lstStyle/>
+          <a:p>
+            <a:endParaRPr lang="zh-TW" altLang="en-US"/>
+          </a:p>
+        </p:txBody>
       </p:sp>
       <p:sp>
         <p:nvSpPr>
@@ -7874,7 +8046,7 @@
           <a:bodyPr wrap="square" rtlCol="0" anchor="ctr"/>
           <a:lstStyle/>
           <a:p>
-            <a:pPr algn="ctr" indent="0" marL="0">
+            <a:pPr marL="0" indent="0" algn="ctr">
               <a:buNone/>
             </a:pPr>
             <a:r>
@@ -7913,7 +8085,7 @@
           <a:bodyPr wrap="square" rtlCol="0" anchor="ctr"/>
           <a:lstStyle/>
           <a:p>
-            <a:pPr indent="0" marL="0">
+            <a:pPr marL="0" indent="0">
               <a:buNone/>
             </a:pPr>
             <a:r>
@@ -7952,7 +8124,7 @@
           <a:bodyPr wrap="square" rtlCol="0" anchor="ctr"/>
           <a:lstStyle/>
           <a:p>
-            <a:pPr algn="r" indent="0" marL="0">
+            <a:pPr marL="0" indent="0" algn="r">
               <a:buNone/>
             </a:pPr>
             <a:r>
@@ -7991,7 +8163,7 @@
           <a:bodyPr wrap="square" rtlCol="0" anchor="ctr"/>
           <a:lstStyle/>
           <a:p>
-            <a:pPr indent="0" marL="0">
+            <a:pPr marL="0" indent="0">
               <a:buNone/>
             </a:pPr>
             <a:r>
@@ -8030,7 +8202,7 @@
           <a:bodyPr wrap="square" rtlCol="0" anchor="ctr"/>
           <a:lstStyle/>
           <a:p>
-            <a:pPr algn="r" indent="0" marL="0">
+            <a:pPr marL="0" indent="0" algn="r">
               <a:buNone/>
             </a:pPr>
             <a:r>
@@ -8069,7 +8241,7 @@
           <a:bodyPr wrap="square" rtlCol="0" anchor="ctr"/>
           <a:lstStyle/>
           <a:p>
-            <a:pPr indent="0" marL="0">
+            <a:pPr marL="0" indent="0">
               <a:buNone/>
             </a:pPr>
             <a:r>
@@ -8108,7 +8280,7 @@
           <a:bodyPr wrap="square" rtlCol="0" anchor="ctr"/>
           <a:lstStyle/>
           <a:p>
-            <a:pPr algn="r" indent="0" marL="0">
+            <a:pPr marL="0" indent="0" algn="r">
               <a:buNone/>
             </a:pPr>
             <a:r>
@@ -8147,7 +8319,7 @@
           <a:bodyPr wrap="square" rtlCol="0" anchor="ctr"/>
           <a:lstStyle/>
           <a:p>
-            <a:pPr indent="0" marL="0">
+            <a:pPr marL="0" indent="0">
               <a:buNone/>
             </a:pPr>
             <a:r>
@@ -8186,7 +8358,7 @@
           <a:bodyPr wrap="square" rtlCol="0" anchor="ctr"/>
           <a:lstStyle/>
           <a:p>
-            <a:pPr algn="r" indent="0" marL="0">
+            <a:pPr marL="0" indent="0" algn="r">
               <a:buNone/>
             </a:pPr>
             <a:r>
@@ -8220,6 +8392,7 @@
         <a:solidFill>
           <a:srgbClr val="FFFFFF"/>
         </a:solidFill>
+        <a:effectLst/>
       </p:bgPr>
     </p:bg>
     <p:spTree>
@@ -8255,6 +8428,13 @@
           </a:solidFill>
           <a:ln/>
         </p:spPr>
+        <p:txBody>
+          <a:bodyPr/>
+          <a:lstStyle/>
+          <a:p>
+            <a:endParaRPr lang="zh-TW" altLang="en-US"/>
+          </a:p>
+        </p:txBody>
       </p:sp>
       <p:sp>
         <p:nvSpPr>
@@ -8277,7 +8457,7 @@
           <a:bodyPr wrap="square" rtlCol="0" anchor="ctr"/>
           <a:lstStyle/>
           <a:p>
-            <a:pPr algn="ctr" indent="0" marL="0">
+            <a:pPr marL="0" indent="0" algn="ctr">
               <a:buNone/>
             </a:pPr>
             <a:r>
@@ -8319,6 +8499,13 @@
             <a:prstDash val="solid"/>
           </a:ln>
         </p:spPr>
+        <p:txBody>
+          <a:bodyPr/>
+          <a:lstStyle/>
+          <a:p>
+            <a:endParaRPr lang="zh-TW" altLang="en-US"/>
+          </a:p>
+        </p:txBody>
       </p:sp>
       <p:sp>
         <p:nvSpPr>
@@ -8341,7 +8528,7 @@
           <a:bodyPr wrap="square" rtlCol="0" anchor="ctr"/>
           <a:lstStyle/>
           <a:p>
-            <a:pPr algn="ctr" indent="0" marL="0">
+            <a:pPr marL="0" indent="0" algn="ctr">
               <a:buNone/>
             </a:pPr>
             <a:r>
@@ -8380,7 +8567,7 @@
           <a:bodyPr wrap="square" rtlCol="0" anchor="ctr"/>
           <a:lstStyle/>
           <a:p>
-            <a:pPr algn="ctr" indent="0" marL="0">
+            <a:pPr marL="0" indent="0" algn="ctr">
               <a:buNone/>
             </a:pPr>
             <a:r>
@@ -8419,7 +8606,7 @@
           <a:bodyPr wrap="square" rtlCol="0" anchor="ctr"/>
           <a:lstStyle/>
           <a:p>
-            <a:pPr algn="ctr" indent="0" marL="0">
+            <a:pPr marL="0" indent="0" algn="ctr">
               <a:buNone/>
             </a:pPr>
             <a:r>
@@ -8436,7 +8623,7 @@
             <a:endParaRPr lang="en-US" sz="1000" dirty="0"/>
           </a:p>
           <a:p>
-            <a:pPr algn="ctr" indent="0" marL="0">
+            <a:pPr marL="0" indent="0" algn="ctr">
               <a:buNone/>
             </a:pPr>
             <a:r>
@@ -8478,6 +8665,13 @@
             <a:prstDash val="solid"/>
           </a:ln>
         </p:spPr>
+        <p:txBody>
+          <a:bodyPr/>
+          <a:lstStyle/>
+          <a:p>
+            <a:endParaRPr lang="zh-TW" altLang="en-US"/>
+          </a:p>
+        </p:txBody>
       </p:sp>
       <p:sp>
         <p:nvSpPr>
@@ -8500,7 +8694,7 @@
           <a:bodyPr wrap="square" rtlCol="0" anchor="ctr"/>
           <a:lstStyle/>
           <a:p>
-            <a:pPr indent="0" marL="0">
+            <a:pPr marL="0" indent="0">
               <a:buNone/>
             </a:pPr>
             <a:r>
@@ -8539,7 +8733,7 @@
           <a:bodyPr wrap="square" rtlCol="0" anchor="ctr"/>
           <a:lstStyle/>
           <a:p>
-            <a:pPr indent="0" marL="0">
+            <a:pPr marL="0" indent="0">
               <a:buNone/>
             </a:pPr>
             <a:r>
@@ -8578,7 +8772,7 @@
           <a:bodyPr wrap="square" rtlCol="0" anchor="ctr"/>
           <a:lstStyle/>
           <a:p>
-            <a:pPr algn="r" indent="0" marL="0">
+            <a:pPr marL="0" indent="0" algn="r">
               <a:buNone/>
             </a:pPr>
             <a:r>
@@ -8617,7 +8811,7 @@
           <a:bodyPr wrap="square" rtlCol="0" anchor="ctr"/>
           <a:lstStyle/>
           <a:p>
-            <a:pPr indent="0" marL="0">
+            <a:pPr marL="0" indent="0">
               <a:buNone/>
             </a:pPr>
             <a:r>
@@ -8656,7 +8850,7 @@
           <a:bodyPr wrap="square" rtlCol="0" anchor="ctr"/>
           <a:lstStyle/>
           <a:p>
-            <a:pPr algn="r" indent="0" marL="0">
+            <a:pPr marL="0" indent="0" algn="r">
               <a:buNone/>
             </a:pPr>
             <a:r>
@@ -8695,7 +8889,7 @@
           <a:bodyPr wrap="square" rtlCol="0" anchor="ctr"/>
           <a:lstStyle/>
           <a:p>
-            <a:pPr indent="0" marL="0">
+            <a:pPr marL="0" indent="0">
               <a:buNone/>
             </a:pPr>
             <a:r>
@@ -8734,7 +8928,7 @@
           <a:bodyPr wrap="square" rtlCol="0" anchor="ctr"/>
           <a:lstStyle/>
           <a:p>
-            <a:pPr algn="r" indent="0" marL="0">
+            <a:pPr marL="0" indent="0" algn="r">
               <a:buNone/>
             </a:pPr>
             <a:r>
@@ -8773,7 +8967,7 @@
           <a:bodyPr wrap="square" rtlCol="0" anchor="ctr"/>
           <a:lstStyle/>
           <a:p>
-            <a:pPr indent="0" marL="0">
+            <a:pPr marL="0" indent="0">
               <a:buNone/>
             </a:pPr>
             <a:r>
@@ -8812,7 +9006,7 @@
           <a:bodyPr wrap="square" rtlCol="0" anchor="ctr"/>
           <a:lstStyle/>
           <a:p>
-            <a:pPr algn="r" indent="0" marL="0">
+            <a:pPr marL="0" indent="0" algn="r">
               <a:buNone/>
             </a:pPr>
             <a:r>
@@ -8849,6 +9043,13 @@
           </a:solidFill>
           <a:ln/>
         </p:spPr>
+        <p:txBody>
+          <a:bodyPr/>
+          <a:lstStyle/>
+          <a:p>
+            <a:endParaRPr lang="zh-TW" altLang="en-US"/>
+          </a:p>
+        </p:txBody>
       </p:sp>
       <p:sp>
         <p:nvSpPr>
@@ -8871,7 +9072,7 @@
           <a:bodyPr wrap="square" rtlCol="0" anchor="ctr"/>
           <a:lstStyle/>
           <a:p>
-            <a:pPr indent="0" marL="0">
+            <a:pPr marL="0" indent="0">
               <a:buNone/>
             </a:pPr>
             <a:r>
@@ -8910,7 +9111,7 @@
           <a:bodyPr wrap="square" rtlCol="0" anchor="ctr"/>
           <a:lstStyle/>
           <a:p>
-            <a:pPr algn="r" indent="0" marL="0">
+            <a:pPr marL="0" indent="0" algn="r">
               <a:buNone/>
             </a:pPr>
             <a:r>
@@ -8952,6 +9153,13 @@
             <a:prstDash val="solid"/>
           </a:ln>
         </p:spPr>
+        <p:txBody>
+          <a:bodyPr/>
+          <a:lstStyle/>
+          <a:p>
+            <a:endParaRPr lang="zh-TW" altLang="en-US"/>
+          </a:p>
+        </p:txBody>
       </p:sp>
       <p:sp>
         <p:nvSpPr>
@@ -8974,7 +9182,7 @@
           <a:bodyPr wrap="square" rtlCol="0" anchor="ctr"/>
           <a:lstStyle/>
           <a:p>
-            <a:pPr indent="0" marL="0">
+            <a:pPr marL="0" indent="0">
               <a:buNone/>
             </a:pPr>
             <a:r>
@@ -9013,7 +9221,7 @@
           <a:bodyPr wrap="square" rtlCol="0" anchor="ctr"/>
           <a:lstStyle/>
           <a:p>
-            <a:pPr indent="0" marL="0">
+            <a:pPr marL="0" indent="0">
               <a:buNone/>
             </a:pPr>
             <a:r>
@@ -9052,7 +9260,7 @@
           <a:bodyPr wrap="square" rtlCol="0" anchor="ctr"/>
           <a:lstStyle/>
           <a:p>
-            <a:pPr algn="r" indent="0" marL="0">
+            <a:pPr marL="0" indent="0" algn="r">
               <a:buNone/>
             </a:pPr>
             <a:r>
@@ -9091,7 +9299,7 @@
           <a:bodyPr wrap="square" rtlCol="0" anchor="ctr"/>
           <a:lstStyle/>
           <a:p>
-            <a:pPr indent="0" marL="0">
+            <a:pPr marL="0" indent="0">
               <a:buNone/>
             </a:pPr>
             <a:r>
@@ -9130,7 +9338,7 @@
           <a:bodyPr wrap="square" rtlCol="0" anchor="ctr"/>
           <a:lstStyle/>
           <a:p>
-            <a:pPr algn="r" indent="0" marL="0">
+            <a:pPr marL="0" indent="0" algn="r">
               <a:buNone/>
             </a:pPr>
             <a:r>
@@ -9169,7 +9377,7 @@
           <a:bodyPr wrap="square" rtlCol="0" anchor="ctr"/>
           <a:lstStyle/>
           <a:p>
-            <a:pPr indent="0" marL="0">
+            <a:pPr marL="0" indent="0">
               <a:buNone/>
             </a:pPr>
             <a:r>
@@ -9208,7 +9416,7 @@
           <a:bodyPr wrap="square" rtlCol="0" anchor="ctr"/>
           <a:lstStyle/>
           <a:p>
-            <a:pPr algn="r" indent="0" marL="0">
+            <a:pPr marL="0" indent="0" algn="r">
               <a:buNone/>
             </a:pPr>
             <a:r>
@@ -9245,6 +9453,13 @@
           </a:solidFill>
           <a:ln/>
         </p:spPr>
+        <p:txBody>
+          <a:bodyPr/>
+          <a:lstStyle/>
+          <a:p>
+            <a:endParaRPr lang="zh-TW" altLang="en-US"/>
+          </a:p>
+        </p:txBody>
       </p:sp>
       <p:sp>
         <p:nvSpPr>
@@ -9267,7 +9482,7 @@
           <a:bodyPr wrap="square" rtlCol="0" anchor="ctr"/>
           <a:lstStyle/>
           <a:p>
-            <a:pPr indent="0" marL="0">
+            <a:pPr marL="0" indent="0">
               <a:buNone/>
             </a:pPr>
             <a:r>
@@ -9306,7 +9521,7 @@
           <a:bodyPr wrap="square" rtlCol="0" anchor="ctr"/>
           <a:lstStyle/>
           <a:p>
-            <a:pPr algn="r" indent="0" marL="0">
+            <a:pPr marL="0" indent="0" algn="r">
               <a:buNone/>
             </a:pPr>
             <a:r>
@@ -9343,6 +9558,13 @@
           </a:solidFill>
           <a:ln/>
         </p:spPr>
+        <p:txBody>
+          <a:bodyPr/>
+          <a:lstStyle/>
+          <a:p>
+            <a:endParaRPr lang="zh-TW" altLang="en-US"/>
+          </a:p>
+        </p:txBody>
       </p:sp>
       <p:sp>
         <p:nvSpPr>
@@ -9365,7 +9587,7 @@
           <a:bodyPr wrap="square" rtlCol="0" anchor="ctr"/>
           <a:lstStyle/>
           <a:p>
-            <a:pPr algn="ctr" indent="0" marL="0">
+            <a:pPr marL="0" indent="0" algn="ctr">
               <a:buNone/>
             </a:pPr>
             <a:r>
@@ -9404,7 +9626,7 @@
           <a:bodyPr wrap="square" rtlCol="0" anchor="ctr"/>
           <a:lstStyle/>
           <a:p>
-            <a:pPr algn="ctr" indent="0" marL="0">
+            <a:pPr marL="0" indent="0" algn="ctr">
               <a:buNone/>
             </a:pPr>
             <a:r>
@@ -9443,7 +9665,7 @@
           <a:bodyPr wrap="square" rtlCol="0" anchor="ctr"/>
           <a:lstStyle/>
           <a:p>
-            <a:pPr algn="ctr" indent="0" marL="0">
+            <a:pPr marL="0" indent="0" algn="ctr">
               <a:buNone/>
             </a:pPr>
             <a:r>
@@ -9480,6 +9702,13 @@
           </a:solidFill>
           <a:ln/>
         </p:spPr>
+        <p:txBody>
+          <a:bodyPr/>
+          <a:lstStyle/>
+          <a:p>
+            <a:endParaRPr lang="zh-TW" altLang="en-US"/>
+          </a:p>
+        </p:txBody>
       </p:sp>
       <p:sp>
         <p:nvSpPr>
@@ -9502,7 +9731,7 @@
           <a:bodyPr wrap="square" rtlCol="0" anchor="ctr"/>
           <a:lstStyle/>
           <a:p>
-            <a:pPr algn="ctr" indent="0" marL="0">
+            <a:pPr marL="0" indent="0" algn="ctr">
               <a:buNone/>
             </a:pPr>
             <a:r>
@@ -9541,7 +9770,7 @@
           <a:bodyPr wrap="square" rtlCol="0" anchor="ctr"/>
           <a:lstStyle/>
           <a:p>
-            <a:pPr algn="ctr" indent="0" marL="0">
+            <a:pPr marL="0" indent="0" algn="ctr">
               <a:buNone/>
             </a:pPr>
             <a:r>
@@ -9580,7 +9809,7 @@
           <a:bodyPr wrap="square" rtlCol="0" anchor="ctr"/>
           <a:lstStyle/>
           <a:p>
-            <a:pPr algn="ctr" indent="0" marL="0">
+            <a:pPr marL="0" indent="0" algn="ctr">
               <a:buNone/>
             </a:pPr>
             <a:r>
@@ -9622,6 +9851,13 @@
             <a:prstDash val="solid"/>
           </a:ln>
         </p:spPr>
+        <p:txBody>
+          <a:bodyPr/>
+          <a:lstStyle/>
+          <a:p>
+            <a:endParaRPr lang="zh-TW" altLang="en-US"/>
+          </a:p>
+        </p:txBody>
       </p:sp>
       <p:sp>
         <p:nvSpPr>
@@ -9644,7 +9880,7 @@
           <a:bodyPr wrap="square" rtlCol="0" anchor="ctr"/>
           <a:lstStyle/>
           <a:p>
-            <a:pPr indent="0" marL="0">
+            <a:pPr marL="0" indent="0">
               <a:buNone/>
             </a:pPr>
             <a:r>
@@ -9683,7 +9919,7 @@
           <a:bodyPr wrap="square" rtlCol="0" anchor="ctr"/>
           <a:lstStyle/>
           <a:p>
-            <a:pPr indent="0" marL="0">
+            <a:pPr marL="0" indent="0">
               <a:buNone/>
             </a:pPr>
             <a:r>
@@ -9700,7 +9936,7 @@
             <a:endParaRPr lang="en-US" sz="1000" dirty="0"/>
           </a:p>
           <a:p>
-            <a:pPr indent="0" marL="0">
+            <a:pPr marL="0" indent="0">
               <a:buNone/>
             </a:pPr>
             <a:r>
@@ -9717,7 +9953,7 @@
             <a:endParaRPr lang="en-US" sz="1000" dirty="0"/>
           </a:p>
           <a:p>
-            <a:pPr indent="0" marL="0">
+            <a:pPr marL="0" indent="0">
               <a:buNone/>
             </a:pPr>
             <a:r>
@@ -9756,7 +9992,7 @@
           <a:bodyPr wrap="square" rtlCol="0" anchor="ctr"/>
           <a:lstStyle/>
           <a:p>
-            <a:pPr indent="0" marL="0">
+            <a:pPr marL="0" indent="0">
               <a:buNone/>
             </a:pPr>
             <a:r>
@@ -9795,7 +10031,7 @@
           <a:bodyPr wrap="square" rtlCol="0" anchor="ctr"/>
           <a:lstStyle/>
           <a:p>
-            <a:pPr algn="r" indent="0" marL="0">
+            <a:pPr marL="0" indent="0" algn="r">
               <a:buNone/>
             </a:pPr>
             <a:r>
@@ -9829,6 +10065,7 @@
         <a:solidFill>
           <a:srgbClr val="FFFFFF"/>
         </a:solidFill>
+        <a:effectLst/>
       </p:bgPr>
     </p:bg>
     <p:spTree>
@@ -9864,6 +10101,13 @@
           </a:solidFill>
           <a:ln/>
         </p:spPr>
+        <p:txBody>
+          <a:bodyPr/>
+          <a:lstStyle/>
+          <a:p>
+            <a:endParaRPr lang="zh-TW" altLang="en-US"/>
+          </a:p>
+        </p:txBody>
       </p:sp>
       <p:sp>
         <p:nvSpPr>
@@ -9886,7 +10130,7 @@
           <a:bodyPr wrap="square" rtlCol="0" anchor="ctr"/>
           <a:lstStyle/>
           <a:p>
-            <a:pPr algn="ctr" indent="0" marL="0">
+            <a:pPr marL="0" indent="0" algn="ctr">
               <a:buNone/>
             </a:pPr>
             <a:r>
@@ -9928,6 +10172,13 @@
             <a:prstDash val="solid"/>
           </a:ln>
         </p:spPr>
+        <p:txBody>
+          <a:bodyPr/>
+          <a:lstStyle/>
+          <a:p>
+            <a:endParaRPr lang="zh-TW" altLang="en-US"/>
+          </a:p>
+        </p:txBody>
       </p:sp>
       <p:sp>
         <p:nvSpPr>
@@ -9950,7 +10201,7 @@
           <a:bodyPr wrap="square" rtlCol="0" anchor="ctr"/>
           <a:lstStyle/>
           <a:p>
-            <a:pPr algn="ctr" indent="0" marL="0">
+            <a:pPr marL="0" indent="0" algn="ctr">
               <a:buNone/>
             </a:pPr>
             <a:r>
@@ -9987,6 +10238,13 @@
           </a:solidFill>
           <a:ln/>
         </p:spPr>
+        <p:txBody>
+          <a:bodyPr/>
+          <a:lstStyle/>
+          <a:p>
+            <a:endParaRPr lang="zh-TW" altLang="en-US"/>
+          </a:p>
+        </p:txBody>
       </p:sp>
       <p:sp>
         <p:nvSpPr>
@@ -10009,7 +10267,7 @@
           <a:bodyPr wrap="square" rtlCol="0" anchor="ctr"/>
           <a:lstStyle/>
           <a:p>
-            <a:pPr algn="ctr" indent="0" marL="0">
+            <a:pPr marL="0" indent="0" algn="ctr">
               <a:buNone/>
             </a:pPr>
             <a:r>
@@ -10048,7 +10306,7 @@
           <a:bodyPr wrap="square" rtlCol="0" anchor="ctr"/>
           <a:lstStyle/>
           <a:p>
-            <a:pPr algn="ctr" indent="0" marL="0">
+            <a:pPr marL="0" indent="0" algn="ctr">
               <a:buNone/>
             </a:pPr>
             <a:r>
@@ -10087,7 +10345,7 @@
           <a:bodyPr wrap="square" rtlCol="0" anchor="ctr"/>
           <a:lstStyle/>
           <a:p>
-            <a:pPr algn="ctr" indent="0" marL="0">
+            <a:pPr marL="0" indent="0" algn="ctr">
               <a:buNone/>
             </a:pPr>
             <a:r>
@@ -10113,7 +10371,7 @@
         </p:nvSpPr>
         <p:spPr>
           <a:xfrm>
-            <a:off x="457200" y="1508760"/>
+            <a:off x="457200" y="1714500"/>
             <a:ext cx="8229600" cy="320040"/>
           </a:xfrm>
           <a:prstGeom prst="rect">
@@ -10129,6 +10387,13 @@
             <a:prstDash val="solid"/>
           </a:ln>
         </p:spPr>
+        <p:txBody>
+          <a:bodyPr/>
+          <a:lstStyle/>
+          <a:p>
+            <a:endParaRPr lang="zh-TW" altLang="en-US"/>
+          </a:p>
+        </p:txBody>
       </p:sp>
       <p:sp>
         <p:nvSpPr>
@@ -10138,7 +10403,7 @@
         </p:nvSpPr>
         <p:spPr>
           <a:xfrm>
-            <a:off x="548640" y="1508760"/>
+            <a:off x="548640" y="1714500"/>
             <a:ext cx="2103120" cy="320040"/>
           </a:xfrm>
           <a:prstGeom prst="rect">
@@ -10151,7 +10416,7 @@
           <a:bodyPr wrap="square" rtlCol="0" anchor="ctr"/>
           <a:lstStyle/>
           <a:p>
-            <a:pPr indent="0" marL="0">
+            <a:pPr marL="0" indent="0">
               <a:buNone/>
             </a:pPr>
             <a:r>
@@ -10177,7 +10442,7 @@
         </p:nvSpPr>
         <p:spPr>
           <a:xfrm>
-            <a:off x="2834640" y="1508760"/>
+            <a:off x="2834640" y="1714500"/>
             <a:ext cx="2560320" cy="320040"/>
           </a:xfrm>
           <a:prstGeom prst="rect">
@@ -10190,7 +10455,7 @@
           <a:bodyPr wrap="square" rtlCol="0" anchor="ctr"/>
           <a:lstStyle/>
           <a:p>
-            <a:pPr algn="ctr" indent="0" marL="0">
+            <a:pPr marL="0" indent="0" algn="ctr">
               <a:buNone/>
             </a:pPr>
             <a:r>
@@ -10216,7 +10481,7 @@
         </p:nvSpPr>
         <p:spPr>
           <a:xfrm>
-            <a:off x="5577840" y="1508760"/>
+            <a:off x="5577840" y="1714500"/>
             <a:ext cx="3017520" cy="320040"/>
           </a:xfrm>
           <a:prstGeom prst="rect">
@@ -10229,7 +10494,7 @@
           <a:bodyPr wrap="square" rtlCol="0" anchor="ctr"/>
           <a:lstStyle/>
           <a:p>
-            <a:pPr algn="ctr" indent="0" marL="0">
+            <a:pPr marL="0" indent="0" algn="ctr">
               <a:buNone/>
             </a:pPr>
             <a:r>
@@ -10255,7 +10520,7 @@
         </p:nvSpPr>
         <p:spPr>
           <a:xfrm>
-            <a:off x="457200" y="1874520"/>
+            <a:off x="457200" y="2080260"/>
             <a:ext cx="8229600" cy="320040"/>
           </a:xfrm>
           <a:prstGeom prst="rect">
@@ -10271,6 +10536,13 @@
             <a:prstDash val="solid"/>
           </a:ln>
         </p:spPr>
+        <p:txBody>
+          <a:bodyPr/>
+          <a:lstStyle/>
+          <a:p>
+            <a:endParaRPr lang="zh-TW" altLang="en-US"/>
+          </a:p>
+        </p:txBody>
       </p:sp>
       <p:sp>
         <p:nvSpPr>
@@ -10280,7 +10552,7 @@
         </p:nvSpPr>
         <p:spPr>
           <a:xfrm>
-            <a:off x="548640" y="1874520"/>
+            <a:off x="548640" y="2080260"/>
             <a:ext cx="2103120" cy="320040"/>
           </a:xfrm>
           <a:prstGeom prst="rect">
@@ -10293,7 +10565,7 @@
           <a:bodyPr wrap="square" rtlCol="0" anchor="ctr"/>
           <a:lstStyle/>
           <a:p>
-            <a:pPr indent="0" marL="0">
+            <a:pPr marL="0" indent="0">
               <a:buNone/>
             </a:pPr>
             <a:r>
@@ -10319,7 +10591,7 @@
         </p:nvSpPr>
         <p:spPr>
           <a:xfrm>
-            <a:off x="2834640" y="1874520"/>
+            <a:off x="2834640" y="2080260"/>
             <a:ext cx="2560320" cy="320040"/>
           </a:xfrm>
           <a:prstGeom prst="rect">
@@ -10332,7 +10604,7 @@
           <a:bodyPr wrap="square" rtlCol="0" anchor="ctr"/>
           <a:lstStyle/>
           <a:p>
-            <a:pPr algn="ctr" indent="0" marL="0">
+            <a:pPr marL="0" indent="0" algn="ctr">
               <a:buNone/>
             </a:pPr>
             <a:r>
@@ -10358,7 +10630,7 @@
         </p:nvSpPr>
         <p:spPr>
           <a:xfrm>
-            <a:off x="5577840" y="1874520"/>
+            <a:off x="5577840" y="2080260"/>
             <a:ext cx="3017520" cy="320040"/>
           </a:xfrm>
           <a:prstGeom prst="rect">
@@ -10371,7 +10643,7 @@
           <a:bodyPr wrap="square" rtlCol="0" anchor="ctr"/>
           <a:lstStyle/>
           <a:p>
-            <a:pPr algn="ctr" indent="0" marL="0">
+            <a:pPr marL="0" indent="0" algn="ctr">
               <a:buNone/>
             </a:pPr>
             <a:r>
@@ -10397,7 +10669,7 @@
         </p:nvSpPr>
         <p:spPr>
           <a:xfrm>
-            <a:off x="457200" y="2240280"/>
+            <a:off x="457200" y="2446020"/>
             <a:ext cx="8229600" cy="320040"/>
           </a:xfrm>
           <a:prstGeom prst="rect">
@@ -10413,6 +10685,13 @@
             <a:prstDash val="solid"/>
           </a:ln>
         </p:spPr>
+        <p:txBody>
+          <a:bodyPr/>
+          <a:lstStyle/>
+          <a:p>
+            <a:endParaRPr lang="zh-TW" altLang="en-US"/>
+          </a:p>
+        </p:txBody>
       </p:sp>
       <p:sp>
         <p:nvSpPr>
@@ -10422,7 +10701,7 @@
         </p:nvSpPr>
         <p:spPr>
           <a:xfrm>
-            <a:off x="548640" y="2240280"/>
+            <a:off x="548640" y="2446020"/>
             <a:ext cx="2103120" cy="320040"/>
           </a:xfrm>
           <a:prstGeom prst="rect">
@@ -10435,7 +10714,7 @@
           <a:bodyPr wrap="square" rtlCol="0" anchor="ctr"/>
           <a:lstStyle/>
           <a:p>
-            <a:pPr indent="0" marL="0">
+            <a:pPr marL="0" indent="0">
               <a:buNone/>
             </a:pPr>
             <a:r>
@@ -10461,7 +10740,7 @@
         </p:nvSpPr>
         <p:spPr>
           <a:xfrm>
-            <a:off x="2834640" y="2240280"/>
+            <a:off x="2834640" y="2446020"/>
             <a:ext cx="2560320" cy="320040"/>
           </a:xfrm>
           <a:prstGeom prst="rect">
@@ -10474,7 +10753,7 @@
           <a:bodyPr wrap="square" rtlCol="0" anchor="ctr"/>
           <a:lstStyle/>
           <a:p>
-            <a:pPr algn="ctr" indent="0" marL="0">
+            <a:pPr marL="0" indent="0" algn="ctr">
               <a:buNone/>
             </a:pPr>
             <a:r>
@@ -10500,7 +10779,7 @@
         </p:nvSpPr>
         <p:spPr>
           <a:xfrm>
-            <a:off x="5577840" y="2240280"/>
+            <a:off x="5577840" y="2446020"/>
             <a:ext cx="3017520" cy="320040"/>
           </a:xfrm>
           <a:prstGeom prst="rect">
@@ -10513,7 +10792,7 @@
           <a:bodyPr wrap="square" rtlCol="0" anchor="ctr"/>
           <a:lstStyle/>
           <a:p>
-            <a:pPr algn="ctr" indent="0" marL="0">
+            <a:pPr marL="0" indent="0" algn="ctr">
               <a:buNone/>
             </a:pPr>
             <a:r>
@@ -10539,7 +10818,7 @@
         </p:nvSpPr>
         <p:spPr>
           <a:xfrm>
-            <a:off x="457200" y="2606040"/>
+            <a:off x="457200" y="2811780"/>
             <a:ext cx="8229600" cy="320040"/>
           </a:xfrm>
           <a:prstGeom prst="rect">
@@ -10555,6 +10834,13 @@
             <a:prstDash val="solid"/>
           </a:ln>
         </p:spPr>
+        <p:txBody>
+          <a:bodyPr/>
+          <a:lstStyle/>
+          <a:p>
+            <a:endParaRPr lang="zh-TW" altLang="en-US"/>
+          </a:p>
+        </p:txBody>
       </p:sp>
       <p:sp>
         <p:nvSpPr>
@@ -10564,7 +10850,7 @@
         </p:nvSpPr>
         <p:spPr>
           <a:xfrm>
-            <a:off x="548640" y="2606040"/>
+            <a:off x="548640" y="2811780"/>
             <a:ext cx="2103120" cy="320040"/>
           </a:xfrm>
           <a:prstGeom prst="rect">
@@ -10577,7 +10863,7 @@
           <a:bodyPr wrap="square" rtlCol="0" anchor="ctr"/>
           <a:lstStyle/>
           <a:p>
-            <a:pPr indent="0" marL="0">
+            <a:pPr marL="0" indent="0">
               <a:buNone/>
             </a:pPr>
             <a:r>
@@ -10603,7 +10889,7 @@
         </p:nvSpPr>
         <p:spPr>
           <a:xfrm>
-            <a:off x="2834640" y="2606040"/>
+            <a:off x="2834640" y="2811780"/>
             <a:ext cx="2560320" cy="320040"/>
           </a:xfrm>
           <a:prstGeom prst="rect">
@@ -10616,7 +10902,7 @@
           <a:bodyPr wrap="square" rtlCol="0" anchor="ctr"/>
           <a:lstStyle/>
           <a:p>
-            <a:pPr algn="ctr" indent="0" marL="0">
+            <a:pPr marL="0" indent="0" algn="ctr">
               <a:buNone/>
             </a:pPr>
             <a:r>
@@ -10642,7 +10928,7 @@
         </p:nvSpPr>
         <p:spPr>
           <a:xfrm>
-            <a:off x="5577840" y="2606040"/>
+            <a:off x="5577840" y="2811780"/>
             <a:ext cx="3017520" cy="320040"/>
           </a:xfrm>
           <a:prstGeom prst="rect">
@@ -10655,7 +10941,7 @@
           <a:bodyPr wrap="square" rtlCol="0" anchor="ctr"/>
           <a:lstStyle/>
           <a:p>
-            <a:pPr algn="ctr" indent="0" marL="0">
+            <a:pPr marL="0" indent="0" algn="ctr">
               <a:buNone/>
             </a:pPr>
             <a:r>
@@ -10681,7 +10967,7 @@
         </p:nvSpPr>
         <p:spPr>
           <a:xfrm>
-            <a:off x="457200" y="2971800"/>
+            <a:off x="457200" y="3177540"/>
             <a:ext cx="8229600" cy="320040"/>
           </a:xfrm>
           <a:prstGeom prst="rect">
@@ -10697,6 +10983,13 @@
             <a:prstDash val="solid"/>
           </a:ln>
         </p:spPr>
+        <p:txBody>
+          <a:bodyPr/>
+          <a:lstStyle/>
+          <a:p>
+            <a:endParaRPr lang="zh-TW" altLang="en-US"/>
+          </a:p>
+        </p:txBody>
       </p:sp>
       <p:sp>
         <p:nvSpPr>
@@ -10706,7 +10999,7 @@
         </p:nvSpPr>
         <p:spPr>
           <a:xfrm>
-            <a:off x="548640" y="2971800"/>
+            <a:off x="548640" y="3177540"/>
             <a:ext cx="2103120" cy="320040"/>
           </a:xfrm>
           <a:prstGeom prst="rect">
@@ -10719,7 +11012,7 @@
           <a:bodyPr wrap="square" rtlCol="0" anchor="ctr"/>
           <a:lstStyle/>
           <a:p>
-            <a:pPr indent="0" marL="0">
+            <a:pPr marL="0" indent="0">
               <a:buNone/>
             </a:pPr>
             <a:r>
@@ -10745,7 +11038,7 @@
         </p:nvSpPr>
         <p:spPr>
           <a:xfrm>
-            <a:off x="2834640" y="2971800"/>
+            <a:off x="2834640" y="3177540"/>
             <a:ext cx="2560320" cy="320040"/>
           </a:xfrm>
           <a:prstGeom prst="rect">
@@ -10758,7 +11051,7 @@
           <a:bodyPr wrap="square" rtlCol="0" anchor="ctr"/>
           <a:lstStyle/>
           <a:p>
-            <a:pPr algn="ctr" indent="0" marL="0">
+            <a:pPr marL="0" indent="0" algn="ctr">
               <a:buNone/>
             </a:pPr>
             <a:r>
@@ -10784,7 +11077,7 @@
         </p:nvSpPr>
         <p:spPr>
           <a:xfrm>
-            <a:off x="5577840" y="2971800"/>
+            <a:off x="5577840" y="3177540"/>
             <a:ext cx="3017520" cy="320040"/>
           </a:xfrm>
           <a:prstGeom prst="rect">
@@ -10797,7 +11090,7 @@
           <a:bodyPr wrap="square" rtlCol="0" anchor="ctr"/>
           <a:lstStyle/>
           <a:p>
-            <a:pPr algn="ctr" indent="0" marL="0">
+            <a:pPr marL="0" indent="0" algn="ctr">
               <a:buNone/>
             </a:pPr>
             <a:r>
@@ -10823,7 +11116,7 @@
         </p:nvSpPr>
         <p:spPr>
           <a:xfrm>
-            <a:off x="457200" y="3337560"/>
+            <a:off x="457200" y="3543300"/>
             <a:ext cx="8229600" cy="320040"/>
           </a:xfrm>
           <a:prstGeom prst="rect">
@@ -10839,6 +11132,13 @@
             <a:prstDash val="solid"/>
           </a:ln>
         </p:spPr>
+        <p:txBody>
+          <a:bodyPr/>
+          <a:lstStyle/>
+          <a:p>
+            <a:endParaRPr lang="zh-TW" altLang="en-US"/>
+          </a:p>
+        </p:txBody>
       </p:sp>
       <p:sp>
         <p:nvSpPr>
@@ -10848,7 +11148,7 @@
         </p:nvSpPr>
         <p:spPr>
           <a:xfrm>
-            <a:off x="548640" y="3337560"/>
+            <a:off x="548640" y="3543300"/>
             <a:ext cx="2103120" cy="320040"/>
           </a:xfrm>
           <a:prstGeom prst="rect">
@@ -10861,7 +11161,7 @@
           <a:bodyPr wrap="square" rtlCol="0" anchor="ctr"/>
           <a:lstStyle/>
           <a:p>
-            <a:pPr indent="0" marL="0">
+            <a:pPr marL="0" indent="0">
               <a:buNone/>
             </a:pPr>
             <a:r>
@@ -10887,7 +11187,7 @@
         </p:nvSpPr>
         <p:spPr>
           <a:xfrm>
-            <a:off x="2834640" y="3337560"/>
+            <a:off x="2834640" y="3543300"/>
             <a:ext cx="2560320" cy="320040"/>
           </a:xfrm>
           <a:prstGeom prst="rect">
@@ -10900,7 +11200,7 @@
           <a:bodyPr wrap="square" rtlCol="0" anchor="ctr"/>
           <a:lstStyle/>
           <a:p>
-            <a:pPr algn="ctr" indent="0" marL="0">
+            <a:pPr marL="0" indent="0" algn="ctr">
               <a:buNone/>
             </a:pPr>
             <a:r>
@@ -10926,7 +11226,7 @@
         </p:nvSpPr>
         <p:spPr>
           <a:xfrm>
-            <a:off x="5577840" y="3337560"/>
+            <a:off x="5577840" y="3543300"/>
             <a:ext cx="3017520" cy="320040"/>
           </a:xfrm>
           <a:prstGeom prst="rect">
@@ -10939,7 +11239,7 @@
           <a:bodyPr wrap="square" rtlCol="0" anchor="ctr"/>
           <a:lstStyle/>
           <a:p>
-            <a:pPr algn="ctr" indent="0" marL="0">
+            <a:pPr marL="0" indent="0" algn="ctr">
               <a:buNone/>
             </a:pPr>
             <a:r>
@@ -10965,7 +11265,7 @@
         </p:nvSpPr>
         <p:spPr>
           <a:xfrm>
-            <a:off x="457200" y="3703320"/>
+            <a:off x="457200" y="3909060"/>
             <a:ext cx="8229600" cy="320040"/>
           </a:xfrm>
           <a:prstGeom prst="rect">
@@ -10981,6 +11281,13 @@
             <a:prstDash val="solid"/>
           </a:ln>
         </p:spPr>
+        <p:txBody>
+          <a:bodyPr/>
+          <a:lstStyle/>
+          <a:p>
+            <a:endParaRPr lang="zh-TW" altLang="en-US"/>
+          </a:p>
+        </p:txBody>
       </p:sp>
       <p:sp>
         <p:nvSpPr>
@@ -10990,7 +11297,7 @@
         </p:nvSpPr>
         <p:spPr>
           <a:xfrm>
-            <a:off x="548640" y="3703320"/>
+            <a:off x="548640" y="3909060"/>
             <a:ext cx="2103120" cy="320040"/>
           </a:xfrm>
           <a:prstGeom prst="rect">
@@ -11003,7 +11310,7 @@
           <a:bodyPr wrap="square" rtlCol="0" anchor="ctr"/>
           <a:lstStyle/>
           <a:p>
-            <a:pPr indent="0" marL="0">
+            <a:pPr marL="0" indent="0">
               <a:buNone/>
             </a:pPr>
             <a:r>
@@ -11029,7 +11336,7 @@
         </p:nvSpPr>
         <p:spPr>
           <a:xfrm>
-            <a:off x="2834640" y="3703320"/>
+            <a:off x="2834640" y="3909060"/>
             <a:ext cx="2560320" cy="320040"/>
           </a:xfrm>
           <a:prstGeom prst="rect">
@@ -11042,7 +11349,7 @@
           <a:bodyPr wrap="square" rtlCol="0" anchor="ctr"/>
           <a:lstStyle/>
           <a:p>
-            <a:pPr algn="ctr" indent="0" marL="0">
+            <a:pPr marL="0" indent="0" algn="ctr">
               <a:buNone/>
             </a:pPr>
             <a:r>
@@ -11059,7 +11366,7 @@
             <a:endParaRPr lang="en-US" sz="900" dirty="0"/>
           </a:p>
           <a:p>
-            <a:pPr algn="ctr" indent="0" marL="0">
+            <a:pPr marL="0" indent="0" algn="ctr">
               <a:buNone/>
             </a:pPr>
             <a:r>
@@ -11085,7 +11392,7 @@
         </p:nvSpPr>
         <p:spPr>
           <a:xfrm>
-            <a:off x="5577840" y="3703320"/>
+            <a:off x="5577840" y="3909060"/>
             <a:ext cx="3017520" cy="320040"/>
           </a:xfrm>
           <a:prstGeom prst="rect">
@@ -11098,7 +11405,7 @@
           <a:bodyPr wrap="square" rtlCol="0" anchor="ctr"/>
           <a:lstStyle/>
           <a:p>
-            <a:pPr algn="ctr" indent="0" marL="0">
+            <a:pPr marL="0" indent="0" algn="ctr">
               <a:buNone/>
             </a:pPr>
             <a:r>
@@ -11115,7 +11422,7 @@
             <a:endParaRPr lang="en-US" sz="900" dirty="0"/>
           </a:p>
           <a:p>
-            <a:pPr algn="ctr" indent="0" marL="0">
+            <a:pPr marL="0" indent="0" algn="ctr">
               <a:buNone/>
             </a:pPr>
             <a:r>
@@ -11154,7 +11461,7 @@
           <a:bodyPr wrap="square" rtlCol="0" anchor="ctr"/>
           <a:lstStyle/>
           <a:p>
-            <a:pPr indent="0" marL="0">
+            <a:pPr marL="0" indent="0">
               <a:buNone/>
             </a:pPr>
             <a:r>
@@ -11193,7 +11500,7 @@
           <a:bodyPr wrap="square" rtlCol="0" anchor="ctr"/>
           <a:lstStyle/>
           <a:p>
-            <a:pPr algn="r" indent="0" marL="0">
+            <a:pPr marL="0" indent="0" algn="r">
               <a:buNone/>
             </a:pPr>
             <a:r>
@@ -11227,6 +11534,7 @@
         <a:solidFill>
           <a:srgbClr val="FFFFFF"/>
         </a:solidFill>
+        <a:effectLst/>
       </p:bgPr>
     </p:bg>
     <p:spTree>
@@ -11262,6 +11570,13 @@
           </a:solidFill>
           <a:ln/>
         </p:spPr>
+        <p:txBody>
+          <a:bodyPr/>
+          <a:lstStyle/>
+          <a:p>
+            <a:endParaRPr lang="zh-TW" altLang="en-US"/>
+          </a:p>
+        </p:txBody>
       </p:sp>
       <p:sp>
         <p:nvSpPr>
@@ -11284,7 +11599,7 @@
           <a:bodyPr wrap="square" rtlCol="0" anchor="ctr"/>
           <a:lstStyle/>
           <a:p>
-            <a:pPr algn="ctr" indent="0" marL="0">
+            <a:pPr marL="0" indent="0" algn="ctr">
               <a:buNone/>
             </a:pPr>
             <a:r>
@@ -11326,6 +11641,13 @@
             <a:prstDash val="solid"/>
           </a:ln>
         </p:spPr>
+        <p:txBody>
+          <a:bodyPr/>
+          <a:lstStyle/>
+          <a:p>
+            <a:endParaRPr lang="zh-TW" altLang="en-US"/>
+          </a:p>
+        </p:txBody>
       </p:sp>
       <p:sp>
         <p:nvSpPr>
@@ -11348,7 +11670,7 @@
           <a:bodyPr wrap="square" rtlCol="0" anchor="ctr"/>
           <a:lstStyle/>
           <a:p>
-            <a:pPr indent="0" marL="0">
+            <a:pPr marL="0" indent="0">
               <a:buNone/>
             </a:pPr>
             <a:r>
@@ -11387,7 +11709,7 @@
           <a:bodyPr wrap="square" rtlCol="0" anchor="ctr"/>
           <a:lstStyle/>
           <a:p>
-            <a:pPr indent="0" marL="0">
+            <a:pPr marL="0" indent="0">
               <a:buNone/>
             </a:pPr>
             <a:r>
@@ -11426,7 +11748,7 @@
           <a:bodyPr wrap="square" rtlCol="0" anchor="ctr"/>
           <a:lstStyle/>
           <a:p>
-            <a:pPr indent="0" marL="0">
+            <a:pPr marL="0" indent="0">
               <a:buNone/>
             </a:pPr>
             <a:r>
@@ -11443,7 +11765,7 @@
             <a:endParaRPr lang="en-US" sz="800" dirty="0"/>
           </a:p>
           <a:p>
-            <a:pPr indent="0" marL="0">
+            <a:pPr marL="0" indent="0">
               <a:buNone/>
             </a:pPr>
             <a:r>
@@ -11460,7 +11782,7 @@
             <a:endParaRPr lang="en-US" sz="800" dirty="0"/>
           </a:p>
           <a:p>
-            <a:pPr indent="0" marL="0">
+            <a:pPr marL="0" indent="0">
               <a:buNone/>
             </a:pPr>
             <a:r>
@@ -11499,7 +11821,7 @@
           <a:bodyPr wrap="square" rtlCol="0" anchor="ctr"/>
           <a:lstStyle/>
           <a:p>
-            <a:pPr indent="0" marL="0">
+            <a:pPr marL="0" indent="0">
               <a:buNone/>
             </a:pPr>
             <a:r>
@@ -11541,6 +11863,13 @@
             <a:prstDash val="solid"/>
           </a:ln>
         </p:spPr>
+        <p:txBody>
+          <a:bodyPr/>
+          <a:lstStyle/>
+          <a:p>
+            <a:endParaRPr lang="zh-TW" altLang="en-US"/>
+          </a:p>
+        </p:txBody>
       </p:sp>
       <p:sp>
         <p:nvSpPr>
@@ -11563,7 +11892,7 @@
           <a:bodyPr wrap="square" rtlCol="0" anchor="ctr"/>
           <a:lstStyle/>
           <a:p>
-            <a:pPr indent="0" marL="0">
+            <a:pPr marL="0" indent="0">
               <a:buNone/>
             </a:pPr>
             <a:r>
@@ -11602,7 +11931,7 @@
           <a:bodyPr wrap="square" rtlCol="0" anchor="ctr"/>
           <a:lstStyle/>
           <a:p>
-            <a:pPr indent="0" marL="0">
+            <a:pPr marL="0" indent="0">
               <a:buNone/>
             </a:pPr>
             <a:r>
@@ -11641,7 +11970,7 @@
           <a:bodyPr wrap="square" rtlCol="0" anchor="ctr"/>
           <a:lstStyle/>
           <a:p>
-            <a:pPr indent="0" marL="0">
+            <a:pPr marL="0" indent="0">
               <a:buNone/>
             </a:pPr>
             <a:r>
@@ -11658,7 +11987,7 @@
             <a:endParaRPr lang="en-US" sz="800" dirty="0"/>
           </a:p>
           <a:p>
-            <a:pPr indent="0" marL="0">
+            <a:pPr marL="0" indent="0">
               <a:buNone/>
             </a:pPr>
             <a:r>
@@ -11675,7 +12004,7 @@
             <a:endParaRPr lang="en-US" sz="800" dirty="0"/>
           </a:p>
           <a:p>
-            <a:pPr indent="0" marL="0">
+            <a:pPr marL="0" indent="0">
               <a:buNone/>
             </a:pPr>
             <a:r>
@@ -11714,7 +12043,7 @@
           <a:bodyPr wrap="square" rtlCol="0" anchor="ctr"/>
           <a:lstStyle/>
           <a:p>
-            <a:pPr indent="0" marL="0">
+            <a:pPr marL="0" indent="0">
               <a:buNone/>
             </a:pPr>
             <a:r>
@@ -11756,6 +12085,13 @@
             <a:prstDash val="solid"/>
           </a:ln>
         </p:spPr>
+        <p:txBody>
+          <a:bodyPr/>
+          <a:lstStyle/>
+          <a:p>
+            <a:endParaRPr lang="zh-TW" altLang="en-US"/>
+          </a:p>
+        </p:txBody>
       </p:sp>
       <p:sp>
         <p:nvSpPr>
@@ -11778,7 +12114,7 @@
           <a:bodyPr wrap="square" rtlCol="0" anchor="ctr"/>
           <a:lstStyle/>
           <a:p>
-            <a:pPr indent="0" marL="0">
+            <a:pPr marL="0" indent="0">
               <a:buNone/>
             </a:pPr>
             <a:r>
@@ -11817,7 +12153,7 @@
           <a:bodyPr wrap="square" rtlCol="0" anchor="ctr"/>
           <a:lstStyle/>
           <a:p>
-            <a:pPr indent="0" marL="0">
+            <a:pPr marL="0" indent="0">
               <a:buNone/>
             </a:pPr>
             <a:r>
@@ -11856,7 +12192,7 @@
           <a:bodyPr wrap="square" rtlCol="0" anchor="ctr"/>
           <a:lstStyle/>
           <a:p>
-            <a:pPr indent="0" marL="0">
+            <a:pPr marL="0" indent="0">
               <a:buNone/>
             </a:pPr>
             <a:r>
@@ -11873,7 +12209,7 @@
             <a:endParaRPr lang="en-US" sz="800" dirty="0"/>
           </a:p>
           <a:p>
-            <a:pPr indent="0" marL="0">
+            <a:pPr marL="0" indent="0">
               <a:buNone/>
             </a:pPr>
             <a:r>
@@ -11890,7 +12226,7 @@
             <a:endParaRPr lang="en-US" sz="800" dirty="0"/>
           </a:p>
           <a:p>
-            <a:pPr indent="0" marL="0">
+            <a:pPr marL="0" indent="0">
               <a:buNone/>
             </a:pPr>
             <a:r>
@@ -11929,7 +12265,7 @@
           <a:bodyPr wrap="square" rtlCol="0" anchor="ctr"/>
           <a:lstStyle/>
           <a:p>
-            <a:pPr indent="0" marL="0">
+            <a:pPr marL="0" indent="0">
               <a:buNone/>
             </a:pPr>
             <a:r>
@@ -11971,6 +12307,13 @@
             <a:prstDash val="solid"/>
           </a:ln>
         </p:spPr>
+        <p:txBody>
+          <a:bodyPr/>
+          <a:lstStyle/>
+          <a:p>
+            <a:endParaRPr lang="zh-TW" altLang="en-US"/>
+          </a:p>
+        </p:txBody>
       </p:sp>
       <p:sp>
         <p:nvSpPr>
@@ -11993,7 +12336,7 @@
           <a:bodyPr wrap="square" rtlCol="0" anchor="ctr"/>
           <a:lstStyle/>
           <a:p>
-            <a:pPr indent="0" marL="0">
+            <a:pPr marL="0" indent="0">
               <a:buNone/>
             </a:pPr>
             <a:r>
@@ -12032,7 +12375,7 @@
           <a:bodyPr wrap="square" rtlCol="0" anchor="ctr"/>
           <a:lstStyle/>
           <a:p>
-            <a:pPr indent="0" marL="0">
+            <a:pPr marL="0" indent="0">
               <a:buNone/>
             </a:pPr>
             <a:r>
@@ -12071,7 +12414,7 @@
           <a:bodyPr wrap="square" rtlCol="0" anchor="ctr"/>
           <a:lstStyle/>
           <a:p>
-            <a:pPr indent="0" marL="0">
+            <a:pPr marL="0" indent="0">
               <a:buNone/>
             </a:pPr>
             <a:r>
@@ -12088,7 +12431,7 @@
             <a:endParaRPr lang="en-US" sz="800" dirty="0"/>
           </a:p>
           <a:p>
-            <a:pPr indent="0" marL="0">
+            <a:pPr marL="0" indent="0">
               <a:buNone/>
             </a:pPr>
             <a:r>
@@ -12125,6 +12468,13 @@
           </a:solidFill>
           <a:ln/>
         </p:spPr>
+        <p:txBody>
+          <a:bodyPr/>
+          <a:lstStyle/>
+          <a:p>
+            <a:endParaRPr lang="zh-TW" altLang="en-US"/>
+          </a:p>
+        </p:txBody>
       </p:sp>
       <p:sp>
         <p:nvSpPr>
@@ -12147,7 +12497,7 @@
           <a:bodyPr wrap="square" rtlCol="0" anchor="ctr"/>
           <a:lstStyle/>
           <a:p>
-            <a:pPr algn="ctr" indent="0" marL="0">
+            <a:pPr marL="0" indent="0" algn="ctr">
               <a:buNone/>
             </a:pPr>
             <a:r>
@@ -12186,6 +12536,13 @@
           </a:solidFill>
           <a:ln/>
         </p:spPr>
+        <p:txBody>
+          <a:bodyPr/>
+          <a:lstStyle/>
+          <a:p>
+            <a:endParaRPr lang="zh-TW" altLang="en-US"/>
+          </a:p>
+        </p:txBody>
       </p:sp>
       <p:sp>
         <p:nvSpPr>
@@ -12208,7 +12565,7 @@
           <a:bodyPr wrap="square" rtlCol="0" anchor="ctr"/>
           <a:lstStyle/>
           <a:p>
-            <a:pPr indent="0" marL="0">
+            <a:pPr marL="0" indent="0">
               <a:buNone/>
             </a:pPr>
             <a:r>
@@ -12247,7 +12604,7 @@
           <a:bodyPr wrap="square" rtlCol="0" anchor="ctr"/>
           <a:lstStyle/>
           <a:p>
-            <a:pPr indent="0" marL="0">
+            <a:pPr marL="0" indent="0">
               <a:buNone/>
             </a:pPr>
             <a:r>
@@ -12286,6 +12643,13 @@
           </a:solidFill>
           <a:ln/>
         </p:spPr>
+        <p:txBody>
+          <a:bodyPr/>
+          <a:lstStyle/>
+          <a:p>
+            <a:endParaRPr lang="zh-TW" altLang="en-US"/>
+          </a:p>
+        </p:txBody>
       </p:sp>
       <p:sp>
         <p:nvSpPr>
@@ -12308,7 +12672,7 @@
           <a:bodyPr wrap="square" rtlCol="0" anchor="ctr"/>
           <a:lstStyle/>
           <a:p>
-            <a:pPr indent="0" marL="0">
+            <a:pPr marL="0" indent="0">
               <a:buNone/>
             </a:pPr>
             <a:r>
@@ -12347,7 +12711,7 @@
           <a:bodyPr wrap="square" rtlCol="0" anchor="ctr"/>
           <a:lstStyle/>
           <a:p>
-            <a:pPr indent="0" marL="0">
+            <a:pPr marL="0" indent="0">
               <a:buNone/>
             </a:pPr>
             <a:r>
@@ -12386,6 +12750,13 @@
           </a:solidFill>
           <a:ln/>
         </p:spPr>
+        <p:txBody>
+          <a:bodyPr/>
+          <a:lstStyle/>
+          <a:p>
+            <a:endParaRPr lang="zh-TW" altLang="en-US"/>
+          </a:p>
+        </p:txBody>
       </p:sp>
       <p:sp>
         <p:nvSpPr>
@@ -12408,7 +12779,7 @@
           <a:bodyPr wrap="square" rtlCol="0" anchor="ctr"/>
           <a:lstStyle/>
           <a:p>
-            <a:pPr indent="0" marL="0">
+            <a:pPr marL="0" indent="0">
               <a:buNone/>
             </a:pPr>
             <a:r>
@@ -12447,7 +12818,7 @@
           <a:bodyPr wrap="square" rtlCol="0" anchor="ctr"/>
           <a:lstStyle/>
           <a:p>
-            <a:pPr indent="0" marL="0">
+            <a:pPr marL="0" indent="0">
               <a:buNone/>
             </a:pPr>
             <a:r>
@@ -12486,6 +12857,13 @@
           </a:solidFill>
           <a:ln/>
         </p:spPr>
+        <p:txBody>
+          <a:bodyPr/>
+          <a:lstStyle/>
+          <a:p>
+            <a:endParaRPr lang="zh-TW" altLang="en-US"/>
+          </a:p>
+        </p:txBody>
       </p:sp>
       <p:sp>
         <p:nvSpPr>
@@ -12508,7 +12886,7 @@
           <a:bodyPr wrap="square" rtlCol="0" anchor="ctr"/>
           <a:lstStyle/>
           <a:p>
-            <a:pPr indent="0" marL="0">
+            <a:pPr marL="0" indent="0">
               <a:buNone/>
             </a:pPr>
             <a:r>
@@ -12547,7 +12925,7 @@
           <a:bodyPr wrap="square" rtlCol="0" anchor="ctr"/>
           <a:lstStyle/>
           <a:p>
-            <a:pPr indent="0" marL="0">
+            <a:pPr marL="0" indent="0">
               <a:buNone/>
             </a:pPr>
             <a:r>
@@ -12586,6 +12964,13 @@
           </a:solidFill>
           <a:ln/>
         </p:spPr>
+        <p:txBody>
+          <a:bodyPr/>
+          <a:lstStyle/>
+          <a:p>
+            <a:endParaRPr lang="zh-TW" altLang="en-US"/>
+          </a:p>
+        </p:txBody>
       </p:sp>
       <p:sp>
         <p:nvSpPr>
@@ -12608,7 +12993,7 @@
           <a:bodyPr wrap="square" rtlCol="0" anchor="ctr"/>
           <a:lstStyle/>
           <a:p>
-            <a:pPr indent="0" marL="0">
+            <a:pPr marL="0" indent="0">
               <a:buNone/>
             </a:pPr>
             <a:r>
@@ -12647,7 +13032,7 @@
           <a:bodyPr wrap="square" rtlCol="0" anchor="ctr"/>
           <a:lstStyle/>
           <a:p>
-            <a:pPr indent="0" marL="0">
+            <a:pPr marL="0" indent="0">
               <a:buNone/>
             </a:pPr>
             <a:r>
@@ -12686,6 +13071,13 @@
           </a:solidFill>
           <a:ln/>
         </p:spPr>
+        <p:txBody>
+          <a:bodyPr/>
+          <a:lstStyle/>
+          <a:p>
+            <a:endParaRPr lang="zh-TW" altLang="en-US"/>
+          </a:p>
+        </p:txBody>
       </p:sp>
       <p:sp>
         <p:nvSpPr>
@@ -12708,7 +13100,7 @@
           <a:bodyPr wrap="square" rtlCol="0" anchor="ctr"/>
           <a:lstStyle/>
           <a:p>
-            <a:pPr indent="0" marL="0">
+            <a:pPr marL="0" indent="0">
               <a:buNone/>
             </a:pPr>
             <a:r>
@@ -12747,7 +13139,7 @@
           <a:bodyPr wrap="square" rtlCol="0" anchor="ctr"/>
           <a:lstStyle/>
           <a:p>
-            <a:pPr indent="0" marL="0">
+            <a:pPr marL="0" indent="0">
               <a:buNone/>
             </a:pPr>
             <a:r>
@@ -12786,6 +13178,13 @@
           </a:solidFill>
           <a:ln/>
         </p:spPr>
+        <p:txBody>
+          <a:bodyPr/>
+          <a:lstStyle/>
+          <a:p>
+            <a:endParaRPr lang="zh-TW" altLang="en-US"/>
+          </a:p>
+        </p:txBody>
       </p:sp>
       <p:sp>
         <p:nvSpPr>
@@ -12808,7 +13207,7 @@
           <a:bodyPr wrap="square" rtlCol="0" anchor="ctr"/>
           <a:lstStyle/>
           <a:p>
-            <a:pPr indent="0" marL="0">
+            <a:pPr marL="0" indent="0">
               <a:buNone/>
             </a:pPr>
             <a:r>
@@ -12847,7 +13246,7 @@
           <a:bodyPr wrap="square" rtlCol="0" anchor="ctr"/>
           <a:lstStyle/>
           <a:p>
-            <a:pPr indent="0" marL="0">
+            <a:pPr marL="0" indent="0">
               <a:buNone/>
             </a:pPr>
             <a:r>
@@ -12889,6 +13288,13 @@
             <a:prstDash val="solid"/>
           </a:ln>
         </p:spPr>
+        <p:txBody>
+          <a:bodyPr/>
+          <a:lstStyle/>
+          <a:p>
+            <a:endParaRPr lang="zh-TW" altLang="en-US"/>
+          </a:p>
+        </p:txBody>
       </p:sp>
       <p:sp>
         <p:nvSpPr>
@@ -12911,7 +13317,7 @@
           <a:bodyPr wrap="square" rtlCol="0" anchor="ctr"/>
           <a:lstStyle/>
           <a:p>
-            <a:pPr indent="0" marL="0">
+            <a:pPr marL="0" indent="0">
               <a:buNone/>
             </a:pPr>
             <a:r>
@@ -12950,7 +13356,7 @@
           <a:bodyPr wrap="square" rtlCol="0" anchor="ctr"/>
           <a:lstStyle/>
           <a:p>
-            <a:pPr indent="0" marL="0">
+            <a:pPr marL="0" indent="0">
               <a:buNone/>
             </a:pPr>
             <a:r>
@@ -12967,7 +13373,7 @@
             <a:endParaRPr lang="en-US" sz="900" dirty="0"/>
           </a:p>
           <a:p>
-            <a:pPr indent="0" marL="0">
+            <a:pPr marL="0" indent="0">
               <a:buNone/>
             </a:pPr>
             <a:r>
@@ -12984,7 +13390,7 @@
             <a:endParaRPr lang="en-US" sz="900" dirty="0"/>
           </a:p>
           <a:p>
-            <a:pPr indent="0" marL="0">
+            <a:pPr marL="0" indent="0">
               <a:buNone/>
             </a:pPr>
             <a:r>
@@ -13001,7 +13407,7 @@
             <a:endParaRPr lang="en-US" sz="900" dirty="0"/>
           </a:p>
           <a:p>
-            <a:pPr indent="0" marL="0">
+            <a:pPr marL="0" indent="0">
               <a:buNone/>
             </a:pPr>
             <a:r>
@@ -13040,7 +13446,7 @@
           <a:bodyPr wrap="square" rtlCol="0" anchor="ctr"/>
           <a:lstStyle/>
           <a:p>
-            <a:pPr indent="0" marL="0">
+            <a:pPr marL="0" indent="0">
               <a:buNone/>
             </a:pPr>
             <a:r>
@@ -13079,7 +13485,7 @@
           <a:bodyPr wrap="square" rtlCol="0" anchor="ctr"/>
           <a:lstStyle/>
           <a:p>
-            <a:pPr algn="r" indent="0" marL="0">
+            <a:pPr marL="0" indent="0" algn="r">
               <a:buNone/>
             </a:pPr>
             <a:r>
@@ -13113,6 +13519,7 @@
         <a:solidFill>
           <a:srgbClr val="0066CC"/>
         </a:solidFill>
+        <a:effectLst/>
       </p:bgPr>
     </p:bg>
     <p:spTree>
@@ -13150,7 +13557,7 @@
           <a:bodyPr wrap="square" rtlCol="0" anchor="ctr"/>
           <a:lstStyle/>
           <a:p>
-            <a:pPr algn="ctr" indent="0" marL="0">
+            <a:pPr marL="0" indent="0" algn="ctr">
               <a:buNone/>
             </a:pPr>
             <a:r>
@@ -13189,6 +13596,13 @@
           </a:solidFill>
           <a:ln/>
         </p:spPr>
+        <p:txBody>
+          <a:bodyPr/>
+          <a:lstStyle/>
+          <a:p>
+            <a:endParaRPr lang="zh-TW" altLang="en-US"/>
+          </a:p>
+        </p:txBody>
       </p:sp>
       <p:sp>
         <p:nvSpPr>
@@ -13211,7 +13625,7 @@
           <a:bodyPr wrap="square" rtlCol="0" anchor="ctr"/>
           <a:lstStyle/>
           <a:p>
-            <a:pPr algn="ctr" indent="0" marL="0">
+            <a:pPr marL="0" indent="0" algn="ctr">
               <a:buNone/>
             </a:pPr>
             <a:r>
@@ -13250,7 +13664,7 @@
           <a:bodyPr wrap="square" rtlCol="0" anchor="ctr"/>
           <a:lstStyle/>
           <a:p>
-            <a:pPr algn="ctr" indent="0" marL="0">
+            <a:pPr marL="0" indent="0" algn="ctr">
               <a:buNone/>
             </a:pPr>
             <a:r>
@@ -13289,7 +13703,7 @@
           <a:bodyPr wrap="square" rtlCol="0" anchor="ctr"/>
           <a:lstStyle/>
           <a:p>
-            <a:pPr algn="ctr" indent="0" marL="0">
+            <a:pPr marL="0" indent="0" algn="ctr">
               <a:buNone/>
             </a:pPr>
             <a:r>
@@ -13328,7 +13742,7 @@
           <a:bodyPr wrap="square" rtlCol="0" anchor="ctr"/>
           <a:lstStyle/>
           <a:p>
-            <a:pPr indent="0" marL="0">
+            <a:pPr marL="0" indent="0">
               <a:buNone/>
             </a:pPr>
             <a:r>
@@ -13345,7 +13759,7 @@
             <a:endParaRPr lang="en-US" sz="900" dirty="0"/>
           </a:p>
           <a:p>
-            <a:pPr indent="0" marL="0">
+            <a:pPr marL="0" indent="0">
               <a:buNone/>
             </a:pPr>
             <a:r>
@@ -13362,7 +13776,7 @@
             <a:endParaRPr lang="en-US" sz="900" dirty="0"/>
           </a:p>
           <a:p>
-            <a:pPr indent="0" marL="0">
+            <a:pPr marL="0" indent="0">
               <a:buNone/>
             </a:pPr>
             <a:r>
@@ -13401,6 +13815,13 @@
           </a:solidFill>
           <a:ln/>
         </p:spPr>
+        <p:txBody>
+          <a:bodyPr/>
+          <a:lstStyle/>
+          <a:p>
+            <a:endParaRPr lang="zh-TW" altLang="en-US"/>
+          </a:p>
+        </p:txBody>
       </p:sp>
       <p:sp>
         <p:nvSpPr>
@@ -13423,7 +13844,7 @@
           <a:bodyPr wrap="square" rtlCol="0" anchor="ctr"/>
           <a:lstStyle/>
           <a:p>
-            <a:pPr algn="ctr" indent="0" marL="0">
+            <a:pPr marL="0" indent="0" algn="ctr">
               <a:buNone/>
             </a:pPr>
             <a:r>
@@ -13462,7 +13883,7 @@
           <a:bodyPr wrap="square" rtlCol="0" anchor="ctr"/>
           <a:lstStyle/>
           <a:p>
-            <a:pPr algn="ctr" indent="0" marL="0">
+            <a:pPr marL="0" indent="0" algn="ctr">
               <a:buNone/>
             </a:pPr>
             <a:r>
@@ -13501,7 +13922,7 @@
           <a:bodyPr wrap="square" rtlCol="0" anchor="ctr"/>
           <a:lstStyle/>
           <a:p>
-            <a:pPr algn="ctr" indent="0" marL="0">
+            <a:pPr marL="0" indent="0" algn="ctr">
               <a:buNone/>
             </a:pPr>
             <a:r>
@@ -13540,7 +13961,7 @@
           <a:bodyPr wrap="square" rtlCol="0" anchor="ctr"/>
           <a:lstStyle/>
           <a:p>
-            <a:pPr indent="0" marL="0">
+            <a:pPr marL="0" indent="0">
               <a:buNone/>
             </a:pPr>
             <a:r>
@@ -13557,7 +13978,7 @@
             <a:endParaRPr lang="en-US" sz="900" dirty="0"/>
           </a:p>
           <a:p>
-            <a:pPr indent="0" marL="0">
+            <a:pPr marL="0" indent="0">
               <a:buNone/>
             </a:pPr>
             <a:r>
@@ -13574,7 +13995,7 @@
             <a:endParaRPr lang="en-US" sz="900" dirty="0"/>
           </a:p>
           <a:p>
-            <a:pPr indent="0" marL="0">
+            <a:pPr marL="0" indent="0">
               <a:buNone/>
             </a:pPr>
             <a:r>
@@ -13613,6 +14034,13 @@
           </a:solidFill>
           <a:ln/>
         </p:spPr>
+        <p:txBody>
+          <a:bodyPr/>
+          <a:lstStyle/>
+          <a:p>
+            <a:endParaRPr lang="zh-TW" altLang="en-US"/>
+          </a:p>
+        </p:txBody>
       </p:sp>
       <p:sp>
         <p:nvSpPr>
@@ -13635,7 +14063,7 @@
           <a:bodyPr wrap="square" rtlCol="0" anchor="ctr"/>
           <a:lstStyle/>
           <a:p>
-            <a:pPr algn="ctr" indent="0" marL="0">
+            <a:pPr marL="0" indent="0" algn="ctr">
               <a:buNone/>
             </a:pPr>
             <a:r>
@@ -13674,7 +14102,7 @@
           <a:bodyPr wrap="square" rtlCol="0" anchor="ctr"/>
           <a:lstStyle/>
           <a:p>
-            <a:pPr algn="ctr" indent="0" marL="0">
+            <a:pPr marL="0" indent="0" algn="ctr">
               <a:buNone/>
             </a:pPr>
             <a:r>
@@ -13713,7 +14141,7 @@
           <a:bodyPr wrap="square" rtlCol="0" anchor="ctr"/>
           <a:lstStyle/>
           <a:p>
-            <a:pPr algn="ctr" indent="0" marL="0">
+            <a:pPr marL="0" indent="0" algn="ctr">
               <a:buNone/>
             </a:pPr>
             <a:r>
@@ -13752,7 +14180,7 @@
           <a:bodyPr wrap="square" rtlCol="0" anchor="ctr"/>
           <a:lstStyle/>
           <a:p>
-            <a:pPr indent="0" marL="0">
+            <a:pPr marL="0" indent="0">
               <a:buNone/>
             </a:pPr>
             <a:r>
@@ -13769,7 +14197,7 @@
             <a:endParaRPr lang="en-US" sz="900" dirty="0"/>
           </a:p>
           <a:p>
-            <a:pPr indent="0" marL="0">
+            <a:pPr marL="0" indent="0">
               <a:buNone/>
             </a:pPr>
             <a:r>
@@ -13786,7 +14214,7 @@
             <a:endParaRPr lang="en-US" sz="900" dirty="0"/>
           </a:p>
           <a:p>
-            <a:pPr indent="0" marL="0">
+            <a:pPr marL="0" indent="0">
               <a:buNone/>
             </a:pPr>
             <a:r>
@@ -13825,6 +14253,13 @@
           </a:solidFill>
           <a:ln/>
         </p:spPr>
+        <p:txBody>
+          <a:bodyPr/>
+          <a:lstStyle/>
+          <a:p>
+            <a:endParaRPr lang="zh-TW" altLang="en-US"/>
+          </a:p>
+        </p:txBody>
       </p:sp>
       <p:sp>
         <p:nvSpPr>
@@ -13847,7 +14282,7 @@
           <a:bodyPr wrap="square" rtlCol="0" anchor="ctr"/>
           <a:lstStyle/>
           <a:p>
-            <a:pPr indent="0" marL="0">
+            <a:pPr marL="0" indent="0">
               <a:buNone/>
             </a:pPr>
             <a:r>
@@ -13889,6 +14324,13 @@
             <a:prstDash val="solid"/>
           </a:ln>
         </p:spPr>
+        <p:txBody>
+          <a:bodyPr/>
+          <a:lstStyle/>
+          <a:p>
+            <a:endParaRPr lang="zh-TW" altLang="en-US"/>
+          </a:p>
+        </p:txBody>
       </p:sp>
       <p:sp>
         <p:nvSpPr>
@@ -13911,7 +14353,7 @@
           <a:bodyPr wrap="square" rtlCol="0" anchor="ctr"/>
           <a:lstStyle/>
           <a:p>
-            <a:pPr indent="0" marL="0">
+            <a:pPr marL="0" indent="0">
               <a:buNone/>
             </a:pPr>
             <a:r>
@@ -13950,7 +14392,7 @@
           <a:bodyPr wrap="square" rtlCol="0" anchor="ctr"/>
           <a:lstStyle/>
           <a:p>
-            <a:pPr indent="0" marL="0">
+            <a:pPr marL="0" indent="0">
               <a:buNone/>
             </a:pPr>
             <a:r>
@@ -13992,6 +14434,13 @@
             <a:prstDash val="solid"/>
           </a:ln>
         </p:spPr>
+        <p:txBody>
+          <a:bodyPr/>
+          <a:lstStyle/>
+          <a:p>
+            <a:endParaRPr lang="zh-TW" altLang="en-US"/>
+          </a:p>
+        </p:txBody>
       </p:sp>
       <p:sp>
         <p:nvSpPr>
@@ -14014,7 +14463,7 @@
           <a:bodyPr wrap="square" rtlCol="0" anchor="ctr"/>
           <a:lstStyle/>
           <a:p>
-            <a:pPr indent="0" marL="0">
+            <a:pPr marL="0" indent="0">
               <a:buNone/>
             </a:pPr>
             <a:r>
@@ -14053,7 +14502,7 @@
           <a:bodyPr wrap="square" rtlCol="0" anchor="ctr"/>
           <a:lstStyle/>
           <a:p>
-            <a:pPr indent="0" marL="0">
+            <a:pPr marL="0" indent="0">
               <a:buNone/>
             </a:pPr>
             <a:r>
@@ -14095,6 +14544,13 @@
             <a:prstDash val="solid"/>
           </a:ln>
         </p:spPr>
+        <p:txBody>
+          <a:bodyPr/>
+          <a:lstStyle/>
+          <a:p>
+            <a:endParaRPr lang="zh-TW" altLang="en-US"/>
+          </a:p>
+        </p:txBody>
       </p:sp>
       <p:sp>
         <p:nvSpPr>
@@ -14117,7 +14573,7 @@
           <a:bodyPr wrap="square" rtlCol="0" anchor="ctr"/>
           <a:lstStyle/>
           <a:p>
-            <a:pPr indent="0" marL="0">
+            <a:pPr marL="0" indent="0">
               <a:buNone/>
             </a:pPr>
             <a:r>
@@ -14156,7 +14612,7 @@
           <a:bodyPr wrap="square" rtlCol="0" anchor="ctr"/>
           <a:lstStyle/>
           <a:p>
-            <a:pPr indent="0" marL="0">
+            <a:pPr marL="0" indent="0">
               <a:buNone/>
             </a:pPr>
             <a:r>
@@ -14193,6 +14649,13 @@
           </a:solidFill>
           <a:ln/>
         </p:spPr>
+        <p:txBody>
+          <a:bodyPr/>
+          <a:lstStyle/>
+          <a:p>
+            <a:endParaRPr lang="zh-TW" altLang="en-US"/>
+          </a:p>
+        </p:txBody>
       </p:sp>
       <p:sp>
         <p:nvSpPr>
@@ -14215,7 +14678,7 @@
           <a:bodyPr wrap="square" rtlCol="0" anchor="ctr"/>
           <a:lstStyle/>
           <a:p>
-            <a:pPr algn="ctr" indent="0" marL="0">
+            <a:pPr marL="0" indent="0" algn="ctr">
               <a:buNone/>
             </a:pPr>
             <a:r>
@@ -14254,7 +14717,7 @@
           <a:bodyPr wrap="square" rtlCol="0" anchor="ctr"/>
           <a:lstStyle/>
           <a:p>
-            <a:pPr algn="ctr" indent="0" marL="0">
+            <a:pPr marL="0" indent="0" algn="ctr">
               <a:buNone/>
             </a:pPr>
             <a:r>
@@ -14293,7 +14756,7 @@
           <a:bodyPr wrap="square" rtlCol="0" anchor="ctr"/>
           <a:lstStyle/>
           <a:p>
-            <a:pPr algn="ctr" indent="0" marL="0">
+            <a:pPr marL="0" indent="0" algn="ctr">
               <a:buNone/>
             </a:pPr>
             <a:r>
@@ -14332,7 +14795,7 @@
           <a:bodyPr wrap="square" rtlCol="0" anchor="ctr"/>
           <a:lstStyle/>
           <a:p>
-            <a:pPr algn="ctr" indent="0" marL="0">
+            <a:pPr marL="0" indent="0" algn="ctr">
               <a:buNone/>
             </a:pPr>
             <a:r>
@@ -14374,6 +14837,13 @@
             <a:prstDash val="solid"/>
           </a:ln>
         </p:spPr>
+        <p:txBody>
+          <a:bodyPr/>
+          <a:lstStyle/>
+          <a:p>
+            <a:endParaRPr lang="zh-TW" altLang="en-US"/>
+          </a:p>
+        </p:txBody>
       </p:sp>
       <p:sp>
         <p:nvSpPr>
@@ -14396,7 +14866,7 @@
           <a:bodyPr wrap="square" rtlCol="0" anchor="ctr"/>
           <a:lstStyle/>
           <a:p>
-            <a:pPr indent="0" marL="0">
+            <a:pPr marL="0" indent="0">
               <a:buNone/>
             </a:pPr>
             <a:r>
@@ -14435,7 +14905,7 @@
           <a:bodyPr wrap="square" rtlCol="0" anchor="ctr"/>
           <a:lstStyle/>
           <a:p>
-            <a:pPr indent="0" marL="0">
+            <a:pPr marL="0" indent="0">
               <a:buNone/>
             </a:pPr>
             <a:r>
@@ -14452,7 +14922,7 @@
             <a:endParaRPr lang="en-US" sz="900" dirty="0"/>
           </a:p>
           <a:p>
-            <a:pPr indent="0" marL="0">
+            <a:pPr marL="0" indent="0">
               <a:buNone/>
             </a:pPr>
             <a:r>
@@ -14469,7 +14939,7 @@
             <a:endParaRPr lang="en-US" sz="900" dirty="0"/>
           </a:p>
           <a:p>
-            <a:pPr indent="0" marL="0">
+            <a:pPr marL="0" indent="0">
               <a:buNone/>
             </a:pPr>
             <a:r>
@@ -14508,7 +14978,7 @@
           <a:bodyPr wrap="square" rtlCol="0" anchor="ctr"/>
           <a:lstStyle/>
           <a:p>
-            <a:pPr indent="0" marL="0">
+            <a:pPr marL="0" indent="0">
               <a:buNone/>
             </a:pPr>
             <a:r>
@@ -14547,7 +15017,7 @@
           <a:bodyPr wrap="square" rtlCol="0" anchor="ctr"/>
           <a:lstStyle/>
           <a:p>
-            <a:pPr algn="r" indent="0" marL="0">
+            <a:pPr marL="0" indent="0" algn="r">
               <a:buNone/>
             </a:pPr>
             <a:r>
@@ -14866,4 +15336,319 @@
     </a:ext>
   </a:extLst>
 </a:theme>
+</file>
+
+<file path=ppt/theme/theme2.xml><?xml version="1.0" encoding="utf-8"?>
+<a:theme xmlns:a="http://schemas.openxmlformats.org/drawingml/2006/main" name="Office 佈景主題">
+  <a:themeElements>
+    <a:clrScheme name="Office">
+      <a:dk1>
+        <a:sysClr val="windowText" lastClr="000000"/>
+      </a:dk1>
+      <a:lt1>
+        <a:sysClr val="window" lastClr="FFFFFF"/>
+      </a:lt1>
+      <a:dk2>
+        <a:srgbClr val="0E2841"/>
+      </a:dk2>
+      <a:lt2>
+        <a:srgbClr val="E8E8E8"/>
+      </a:lt2>
+      <a:accent1>
+        <a:srgbClr val="156082"/>
+      </a:accent1>
+      <a:accent2>
+        <a:srgbClr val="E97132"/>
+      </a:accent2>
+      <a:accent3>
+        <a:srgbClr val="196B24"/>
+      </a:accent3>
+      <a:accent4>
+        <a:srgbClr val="0F9ED5"/>
+      </a:accent4>
+      <a:accent5>
+        <a:srgbClr val="A02B93"/>
+      </a:accent5>
+      <a:accent6>
+        <a:srgbClr val="4EA72E"/>
+      </a:accent6>
+      <a:hlink>
+        <a:srgbClr val="467886"/>
+      </a:hlink>
+      <a:folHlink>
+        <a:srgbClr val="96607D"/>
+      </a:folHlink>
+    </a:clrScheme>
+    <a:fontScheme name="Office">
+      <a:majorFont>
+        <a:latin typeface="Aptos Display" panose="02110004020202020204"/>
+        <a:ea typeface=""/>
+        <a:cs typeface=""/>
+        <a:font script="Jpan" typeface="游ゴシック Light"/>
+        <a:font script="Hang" typeface="맑은 고딕"/>
+        <a:font script="Hans" typeface="等线 Light"/>
+        <a:font script="Hant" typeface="新細明體"/>
+        <a:font script="Arab" typeface="Times New Roman"/>
+        <a:font script="Hebr" typeface="Times New Roman"/>
+        <a:font script="Thai" typeface="Angsana New"/>
+        <a:font script="Ethi" typeface="Nyala"/>
+        <a:font script="Beng" typeface="Vrinda"/>
+        <a:font script="Gujr" typeface="Shruti"/>
+        <a:font script="Khmr" typeface="MoolBoran"/>
+        <a:font script="Knda" typeface="Tunga"/>
+        <a:font script="Guru" typeface="Raavi"/>
+        <a:font script="Cans" typeface="Euphemia"/>
+        <a:font script="Cher" typeface="Plantagenet Cherokee"/>
+        <a:font script="Yiii" typeface="Microsoft Yi Baiti"/>
+        <a:font script="Tibt" typeface="Microsoft Himalaya"/>
+        <a:font script="Thaa" typeface="MV Boli"/>
+        <a:font script="Deva" typeface="Mangal"/>
+        <a:font script="Telu" typeface="Gautami"/>
+        <a:font script="Taml" typeface="Latha"/>
+        <a:font script="Syrc" typeface="Estrangelo Edessa"/>
+        <a:font script="Orya" typeface="Kalinga"/>
+        <a:font script="Mlym" typeface="Kartika"/>
+        <a:font script="Laoo" typeface="DokChampa"/>
+        <a:font script="Sinh" typeface="Iskoola Pota"/>
+        <a:font script="Mong" typeface="Mongolian Baiti"/>
+        <a:font script="Viet" typeface="Times New Roman"/>
+        <a:font script="Uigh" typeface="Microsoft Uighur"/>
+        <a:font script="Geor" typeface="Sylfaen"/>
+        <a:font script="Armn" typeface="Arial"/>
+        <a:font script="Bugi" typeface="Leelawadee UI"/>
+        <a:font script="Bopo" typeface="Microsoft JhengHei"/>
+        <a:font script="Java" typeface="Javanese Text"/>
+        <a:font script="Lisu" typeface="Segoe UI"/>
+        <a:font script="Mymr" typeface="Myanmar Text"/>
+        <a:font script="Nkoo" typeface="Ebrima"/>
+        <a:font script="Olck" typeface="Nirmala UI"/>
+        <a:font script="Osma" typeface="Ebrima"/>
+        <a:font script="Phag" typeface="Phagspa"/>
+        <a:font script="Syrn" typeface="Estrangelo Edessa"/>
+        <a:font script="Syrj" typeface="Estrangelo Edessa"/>
+        <a:font script="Syre" typeface="Estrangelo Edessa"/>
+        <a:font script="Sora" typeface="Nirmala UI"/>
+        <a:font script="Tale" typeface="Microsoft Tai Le"/>
+        <a:font script="Talu" typeface="Microsoft New Tai Lue"/>
+        <a:font script="Tfng" typeface="Ebrima"/>
+      </a:majorFont>
+      <a:minorFont>
+        <a:latin typeface="Aptos" panose="02110004020202020204"/>
+        <a:ea typeface=""/>
+        <a:cs typeface=""/>
+        <a:font script="Jpan" typeface="游ゴシック"/>
+        <a:font script="Hang" typeface="맑은 고딕"/>
+        <a:font script="Hans" typeface="等线"/>
+        <a:font script="Hant" typeface="新細明體"/>
+        <a:font script="Arab" typeface="Arial"/>
+        <a:font script="Hebr" typeface="Arial"/>
+        <a:font script="Thai" typeface="Cordia New"/>
+        <a:font script="Ethi" typeface="Nyala"/>
+        <a:font script="Beng" typeface="Vrinda"/>
+        <a:font script="Gujr" typeface="Shruti"/>
+        <a:font script="Khmr" typeface="DaunPenh"/>
+        <a:font script="Knda" typeface="Tunga"/>
+        <a:font script="Guru" typeface="Raavi"/>
+        <a:font script="Cans" typeface="Euphemia"/>
+        <a:font script="Cher" typeface="Plantagenet Cherokee"/>
+        <a:font script="Yiii" typeface="Microsoft Yi Baiti"/>
+        <a:font script="Tibt" typeface="Microsoft Himalaya"/>
+        <a:font script="Thaa" typeface="MV Boli"/>
+        <a:font script="Deva" typeface="Mangal"/>
+        <a:font script="Telu" typeface="Gautami"/>
+        <a:font script="Taml" typeface="Latha"/>
+        <a:font script="Syrc" typeface="Estrangelo Edessa"/>
+        <a:font script="Orya" typeface="Kalinga"/>
+        <a:font script="Mlym" typeface="Kartika"/>
+        <a:font script="Laoo" typeface="DokChampa"/>
+        <a:font script="Sinh" typeface="Iskoola Pota"/>
+        <a:font script="Mong" typeface="Mongolian Baiti"/>
+        <a:font script="Viet" typeface="Arial"/>
+        <a:font script="Uigh" typeface="Microsoft Uighur"/>
+        <a:font script="Geor" typeface="Sylfaen"/>
+        <a:font script="Armn" typeface="Arial"/>
+        <a:font script="Bugi" typeface="Leelawadee UI"/>
+        <a:font script="Bopo" typeface="Microsoft JhengHei"/>
+        <a:font script="Java" typeface="Javanese Text"/>
+        <a:font script="Lisu" typeface="Segoe UI"/>
+        <a:font script="Mymr" typeface="Myanmar Text"/>
+        <a:font script="Nkoo" typeface="Ebrima"/>
+        <a:font script="Olck" typeface="Nirmala UI"/>
+        <a:font script="Osma" typeface="Ebrima"/>
+        <a:font script="Phag" typeface="Phagspa"/>
+        <a:font script="Syrn" typeface="Estrangelo Edessa"/>
+        <a:font script="Syrj" typeface="Estrangelo Edessa"/>
+        <a:font script="Syre" typeface="Estrangelo Edessa"/>
+        <a:font script="Sora" typeface="Nirmala UI"/>
+        <a:font script="Tale" typeface="Microsoft Tai Le"/>
+        <a:font script="Talu" typeface="Microsoft New Tai Lue"/>
+        <a:font script="Tfng" typeface="Ebrima"/>
+      </a:minorFont>
+    </a:fontScheme>
+    <a:fmtScheme name="Office">
+      <a:fillStyleLst>
+        <a:solidFill>
+          <a:schemeClr val="phClr"/>
+        </a:solidFill>
+        <a:gradFill rotWithShape="1">
+          <a:gsLst>
+            <a:gs pos="0">
+              <a:schemeClr val="phClr">
+                <a:lumMod val="110000"/>
+                <a:satMod val="105000"/>
+                <a:tint val="67000"/>
+              </a:schemeClr>
+            </a:gs>
+            <a:gs pos="50000">
+              <a:schemeClr val="phClr">
+                <a:lumMod val="105000"/>
+                <a:satMod val="103000"/>
+                <a:tint val="73000"/>
+              </a:schemeClr>
+            </a:gs>
+            <a:gs pos="100000">
+              <a:schemeClr val="phClr">
+                <a:lumMod val="105000"/>
+                <a:satMod val="109000"/>
+                <a:tint val="81000"/>
+              </a:schemeClr>
+            </a:gs>
+          </a:gsLst>
+          <a:lin ang="5400000" scaled="0"/>
+        </a:gradFill>
+        <a:gradFill rotWithShape="1">
+          <a:gsLst>
+            <a:gs pos="0">
+              <a:schemeClr val="phClr">
+                <a:satMod val="103000"/>
+                <a:lumMod val="102000"/>
+                <a:tint val="94000"/>
+              </a:schemeClr>
+            </a:gs>
+            <a:gs pos="50000">
+              <a:schemeClr val="phClr">
+                <a:satMod val="110000"/>
+                <a:lumMod val="100000"/>
+                <a:shade val="100000"/>
+              </a:schemeClr>
+            </a:gs>
+            <a:gs pos="100000">
+              <a:schemeClr val="phClr">
+                <a:lumMod val="99000"/>
+                <a:satMod val="120000"/>
+                <a:shade val="78000"/>
+              </a:schemeClr>
+            </a:gs>
+          </a:gsLst>
+          <a:lin ang="5400000" scaled="0"/>
+        </a:gradFill>
+      </a:fillStyleLst>
+      <a:lnStyleLst>
+        <a:ln w="12700" cap="flat" cmpd="sng" algn="ctr">
+          <a:solidFill>
+            <a:schemeClr val="phClr"/>
+          </a:solidFill>
+          <a:prstDash val="solid"/>
+          <a:miter lim="800000"/>
+        </a:ln>
+        <a:ln w="19050" cap="flat" cmpd="sng" algn="ctr">
+          <a:solidFill>
+            <a:schemeClr val="phClr"/>
+          </a:solidFill>
+          <a:prstDash val="solid"/>
+          <a:miter lim="800000"/>
+        </a:ln>
+        <a:ln w="25400" cap="flat" cmpd="sng" algn="ctr">
+          <a:solidFill>
+            <a:schemeClr val="phClr"/>
+          </a:solidFill>
+          <a:prstDash val="solid"/>
+          <a:miter lim="800000"/>
+        </a:ln>
+      </a:lnStyleLst>
+      <a:effectStyleLst>
+        <a:effectStyle>
+          <a:effectLst/>
+        </a:effectStyle>
+        <a:effectStyle>
+          <a:effectLst/>
+        </a:effectStyle>
+        <a:effectStyle>
+          <a:effectLst>
+            <a:outerShdw blurRad="57150" dist="19050" dir="5400000" algn="ctr" rotWithShape="0">
+              <a:srgbClr val="000000">
+                <a:alpha val="63000"/>
+              </a:srgbClr>
+            </a:outerShdw>
+          </a:effectLst>
+        </a:effectStyle>
+      </a:effectStyleLst>
+      <a:bgFillStyleLst>
+        <a:solidFill>
+          <a:schemeClr val="phClr"/>
+        </a:solidFill>
+        <a:solidFill>
+          <a:schemeClr val="phClr">
+            <a:tint val="95000"/>
+            <a:satMod val="170000"/>
+          </a:schemeClr>
+        </a:solidFill>
+        <a:gradFill rotWithShape="1">
+          <a:gsLst>
+            <a:gs pos="0">
+              <a:schemeClr val="phClr">
+                <a:tint val="93000"/>
+                <a:satMod val="150000"/>
+                <a:shade val="98000"/>
+                <a:lumMod val="102000"/>
+              </a:schemeClr>
+            </a:gs>
+            <a:gs pos="50000">
+              <a:schemeClr val="phClr">
+                <a:tint val="98000"/>
+                <a:satMod val="130000"/>
+                <a:shade val="90000"/>
+                <a:lumMod val="103000"/>
+              </a:schemeClr>
+            </a:gs>
+            <a:gs pos="100000">
+              <a:schemeClr val="phClr">
+                <a:shade val="63000"/>
+                <a:satMod val="120000"/>
+              </a:schemeClr>
+            </a:gs>
+          </a:gsLst>
+          <a:lin ang="5400000" scaled="0"/>
+        </a:gradFill>
+      </a:bgFillStyleLst>
+    </a:fmtScheme>
+  </a:themeElements>
+  <a:objectDefaults>
+    <a:lnDef>
+      <a:spPr/>
+      <a:bodyPr/>
+      <a:lstStyle/>
+      <a:style>
+        <a:lnRef idx="2">
+          <a:schemeClr val="accent1"/>
+        </a:lnRef>
+        <a:fillRef idx="0">
+          <a:schemeClr val="accent1"/>
+        </a:fillRef>
+        <a:effectRef idx="1">
+          <a:schemeClr val="accent1"/>
+        </a:effectRef>
+        <a:fontRef idx="minor">
+          <a:schemeClr val="tx1"/>
+        </a:fontRef>
+      </a:style>
+    </a:lnDef>
+  </a:objectDefaults>
+  <a:extraClrSchemeLst/>
+  <a:extLst>
+    <a:ext uri="{05A4C25C-085E-4340-85A3-A5531E510DB2}">
+      <thm15:themeFamily xmlns:thm15="http://schemas.microsoft.com/office/thememl/2012/main" name="Office Theme" id="{2E142A2C-CD16-42D6-873A-C26D2A0506FA}" vid="{1BDDFF52-6CD6-40A5-AB3C-68EB2F1E4D0A}"/>
+    </a:ext>
+  </a:extLst>
+</a:theme>
 </file>